--- a/project/ppt/ux 디자인.pptx
+++ b/project/ppt/ux 디자인.pptx
@@ -7,17 +7,21 @@
   <p:sldIdLst>
     <p:sldId id="256" r:id="rId2"/>
     <p:sldId id="258" r:id="rId3"/>
-    <p:sldId id="269" r:id="rId4"/>
-    <p:sldId id="257" r:id="rId5"/>
-    <p:sldId id="259" r:id="rId6"/>
-    <p:sldId id="268" r:id="rId7"/>
-    <p:sldId id="260" r:id="rId8"/>
-    <p:sldId id="263" r:id="rId9"/>
-    <p:sldId id="264" r:id="rId10"/>
-    <p:sldId id="262" r:id="rId11"/>
-    <p:sldId id="265" r:id="rId12"/>
-    <p:sldId id="266" r:id="rId13"/>
-    <p:sldId id="267" r:id="rId14"/>
+    <p:sldId id="270" r:id="rId4"/>
+    <p:sldId id="271" r:id="rId5"/>
+    <p:sldId id="272" r:id="rId6"/>
+    <p:sldId id="273" r:id="rId7"/>
+    <p:sldId id="269" r:id="rId8"/>
+    <p:sldId id="257" r:id="rId9"/>
+    <p:sldId id="259" r:id="rId10"/>
+    <p:sldId id="268" r:id="rId11"/>
+    <p:sldId id="260" r:id="rId12"/>
+    <p:sldId id="263" r:id="rId13"/>
+    <p:sldId id="264" r:id="rId14"/>
+    <p:sldId id="262" r:id="rId15"/>
+    <p:sldId id="265" r:id="rId16"/>
+    <p:sldId id="266" r:id="rId17"/>
+    <p:sldId id="267" r:id="rId18"/>
   </p:sldIdLst>
   <p:sldSz cx="12192000" cy="6858000"/>
   <p:notesSz cx="6858000" cy="9144000"/>
@@ -271,7 +275,7 @@
           <a:p>
             <a:fld id="{4BC8B23F-C733-49F7-9003-80DFB68AFED6}" type="datetimeFigureOut">
               <a:rPr lang="ko-KR" altLang="en-US" smtClean="0"/>
-              <a:t>2018-03-27</a:t>
+              <a:t>2018-04-12</a:t>
             </a:fld>
             <a:endParaRPr lang="ko-KR" altLang="en-US"/>
           </a:p>
@@ -469,7 +473,7 @@
           <a:p>
             <a:fld id="{4BC8B23F-C733-49F7-9003-80DFB68AFED6}" type="datetimeFigureOut">
               <a:rPr lang="ko-KR" altLang="en-US" smtClean="0"/>
-              <a:t>2018-03-27</a:t>
+              <a:t>2018-04-12</a:t>
             </a:fld>
             <a:endParaRPr lang="ko-KR" altLang="en-US"/>
           </a:p>
@@ -677,7 +681,7 @@
           <a:p>
             <a:fld id="{4BC8B23F-C733-49F7-9003-80DFB68AFED6}" type="datetimeFigureOut">
               <a:rPr lang="ko-KR" altLang="en-US" smtClean="0"/>
-              <a:t>2018-03-27</a:t>
+              <a:t>2018-04-12</a:t>
             </a:fld>
             <a:endParaRPr lang="ko-KR" altLang="en-US"/>
           </a:p>
@@ -875,7 +879,7 @@
           <a:p>
             <a:fld id="{4BC8B23F-C733-49F7-9003-80DFB68AFED6}" type="datetimeFigureOut">
               <a:rPr lang="ko-KR" altLang="en-US" smtClean="0"/>
-              <a:t>2018-03-27</a:t>
+              <a:t>2018-04-12</a:t>
             </a:fld>
             <a:endParaRPr lang="ko-KR" altLang="en-US"/>
           </a:p>
@@ -1150,7 +1154,7 @@
           <a:p>
             <a:fld id="{4BC8B23F-C733-49F7-9003-80DFB68AFED6}" type="datetimeFigureOut">
               <a:rPr lang="ko-KR" altLang="en-US" smtClean="0"/>
-              <a:t>2018-03-27</a:t>
+              <a:t>2018-04-12</a:t>
             </a:fld>
             <a:endParaRPr lang="ko-KR" altLang="en-US"/>
           </a:p>
@@ -1415,7 +1419,7 @@
           <a:p>
             <a:fld id="{4BC8B23F-C733-49F7-9003-80DFB68AFED6}" type="datetimeFigureOut">
               <a:rPr lang="ko-KR" altLang="en-US" smtClean="0"/>
-              <a:t>2018-03-27</a:t>
+              <a:t>2018-04-12</a:t>
             </a:fld>
             <a:endParaRPr lang="ko-KR" altLang="en-US"/>
           </a:p>
@@ -1827,7 +1831,7 @@
           <a:p>
             <a:fld id="{4BC8B23F-C733-49F7-9003-80DFB68AFED6}" type="datetimeFigureOut">
               <a:rPr lang="ko-KR" altLang="en-US" smtClean="0"/>
-              <a:t>2018-03-27</a:t>
+              <a:t>2018-04-12</a:t>
             </a:fld>
             <a:endParaRPr lang="ko-KR" altLang="en-US"/>
           </a:p>
@@ -1968,7 +1972,7 @@
           <a:p>
             <a:fld id="{4BC8B23F-C733-49F7-9003-80DFB68AFED6}" type="datetimeFigureOut">
               <a:rPr lang="ko-KR" altLang="en-US" smtClean="0"/>
-              <a:t>2018-03-27</a:t>
+              <a:t>2018-04-12</a:t>
             </a:fld>
             <a:endParaRPr lang="ko-KR" altLang="en-US"/>
           </a:p>
@@ -2081,7 +2085,7 @@
           <a:p>
             <a:fld id="{4BC8B23F-C733-49F7-9003-80DFB68AFED6}" type="datetimeFigureOut">
               <a:rPr lang="ko-KR" altLang="en-US" smtClean="0"/>
-              <a:t>2018-03-27</a:t>
+              <a:t>2018-04-12</a:t>
             </a:fld>
             <a:endParaRPr lang="ko-KR" altLang="en-US"/>
           </a:p>
@@ -2392,7 +2396,7 @@
           <a:p>
             <a:fld id="{4BC8B23F-C733-49F7-9003-80DFB68AFED6}" type="datetimeFigureOut">
               <a:rPr lang="ko-KR" altLang="en-US" smtClean="0"/>
-              <a:t>2018-03-27</a:t>
+              <a:t>2018-04-12</a:t>
             </a:fld>
             <a:endParaRPr lang="ko-KR" altLang="en-US"/>
           </a:p>
@@ -2680,7 +2684,7 @@
           <a:p>
             <a:fld id="{4BC8B23F-C733-49F7-9003-80DFB68AFED6}" type="datetimeFigureOut">
               <a:rPr lang="ko-KR" altLang="en-US" smtClean="0"/>
-              <a:t>2018-03-27</a:t>
+              <a:t>2018-04-12</a:t>
             </a:fld>
             <a:endParaRPr lang="ko-KR" altLang="en-US"/>
           </a:p>
@@ -2921,7 +2925,7 @@
           <a:p>
             <a:fld id="{4BC8B23F-C733-49F7-9003-80DFB68AFED6}" type="datetimeFigureOut">
               <a:rPr lang="ko-KR" altLang="en-US" smtClean="0"/>
-              <a:t>2018-03-27</a:t>
+              <a:t>2018-04-12</a:t>
             </a:fld>
             <a:endParaRPr lang="ko-KR" altLang="en-US"/>
           </a:p>
@@ -3617,6 +3621,2699 @@
           <p:cNvPr id="2" name="제목 1">
             <a:extLst>
               <a:ext uri="{FF2B5EF4-FFF2-40B4-BE49-F238E27FC236}">
+                <a16:creationId xmlns:a16="http://schemas.microsoft.com/office/drawing/2014/main" id="{B04E45A7-D351-48AD-880F-200B6627552D}"/>
+              </a:ext>
+            </a:extLst>
+          </p:cNvPr>
+          <p:cNvSpPr>
+            <a:spLocks noGrp="1"/>
+          </p:cNvSpPr>
+          <p:nvPr>
+            <p:ph type="title"/>
+          </p:nvPr>
+        </p:nvSpPr>
+        <p:spPr/>
+        <p:txBody>
+          <a:bodyPr/>
+          <a:lstStyle/>
+          <a:p>
+            <a:r>
+              <a:rPr lang="ko-KR" altLang="en-US" dirty="0"/>
+              <a:t>추천화면</a:t>
+            </a:r>
+          </a:p>
+        </p:txBody>
+      </p:sp>
+      <p:pic>
+        <p:nvPicPr>
+          <p:cNvPr id="4" name="내용 개체 틀 3">
+            <a:extLst>
+              <a:ext uri="{FF2B5EF4-FFF2-40B4-BE49-F238E27FC236}">
+                <a16:creationId xmlns:a16="http://schemas.microsoft.com/office/drawing/2014/main" id="{3912487D-4762-4AD2-9264-BB76B79BD7F4}"/>
+              </a:ext>
+            </a:extLst>
+          </p:cNvPr>
+          <p:cNvPicPr>
+            <a:picLocks noGrp="1" noChangeAspect="1"/>
+          </p:cNvPicPr>
+          <p:nvPr>
+            <p:ph idx="1"/>
+          </p:nvPr>
+        </p:nvPicPr>
+        <p:blipFill>
+          <a:blip r:embed="rId2"/>
+          <a:stretch>
+            <a:fillRect/>
+          </a:stretch>
+        </p:blipFill>
+        <p:spPr>
+          <a:xfrm>
+            <a:off x="838200" y="1690688"/>
+            <a:ext cx="4894707" cy="4351338"/>
+          </a:xfrm>
+          <a:prstGeom prst="rect">
+            <a:avLst/>
+          </a:prstGeom>
+        </p:spPr>
+      </p:pic>
+      <p:pic>
+        <p:nvPicPr>
+          <p:cNvPr id="5" name="그림 4">
+            <a:extLst>
+              <a:ext uri="{FF2B5EF4-FFF2-40B4-BE49-F238E27FC236}">
+                <a16:creationId xmlns:a16="http://schemas.microsoft.com/office/drawing/2014/main" id="{23E5B027-2DAC-4E0C-BD5D-393D71219AD9}"/>
+              </a:ext>
+            </a:extLst>
+          </p:cNvPr>
+          <p:cNvPicPr>
+            <a:picLocks noChangeAspect="1"/>
+          </p:cNvPicPr>
+          <p:nvPr/>
+        </p:nvPicPr>
+        <p:blipFill>
+          <a:blip r:embed="rId3"/>
+          <a:stretch>
+            <a:fillRect/>
+          </a:stretch>
+        </p:blipFill>
+        <p:spPr>
+          <a:xfrm>
+            <a:off x="4351955" y="2443163"/>
+            <a:ext cx="1380952" cy="2428571"/>
+          </a:xfrm>
+          <a:prstGeom prst="rect">
+            <a:avLst/>
+          </a:prstGeom>
+        </p:spPr>
+      </p:pic>
+      <p:sp>
+        <p:nvSpPr>
+          <p:cNvPr id="6" name="직사각형 5">
+            <a:extLst>
+              <a:ext uri="{FF2B5EF4-FFF2-40B4-BE49-F238E27FC236}">
+                <a16:creationId xmlns:a16="http://schemas.microsoft.com/office/drawing/2014/main" id="{E233E353-9391-46C0-A53C-004D829D9F65}"/>
+              </a:ext>
+            </a:extLst>
+          </p:cNvPr>
+          <p:cNvSpPr/>
+          <p:nvPr/>
+        </p:nvSpPr>
+        <p:spPr>
+          <a:xfrm>
+            <a:off x="1114425" y="2682874"/>
+            <a:ext cx="1057275" cy="590550"/>
+          </a:xfrm>
+          <a:prstGeom prst="rect">
+            <a:avLst/>
+          </a:prstGeom>
+        </p:spPr>
+        <p:style>
+          <a:lnRef idx="2">
+            <a:schemeClr val="accent1">
+              <a:shade val="50000"/>
+            </a:schemeClr>
+          </a:lnRef>
+          <a:fillRef idx="1">
+            <a:schemeClr val="accent1"/>
+          </a:fillRef>
+          <a:effectRef idx="0">
+            <a:schemeClr val="accent1"/>
+          </a:effectRef>
+          <a:fontRef idx="minor">
+            <a:schemeClr val="lt1"/>
+          </a:fontRef>
+        </p:style>
+        <p:txBody>
+          <a:bodyPr rtlCol="0" anchor="ctr"/>
+          <a:lstStyle/>
+          <a:p>
+            <a:pPr algn="ctr"/>
+            <a:r>
+              <a:rPr lang="ko-KR" altLang="en-US"/>
+              <a:t>착용</a:t>
+            </a:r>
+          </a:p>
+        </p:txBody>
+      </p:sp>
+      <p:sp>
+        <p:nvSpPr>
+          <p:cNvPr id="7" name="직사각형 6">
+            <a:extLst>
+              <a:ext uri="{FF2B5EF4-FFF2-40B4-BE49-F238E27FC236}">
+                <a16:creationId xmlns:a16="http://schemas.microsoft.com/office/drawing/2014/main" id="{CC0DEA45-42E9-4178-ACF7-8FF3A960C2AC}"/>
+              </a:ext>
+            </a:extLst>
+          </p:cNvPr>
+          <p:cNvSpPr/>
+          <p:nvPr/>
+        </p:nvSpPr>
+        <p:spPr>
+          <a:xfrm>
+            <a:off x="1114425" y="4362450"/>
+            <a:ext cx="1057275" cy="590550"/>
+          </a:xfrm>
+          <a:prstGeom prst="rect">
+            <a:avLst/>
+          </a:prstGeom>
+        </p:spPr>
+        <p:style>
+          <a:lnRef idx="2">
+            <a:schemeClr val="accent1">
+              <a:shade val="50000"/>
+            </a:schemeClr>
+          </a:lnRef>
+          <a:fillRef idx="1">
+            <a:schemeClr val="accent1"/>
+          </a:fillRef>
+          <a:effectRef idx="0">
+            <a:schemeClr val="accent1"/>
+          </a:effectRef>
+          <a:fontRef idx="minor">
+            <a:schemeClr val="lt1"/>
+          </a:fontRef>
+        </p:style>
+        <p:txBody>
+          <a:bodyPr rtlCol="0" anchor="ctr"/>
+          <a:lstStyle/>
+          <a:p>
+            <a:pPr algn="ctr"/>
+            <a:r>
+              <a:rPr lang="ko-KR" altLang="en-US" dirty="0"/>
+              <a:t>뒤로</a:t>
+            </a:r>
+          </a:p>
+        </p:txBody>
+      </p:sp>
+      <p:sp>
+        <p:nvSpPr>
+          <p:cNvPr id="8" name="직사각형 7">
+            <a:extLst>
+              <a:ext uri="{FF2B5EF4-FFF2-40B4-BE49-F238E27FC236}">
+                <a16:creationId xmlns:a16="http://schemas.microsoft.com/office/drawing/2014/main" id="{0A392887-527F-4A59-AB25-93786BE92509}"/>
+              </a:ext>
+            </a:extLst>
+          </p:cNvPr>
+          <p:cNvSpPr/>
+          <p:nvPr/>
+        </p:nvSpPr>
+        <p:spPr>
+          <a:xfrm>
+            <a:off x="1114425" y="3522662"/>
+            <a:ext cx="1057275" cy="590550"/>
+          </a:xfrm>
+          <a:prstGeom prst="rect">
+            <a:avLst/>
+          </a:prstGeom>
+        </p:spPr>
+        <p:style>
+          <a:lnRef idx="2">
+            <a:schemeClr val="accent1">
+              <a:shade val="50000"/>
+            </a:schemeClr>
+          </a:lnRef>
+          <a:fillRef idx="1">
+            <a:schemeClr val="accent1"/>
+          </a:fillRef>
+          <a:effectRef idx="0">
+            <a:schemeClr val="accent1"/>
+          </a:effectRef>
+          <a:fontRef idx="minor">
+            <a:schemeClr val="lt1"/>
+          </a:fontRef>
+        </p:style>
+        <p:txBody>
+          <a:bodyPr rtlCol="0" anchor="ctr"/>
+          <a:lstStyle/>
+          <a:p>
+            <a:pPr algn="ctr"/>
+            <a:r>
+              <a:rPr lang="ko-KR" altLang="en-US" dirty="0"/>
+              <a:t>다음</a:t>
+            </a:r>
+          </a:p>
+        </p:txBody>
+      </p:sp>
+      <p:sp>
+        <p:nvSpPr>
+          <p:cNvPr id="3" name="TextBox 2">
+            <a:extLst>
+              <a:ext uri="{FF2B5EF4-FFF2-40B4-BE49-F238E27FC236}">
+                <a16:creationId xmlns:a16="http://schemas.microsoft.com/office/drawing/2014/main" id="{CB9EC69E-7152-4308-B931-320EC17F22E7}"/>
+              </a:ext>
+            </a:extLst>
+          </p:cNvPr>
+          <p:cNvSpPr txBox="1"/>
+          <p:nvPr/>
+        </p:nvSpPr>
+        <p:spPr>
+          <a:xfrm>
+            <a:off x="6267450" y="1914525"/>
+            <a:ext cx="5522666" cy="2308324"/>
+          </a:xfrm>
+          <a:prstGeom prst="rect">
+            <a:avLst/>
+          </a:prstGeom>
+          <a:noFill/>
+        </p:spPr>
+        <p:txBody>
+          <a:bodyPr wrap="none" rtlCol="0">
+            <a:spAutoFit/>
+          </a:bodyPr>
+          <a:lstStyle/>
+          <a:p>
+            <a:r>
+              <a:rPr lang="ko-KR" altLang="en-US" dirty="0"/>
+              <a:t>옷의 정보를 화면 오른쪽에 띄워준다</a:t>
+            </a:r>
+            <a:endParaRPr lang="en-US" altLang="ko-KR" dirty="0"/>
+          </a:p>
+          <a:p>
+            <a:endParaRPr lang="en-US" altLang="ko-KR" dirty="0"/>
+          </a:p>
+          <a:p>
+            <a:r>
+              <a:rPr lang="ko-KR" altLang="en-US" dirty="0"/>
+              <a:t>보고 괜찮으면 착용을 클릭하여 오버레이 화면으로 </a:t>
+            </a:r>
+            <a:endParaRPr lang="en-US" altLang="ko-KR" dirty="0"/>
+          </a:p>
+          <a:p>
+            <a:r>
+              <a:rPr lang="ko-KR" altLang="en-US" dirty="0"/>
+              <a:t>넘어간다</a:t>
+            </a:r>
+            <a:endParaRPr lang="en-US" altLang="ko-KR" dirty="0"/>
+          </a:p>
+          <a:p>
+            <a:endParaRPr lang="en-US" altLang="ko-KR" dirty="0"/>
+          </a:p>
+          <a:p>
+            <a:r>
+              <a:rPr lang="ko-KR" altLang="en-US" dirty="0"/>
+              <a:t>다른 추천을 보고 싶으면 다음을 클릭한다</a:t>
+            </a:r>
+            <a:endParaRPr lang="en-US" altLang="ko-KR" dirty="0"/>
+          </a:p>
+          <a:p>
+            <a:endParaRPr lang="en-US" altLang="ko-KR" dirty="0"/>
+          </a:p>
+          <a:p>
+            <a:r>
+              <a:rPr lang="ko-KR" altLang="en-US" dirty="0"/>
+              <a:t>이전 화면으로 돌아가고 싶으면 </a:t>
+            </a:r>
+            <a:r>
+              <a:rPr lang="ko-KR" altLang="en-US" dirty="0" err="1"/>
+              <a:t>뒤로를</a:t>
+            </a:r>
+            <a:r>
+              <a:rPr lang="ko-KR" altLang="en-US" dirty="0"/>
+              <a:t> 클릭한다</a:t>
+            </a:r>
+          </a:p>
+        </p:txBody>
+      </p:sp>
+    </p:spTree>
+    <p:extLst>
+      <p:ext uri="{BB962C8B-B14F-4D97-AF65-F5344CB8AC3E}">
+        <p14:creationId xmlns:p14="http://schemas.microsoft.com/office/powerpoint/2010/main" val="455297187"/>
+      </p:ext>
+    </p:extLst>
+  </p:cSld>
+  <p:clrMapOvr>
+    <a:masterClrMapping/>
+  </p:clrMapOvr>
+</p:sld>
+</file>
+
+<file path=ppt/slides/slide11.xml><?xml version="1.0" encoding="utf-8"?>
+<p:sld xmlns:a="http://schemas.openxmlformats.org/drawingml/2006/main" xmlns:r="http://schemas.openxmlformats.org/officeDocument/2006/relationships" xmlns:p="http://schemas.openxmlformats.org/presentationml/2006/main">
+  <p:cSld>
+    <p:spTree>
+      <p:nvGrpSpPr>
+        <p:cNvPr id="1" name=""/>
+        <p:cNvGrpSpPr/>
+        <p:nvPr/>
+      </p:nvGrpSpPr>
+      <p:grpSpPr>
+        <a:xfrm>
+          <a:off x="0" y="0"/>
+          <a:ext cx="0" cy="0"/>
+          <a:chOff x="0" y="0"/>
+          <a:chExt cx="0" cy="0"/>
+        </a:xfrm>
+      </p:grpSpPr>
+      <p:sp>
+        <p:nvSpPr>
+          <p:cNvPr id="2" name="제목 1">
+            <a:extLst>
+              <a:ext uri="{FF2B5EF4-FFF2-40B4-BE49-F238E27FC236}">
+                <a16:creationId xmlns:a16="http://schemas.microsoft.com/office/drawing/2014/main" id="{EB5F4D01-9872-49D1-81E1-648F5588808B}"/>
+              </a:ext>
+            </a:extLst>
+          </p:cNvPr>
+          <p:cNvSpPr>
+            <a:spLocks noGrp="1"/>
+          </p:cNvSpPr>
+          <p:nvPr>
+            <p:ph type="title"/>
+          </p:nvPr>
+        </p:nvSpPr>
+        <p:spPr/>
+        <p:txBody>
+          <a:bodyPr/>
+          <a:lstStyle/>
+          <a:p>
+            <a:r>
+              <a:rPr lang="ko-KR" altLang="en-US" dirty="0"/>
+              <a:t>목록화면</a:t>
+            </a:r>
+            <a:r>
+              <a:rPr lang="en-US" altLang="ko-KR" dirty="0"/>
+              <a:t>(1)</a:t>
+            </a:r>
+            <a:endParaRPr lang="ko-KR" altLang="en-US" dirty="0"/>
+          </a:p>
+        </p:txBody>
+      </p:sp>
+      <p:pic>
+        <p:nvPicPr>
+          <p:cNvPr id="5" name="내용 개체 틀 3">
+            <a:extLst>
+              <a:ext uri="{FF2B5EF4-FFF2-40B4-BE49-F238E27FC236}">
+                <a16:creationId xmlns:a16="http://schemas.microsoft.com/office/drawing/2014/main" id="{DD87A239-C3E0-46B6-BDDD-A59B295952BE}"/>
+              </a:ext>
+            </a:extLst>
+          </p:cNvPr>
+          <p:cNvPicPr>
+            <a:picLocks noGrp="1" noChangeAspect="1"/>
+          </p:cNvPicPr>
+          <p:nvPr>
+            <p:ph idx="1"/>
+          </p:nvPr>
+        </p:nvPicPr>
+        <p:blipFill>
+          <a:blip r:embed="rId2"/>
+          <a:stretch>
+            <a:fillRect/>
+          </a:stretch>
+        </p:blipFill>
+        <p:spPr>
+          <a:xfrm>
+            <a:off x="838200" y="1690688"/>
+            <a:ext cx="4894707" cy="4351338"/>
+          </a:xfrm>
+          <a:prstGeom prst="rect">
+            <a:avLst/>
+          </a:prstGeom>
+        </p:spPr>
+      </p:pic>
+      <p:sp>
+        <p:nvSpPr>
+          <p:cNvPr id="12" name="직사각형 11">
+            <a:extLst>
+              <a:ext uri="{FF2B5EF4-FFF2-40B4-BE49-F238E27FC236}">
+                <a16:creationId xmlns:a16="http://schemas.microsoft.com/office/drawing/2014/main" id="{9E739080-653D-4A24-AF53-A669BBA776A5}"/>
+              </a:ext>
+            </a:extLst>
+          </p:cNvPr>
+          <p:cNvSpPr/>
+          <p:nvPr/>
+        </p:nvSpPr>
+        <p:spPr>
+          <a:xfrm>
+            <a:off x="2245009" y="1881506"/>
+            <a:ext cx="1273988" cy="1336040"/>
+          </a:xfrm>
+          <a:prstGeom prst="rect">
+            <a:avLst/>
+          </a:prstGeom>
+          <a:blipFill dpi="0" rotWithShape="1">
+            <a:blip r:embed="rId3">
+              <a:alphaModFix amt="70000"/>
+            </a:blip>
+            <a:srcRect/>
+            <a:stretch>
+              <a:fillRect/>
+            </a:stretch>
+          </a:blipFill>
+          <a:ln>
+            <a:noFill/>
+          </a:ln>
+        </p:spPr>
+        <p:style>
+          <a:lnRef idx="2">
+            <a:schemeClr val="accent1">
+              <a:shade val="50000"/>
+            </a:schemeClr>
+          </a:lnRef>
+          <a:fillRef idx="1">
+            <a:schemeClr val="accent1"/>
+          </a:fillRef>
+          <a:effectRef idx="0">
+            <a:schemeClr val="accent1"/>
+          </a:effectRef>
+          <a:fontRef idx="minor">
+            <a:schemeClr val="lt1"/>
+          </a:fontRef>
+        </p:style>
+        <p:txBody>
+          <a:bodyPr rtlCol="0" anchor="ctr"/>
+          <a:lstStyle/>
+          <a:p>
+            <a:pPr algn="ctr"/>
+            <a:endParaRPr lang="ko-KR" altLang="en-US"/>
+          </a:p>
+        </p:txBody>
+      </p:sp>
+      <p:sp>
+        <p:nvSpPr>
+          <p:cNvPr id="20" name="직사각형 19">
+            <a:extLst>
+              <a:ext uri="{FF2B5EF4-FFF2-40B4-BE49-F238E27FC236}">
+                <a16:creationId xmlns:a16="http://schemas.microsoft.com/office/drawing/2014/main" id="{501CE7CF-D015-4856-900A-3D70DD072E6F}"/>
+              </a:ext>
+            </a:extLst>
+          </p:cNvPr>
+          <p:cNvSpPr/>
+          <p:nvPr/>
+        </p:nvSpPr>
+        <p:spPr>
+          <a:xfrm>
+            <a:off x="2242995" y="4935222"/>
+            <a:ext cx="1273988" cy="1336040"/>
+          </a:xfrm>
+          <a:prstGeom prst="rect">
+            <a:avLst/>
+          </a:prstGeom>
+          <a:blipFill dpi="0" rotWithShape="1">
+            <a:blip r:embed="rId3">
+              <a:alphaModFix amt="70000"/>
+            </a:blip>
+            <a:srcRect/>
+            <a:stretch>
+              <a:fillRect/>
+            </a:stretch>
+          </a:blipFill>
+          <a:ln>
+            <a:noFill/>
+          </a:ln>
+        </p:spPr>
+        <p:style>
+          <a:lnRef idx="2">
+            <a:schemeClr val="accent1">
+              <a:shade val="50000"/>
+            </a:schemeClr>
+          </a:lnRef>
+          <a:fillRef idx="1">
+            <a:schemeClr val="accent1"/>
+          </a:fillRef>
+          <a:effectRef idx="0">
+            <a:schemeClr val="accent1"/>
+          </a:effectRef>
+          <a:fontRef idx="minor">
+            <a:schemeClr val="lt1"/>
+          </a:fontRef>
+        </p:style>
+        <p:txBody>
+          <a:bodyPr rtlCol="0" anchor="ctr"/>
+          <a:lstStyle/>
+          <a:p>
+            <a:pPr algn="ctr"/>
+            <a:endParaRPr lang="ko-KR" altLang="en-US"/>
+          </a:p>
+        </p:txBody>
+      </p:sp>
+      <p:sp>
+        <p:nvSpPr>
+          <p:cNvPr id="21" name="직사각형 20">
+            <a:extLst>
+              <a:ext uri="{FF2B5EF4-FFF2-40B4-BE49-F238E27FC236}">
+                <a16:creationId xmlns:a16="http://schemas.microsoft.com/office/drawing/2014/main" id="{BAF13379-D48A-4989-B5A9-701D4311E2C7}"/>
+              </a:ext>
+            </a:extLst>
+          </p:cNvPr>
+          <p:cNvSpPr/>
+          <p:nvPr/>
+        </p:nvSpPr>
+        <p:spPr>
+          <a:xfrm>
+            <a:off x="974803" y="4935222"/>
+            <a:ext cx="1128626" cy="1336040"/>
+          </a:xfrm>
+          <a:prstGeom prst="rect">
+            <a:avLst/>
+          </a:prstGeom>
+          <a:blipFill dpi="0" rotWithShape="1">
+            <a:blip r:embed="rId4">
+              <a:alphaModFix amt="70000"/>
+            </a:blip>
+            <a:srcRect/>
+            <a:stretch>
+              <a:fillRect/>
+            </a:stretch>
+          </a:blipFill>
+          <a:ln>
+            <a:noFill/>
+          </a:ln>
+        </p:spPr>
+        <p:style>
+          <a:lnRef idx="2">
+            <a:schemeClr val="accent1">
+              <a:shade val="50000"/>
+            </a:schemeClr>
+          </a:lnRef>
+          <a:fillRef idx="1">
+            <a:schemeClr val="accent1"/>
+          </a:fillRef>
+          <a:effectRef idx="0">
+            <a:schemeClr val="accent1"/>
+          </a:effectRef>
+          <a:fontRef idx="minor">
+            <a:schemeClr val="lt1"/>
+          </a:fontRef>
+        </p:style>
+        <p:txBody>
+          <a:bodyPr rtlCol="0" anchor="ctr"/>
+          <a:lstStyle/>
+          <a:p>
+            <a:pPr algn="ctr"/>
+            <a:endParaRPr lang="ko-KR" altLang="en-US"/>
+          </a:p>
+        </p:txBody>
+      </p:sp>
+      <p:sp>
+        <p:nvSpPr>
+          <p:cNvPr id="22" name="직사각형 21">
+            <a:extLst>
+              <a:ext uri="{FF2B5EF4-FFF2-40B4-BE49-F238E27FC236}">
+                <a16:creationId xmlns:a16="http://schemas.microsoft.com/office/drawing/2014/main" id="{CA3240FE-D196-41C9-8310-0D7D91FDE6B8}"/>
+              </a:ext>
+            </a:extLst>
+          </p:cNvPr>
+          <p:cNvSpPr/>
+          <p:nvPr/>
+        </p:nvSpPr>
+        <p:spPr>
+          <a:xfrm>
+            <a:off x="2260243" y="3408364"/>
+            <a:ext cx="1273988" cy="1336040"/>
+          </a:xfrm>
+          <a:prstGeom prst="rect">
+            <a:avLst/>
+          </a:prstGeom>
+          <a:blipFill dpi="0" rotWithShape="1">
+            <a:blip r:embed="rId4">
+              <a:alphaModFix amt="70000"/>
+            </a:blip>
+            <a:srcRect/>
+            <a:stretch>
+              <a:fillRect/>
+            </a:stretch>
+          </a:blipFill>
+          <a:ln>
+            <a:noFill/>
+          </a:ln>
+        </p:spPr>
+        <p:style>
+          <a:lnRef idx="2">
+            <a:schemeClr val="accent1">
+              <a:shade val="50000"/>
+            </a:schemeClr>
+          </a:lnRef>
+          <a:fillRef idx="1">
+            <a:schemeClr val="accent1"/>
+          </a:fillRef>
+          <a:effectRef idx="0">
+            <a:schemeClr val="accent1"/>
+          </a:effectRef>
+          <a:fontRef idx="minor">
+            <a:schemeClr val="lt1"/>
+          </a:fontRef>
+        </p:style>
+        <p:txBody>
+          <a:bodyPr rtlCol="0" anchor="ctr"/>
+          <a:lstStyle/>
+          <a:p>
+            <a:pPr algn="ctr"/>
+            <a:endParaRPr lang="ko-KR" altLang="en-US"/>
+          </a:p>
+        </p:txBody>
+      </p:sp>
+      <p:sp>
+        <p:nvSpPr>
+          <p:cNvPr id="23" name="직사각형 22">
+            <a:extLst>
+              <a:ext uri="{FF2B5EF4-FFF2-40B4-BE49-F238E27FC236}">
+                <a16:creationId xmlns:a16="http://schemas.microsoft.com/office/drawing/2014/main" id="{DAF3C5F9-C0B1-401B-99F6-B4BEBECED633}"/>
+              </a:ext>
+            </a:extLst>
+          </p:cNvPr>
+          <p:cNvSpPr/>
+          <p:nvPr/>
+        </p:nvSpPr>
+        <p:spPr>
+          <a:xfrm>
+            <a:off x="974803" y="3408364"/>
+            <a:ext cx="1128626" cy="1336040"/>
+          </a:xfrm>
+          <a:prstGeom prst="rect">
+            <a:avLst/>
+          </a:prstGeom>
+          <a:blipFill dpi="0" rotWithShape="1">
+            <a:blip r:embed="rId3">
+              <a:alphaModFix amt="70000"/>
+            </a:blip>
+            <a:srcRect/>
+            <a:stretch>
+              <a:fillRect/>
+            </a:stretch>
+          </a:blipFill>
+          <a:ln>
+            <a:noFill/>
+          </a:ln>
+        </p:spPr>
+        <p:style>
+          <a:lnRef idx="2">
+            <a:schemeClr val="accent1">
+              <a:shade val="50000"/>
+            </a:schemeClr>
+          </a:lnRef>
+          <a:fillRef idx="1">
+            <a:schemeClr val="accent1"/>
+          </a:fillRef>
+          <a:effectRef idx="0">
+            <a:schemeClr val="accent1"/>
+          </a:effectRef>
+          <a:fontRef idx="minor">
+            <a:schemeClr val="lt1"/>
+          </a:fontRef>
+        </p:style>
+        <p:txBody>
+          <a:bodyPr rtlCol="0" anchor="ctr"/>
+          <a:lstStyle/>
+          <a:p>
+            <a:pPr algn="ctr"/>
+            <a:endParaRPr lang="ko-KR" altLang="en-US"/>
+          </a:p>
+        </p:txBody>
+      </p:sp>
+      <p:sp>
+        <p:nvSpPr>
+          <p:cNvPr id="24" name="직사각형 23">
+            <a:extLst>
+              <a:ext uri="{FF2B5EF4-FFF2-40B4-BE49-F238E27FC236}">
+                <a16:creationId xmlns:a16="http://schemas.microsoft.com/office/drawing/2014/main" id="{FB9EAE7C-FFD4-480A-896A-70FDD791E296}"/>
+              </a:ext>
+            </a:extLst>
+          </p:cNvPr>
+          <p:cNvSpPr/>
+          <p:nvPr/>
+        </p:nvSpPr>
+        <p:spPr>
+          <a:xfrm>
+            <a:off x="974803" y="1881506"/>
+            <a:ext cx="1133603" cy="1336040"/>
+          </a:xfrm>
+          <a:prstGeom prst="rect">
+            <a:avLst/>
+          </a:prstGeom>
+          <a:blipFill dpi="0" rotWithShape="1">
+            <a:blip r:embed="rId4">
+              <a:alphaModFix amt="70000"/>
+            </a:blip>
+            <a:srcRect/>
+            <a:stretch>
+              <a:fillRect/>
+            </a:stretch>
+          </a:blipFill>
+          <a:ln>
+            <a:noFill/>
+          </a:ln>
+        </p:spPr>
+        <p:style>
+          <a:lnRef idx="2">
+            <a:schemeClr val="accent1">
+              <a:shade val="50000"/>
+            </a:schemeClr>
+          </a:lnRef>
+          <a:fillRef idx="1">
+            <a:schemeClr val="accent1"/>
+          </a:fillRef>
+          <a:effectRef idx="0">
+            <a:schemeClr val="accent1"/>
+          </a:effectRef>
+          <a:fontRef idx="minor">
+            <a:schemeClr val="lt1"/>
+          </a:fontRef>
+        </p:style>
+        <p:txBody>
+          <a:bodyPr rtlCol="0" anchor="ctr"/>
+          <a:lstStyle/>
+          <a:p>
+            <a:pPr algn="ctr"/>
+            <a:endParaRPr lang="ko-KR" altLang="en-US"/>
+          </a:p>
+        </p:txBody>
+      </p:sp>
+      <p:sp>
+        <p:nvSpPr>
+          <p:cNvPr id="25" name="TextBox 24">
+            <a:extLst>
+              <a:ext uri="{FF2B5EF4-FFF2-40B4-BE49-F238E27FC236}">
+                <a16:creationId xmlns:a16="http://schemas.microsoft.com/office/drawing/2014/main" id="{F394ACC3-1090-4441-B7D7-8F107EF46302}"/>
+              </a:ext>
+            </a:extLst>
+          </p:cNvPr>
+          <p:cNvSpPr txBox="1"/>
+          <p:nvPr/>
+        </p:nvSpPr>
+        <p:spPr>
+          <a:xfrm>
+            <a:off x="6547527" y="1690688"/>
+            <a:ext cx="5402441" cy="4247317"/>
+          </a:xfrm>
+          <a:prstGeom prst="rect">
+            <a:avLst/>
+          </a:prstGeom>
+          <a:noFill/>
+        </p:spPr>
+        <p:txBody>
+          <a:bodyPr wrap="none" rtlCol="0">
+            <a:spAutoFit/>
+          </a:bodyPr>
+          <a:lstStyle/>
+          <a:p>
+            <a:endParaRPr lang="en-US" altLang="ko-KR" dirty="0"/>
+          </a:p>
+          <a:p>
+            <a:r>
+              <a:rPr lang="ko-KR" altLang="en-US" dirty="0"/>
+              <a:t>화면 전체에 옷들이 보이게 한다</a:t>
+            </a:r>
+            <a:endParaRPr lang="en-US" altLang="ko-KR" dirty="0"/>
+          </a:p>
+          <a:p>
+            <a:endParaRPr lang="en-US" altLang="ko-KR" dirty="0"/>
+          </a:p>
+          <a:p>
+            <a:r>
+              <a:rPr lang="ko-KR" altLang="en-US" dirty="0"/>
+              <a:t>화살표를 이용하여 위아래로 스크롤 할 수 있다</a:t>
+            </a:r>
+            <a:endParaRPr lang="en-US" altLang="ko-KR" dirty="0"/>
+          </a:p>
+          <a:p>
+            <a:r>
+              <a:rPr lang="en-US" altLang="ko-KR" dirty="0"/>
+              <a:t>Or </a:t>
+            </a:r>
+            <a:r>
+              <a:rPr lang="ko-KR" altLang="en-US" dirty="0"/>
+              <a:t>손을 아래에서 위로 하면 옷들이 위로 이동하고</a:t>
+            </a:r>
+            <a:endParaRPr lang="en-US" altLang="ko-KR" dirty="0"/>
+          </a:p>
+          <a:p>
+            <a:r>
+              <a:rPr lang="ko-KR" altLang="en-US" dirty="0"/>
+              <a:t>위에서 아래로 </a:t>
+            </a:r>
+            <a:r>
+              <a:rPr lang="ko-KR" altLang="en-US"/>
+              <a:t>하면 옷들이 아래로 이동한다</a:t>
+            </a:r>
+            <a:endParaRPr lang="en-US" altLang="ko-KR" dirty="0"/>
+          </a:p>
+          <a:p>
+            <a:r>
+              <a:rPr lang="ko-KR" altLang="en-US" dirty="0"/>
+              <a:t> </a:t>
+            </a:r>
+            <a:endParaRPr lang="en-US" altLang="ko-KR" dirty="0"/>
+          </a:p>
+          <a:p>
+            <a:r>
+              <a:rPr lang="ko-KR" altLang="en-US" dirty="0"/>
+              <a:t>손으로 조작해야 하기 때문에 옷을 살짝 투명하게</a:t>
+            </a:r>
+            <a:endParaRPr lang="en-US" altLang="ko-KR" dirty="0"/>
+          </a:p>
+          <a:p>
+            <a:r>
+              <a:rPr lang="ko-KR" altLang="en-US" dirty="0"/>
+              <a:t>해서 자신의 손이 어디 있는지 보이도록 하였다</a:t>
+            </a:r>
+            <a:endParaRPr lang="en-US" altLang="ko-KR" dirty="0"/>
+          </a:p>
+          <a:p>
+            <a:endParaRPr lang="en-US" altLang="ko-KR" dirty="0"/>
+          </a:p>
+          <a:p>
+            <a:r>
+              <a:rPr lang="ko-KR" altLang="en-US" dirty="0"/>
+              <a:t>장점 </a:t>
+            </a:r>
+            <a:r>
+              <a:rPr lang="en-US" altLang="ko-KR" dirty="0"/>
+              <a:t>- </a:t>
+            </a:r>
+            <a:r>
+              <a:rPr lang="ko-KR" altLang="en-US" dirty="0"/>
+              <a:t>한번에 많은 옷들을 보여줄 수 있다</a:t>
+            </a:r>
+            <a:endParaRPr lang="en-US" altLang="ko-KR" dirty="0"/>
+          </a:p>
+          <a:p>
+            <a:r>
+              <a:rPr lang="ko-KR" altLang="en-US" dirty="0"/>
+              <a:t>단점 </a:t>
+            </a:r>
+            <a:r>
+              <a:rPr lang="en-US" altLang="ko-KR" dirty="0"/>
+              <a:t>- </a:t>
+            </a:r>
+            <a:r>
+              <a:rPr lang="ko-KR" altLang="en-US" dirty="0"/>
+              <a:t>옷의 투명도를 조작하였기에 </a:t>
+            </a:r>
+            <a:endParaRPr lang="en-US" altLang="ko-KR" dirty="0"/>
+          </a:p>
+          <a:p>
+            <a:r>
+              <a:rPr lang="en-US" altLang="ko-KR" dirty="0"/>
+              <a:t>         </a:t>
+            </a:r>
+            <a:r>
+              <a:rPr lang="ko-KR" altLang="en-US" dirty="0"/>
+              <a:t>실제 옷과 차이가 있다</a:t>
+            </a:r>
+            <a:endParaRPr lang="en-US" altLang="ko-KR" dirty="0"/>
+          </a:p>
+          <a:p>
+            <a:r>
+              <a:rPr lang="en-US" altLang="ko-KR" dirty="0"/>
+              <a:t>         </a:t>
+            </a:r>
+            <a:r>
+              <a:rPr lang="ko-KR" altLang="en-US" dirty="0"/>
+              <a:t>디자인이 조잡해 보일 수 있다</a:t>
+            </a:r>
+            <a:endParaRPr lang="en-US" altLang="ko-KR" dirty="0"/>
+          </a:p>
+          <a:p>
+            <a:endParaRPr lang="en-US" altLang="ko-KR" dirty="0"/>
+          </a:p>
+        </p:txBody>
+      </p:sp>
+      <p:sp>
+        <p:nvSpPr>
+          <p:cNvPr id="26" name="직사각형 25">
+            <a:extLst>
+              <a:ext uri="{FF2B5EF4-FFF2-40B4-BE49-F238E27FC236}">
+                <a16:creationId xmlns:a16="http://schemas.microsoft.com/office/drawing/2014/main" id="{3F45730B-F2E1-42A3-852A-A9DDF2CCFF9F}"/>
+              </a:ext>
+            </a:extLst>
+          </p:cNvPr>
+          <p:cNvSpPr/>
+          <p:nvPr/>
+        </p:nvSpPr>
+        <p:spPr>
+          <a:xfrm>
+            <a:off x="3655600" y="3408364"/>
+            <a:ext cx="1273988" cy="1336040"/>
+          </a:xfrm>
+          <a:prstGeom prst="rect">
+            <a:avLst/>
+          </a:prstGeom>
+          <a:blipFill dpi="0" rotWithShape="1">
+            <a:blip r:embed="rId3">
+              <a:alphaModFix amt="70000"/>
+            </a:blip>
+            <a:srcRect/>
+            <a:stretch>
+              <a:fillRect/>
+            </a:stretch>
+          </a:blipFill>
+          <a:ln>
+            <a:noFill/>
+          </a:ln>
+        </p:spPr>
+        <p:style>
+          <a:lnRef idx="2">
+            <a:schemeClr val="accent1">
+              <a:shade val="50000"/>
+            </a:schemeClr>
+          </a:lnRef>
+          <a:fillRef idx="1">
+            <a:schemeClr val="accent1"/>
+          </a:fillRef>
+          <a:effectRef idx="0">
+            <a:schemeClr val="accent1"/>
+          </a:effectRef>
+          <a:fontRef idx="minor">
+            <a:schemeClr val="lt1"/>
+          </a:fontRef>
+        </p:style>
+        <p:txBody>
+          <a:bodyPr rtlCol="0" anchor="ctr"/>
+          <a:lstStyle/>
+          <a:p>
+            <a:pPr algn="ctr"/>
+            <a:endParaRPr lang="ko-KR" altLang="en-US"/>
+          </a:p>
+        </p:txBody>
+      </p:sp>
+      <p:sp>
+        <p:nvSpPr>
+          <p:cNvPr id="27" name="직사각형 26">
+            <a:extLst>
+              <a:ext uri="{FF2B5EF4-FFF2-40B4-BE49-F238E27FC236}">
+                <a16:creationId xmlns:a16="http://schemas.microsoft.com/office/drawing/2014/main" id="{96A454B5-D595-491D-AF2F-9807A51C88B7}"/>
+              </a:ext>
+            </a:extLst>
+          </p:cNvPr>
+          <p:cNvSpPr/>
+          <p:nvPr/>
+        </p:nvSpPr>
+        <p:spPr>
+          <a:xfrm>
+            <a:off x="3655600" y="1881506"/>
+            <a:ext cx="1273988" cy="1336040"/>
+          </a:xfrm>
+          <a:prstGeom prst="rect">
+            <a:avLst/>
+          </a:prstGeom>
+          <a:blipFill dpi="0" rotWithShape="1">
+            <a:blip r:embed="rId4">
+              <a:alphaModFix amt="70000"/>
+            </a:blip>
+            <a:srcRect/>
+            <a:stretch>
+              <a:fillRect/>
+            </a:stretch>
+          </a:blipFill>
+          <a:ln>
+            <a:noFill/>
+          </a:ln>
+        </p:spPr>
+        <p:style>
+          <a:lnRef idx="2">
+            <a:schemeClr val="accent1">
+              <a:shade val="50000"/>
+            </a:schemeClr>
+          </a:lnRef>
+          <a:fillRef idx="1">
+            <a:schemeClr val="accent1"/>
+          </a:fillRef>
+          <a:effectRef idx="0">
+            <a:schemeClr val="accent1"/>
+          </a:effectRef>
+          <a:fontRef idx="minor">
+            <a:schemeClr val="lt1"/>
+          </a:fontRef>
+        </p:style>
+        <p:txBody>
+          <a:bodyPr rtlCol="0" anchor="ctr"/>
+          <a:lstStyle/>
+          <a:p>
+            <a:pPr algn="ctr"/>
+            <a:endParaRPr lang="ko-KR" altLang="en-US"/>
+          </a:p>
+        </p:txBody>
+      </p:sp>
+      <p:sp>
+        <p:nvSpPr>
+          <p:cNvPr id="28" name="직사각형 27">
+            <a:extLst>
+              <a:ext uri="{FF2B5EF4-FFF2-40B4-BE49-F238E27FC236}">
+                <a16:creationId xmlns:a16="http://schemas.microsoft.com/office/drawing/2014/main" id="{C0EA6BD9-45DF-4263-BC06-B27AD246AA48}"/>
+              </a:ext>
+            </a:extLst>
+          </p:cNvPr>
+          <p:cNvSpPr/>
+          <p:nvPr/>
+        </p:nvSpPr>
+        <p:spPr>
+          <a:xfrm>
+            <a:off x="3655600" y="4935222"/>
+            <a:ext cx="1273988" cy="1336040"/>
+          </a:xfrm>
+          <a:prstGeom prst="rect">
+            <a:avLst/>
+          </a:prstGeom>
+          <a:blipFill dpi="0" rotWithShape="1">
+            <a:blip r:embed="rId4">
+              <a:alphaModFix amt="70000"/>
+            </a:blip>
+            <a:srcRect/>
+            <a:stretch>
+              <a:fillRect/>
+            </a:stretch>
+          </a:blipFill>
+          <a:ln>
+            <a:noFill/>
+          </a:ln>
+        </p:spPr>
+        <p:style>
+          <a:lnRef idx="2">
+            <a:schemeClr val="accent1">
+              <a:shade val="50000"/>
+            </a:schemeClr>
+          </a:lnRef>
+          <a:fillRef idx="1">
+            <a:schemeClr val="accent1"/>
+          </a:fillRef>
+          <a:effectRef idx="0">
+            <a:schemeClr val="accent1"/>
+          </a:effectRef>
+          <a:fontRef idx="minor">
+            <a:schemeClr val="lt1"/>
+          </a:fontRef>
+        </p:style>
+        <p:txBody>
+          <a:bodyPr rtlCol="0" anchor="ctr"/>
+          <a:lstStyle/>
+          <a:p>
+            <a:pPr algn="ctr"/>
+            <a:endParaRPr lang="ko-KR" altLang="en-US"/>
+          </a:p>
+        </p:txBody>
+      </p:sp>
+      <p:sp>
+        <p:nvSpPr>
+          <p:cNvPr id="29" name="이등변 삼각형 28">
+            <a:extLst>
+              <a:ext uri="{FF2B5EF4-FFF2-40B4-BE49-F238E27FC236}">
+                <a16:creationId xmlns:a16="http://schemas.microsoft.com/office/drawing/2014/main" id="{19FDE23D-C599-4963-BAB9-70C361F18577}"/>
+              </a:ext>
+            </a:extLst>
+          </p:cNvPr>
+          <p:cNvSpPr/>
+          <p:nvPr/>
+        </p:nvSpPr>
+        <p:spPr>
+          <a:xfrm>
+            <a:off x="5314950" y="2085975"/>
+            <a:ext cx="295275" cy="800100"/>
+          </a:xfrm>
+          <a:prstGeom prst="triangle">
+            <a:avLst/>
+          </a:prstGeom>
+          <a:noFill/>
+          <a:ln w="25400"/>
+        </p:spPr>
+        <p:style>
+          <a:lnRef idx="2">
+            <a:schemeClr val="accent1">
+              <a:shade val="50000"/>
+            </a:schemeClr>
+          </a:lnRef>
+          <a:fillRef idx="1">
+            <a:schemeClr val="accent1"/>
+          </a:fillRef>
+          <a:effectRef idx="0">
+            <a:schemeClr val="accent1"/>
+          </a:effectRef>
+          <a:fontRef idx="minor">
+            <a:schemeClr val="lt1"/>
+          </a:fontRef>
+        </p:style>
+        <p:txBody>
+          <a:bodyPr rtlCol="0" anchor="ctr"/>
+          <a:lstStyle/>
+          <a:p>
+            <a:pPr algn="ctr"/>
+            <a:endParaRPr lang="ko-KR" altLang="en-US" dirty="0"/>
+          </a:p>
+        </p:txBody>
+      </p:sp>
+      <p:sp>
+        <p:nvSpPr>
+          <p:cNvPr id="16" name="이등변 삼각형 15">
+            <a:extLst>
+              <a:ext uri="{FF2B5EF4-FFF2-40B4-BE49-F238E27FC236}">
+                <a16:creationId xmlns:a16="http://schemas.microsoft.com/office/drawing/2014/main" id="{5948595C-0AC5-4573-B59A-97740C99B486}"/>
+              </a:ext>
+            </a:extLst>
+          </p:cNvPr>
+          <p:cNvSpPr/>
+          <p:nvPr/>
+        </p:nvSpPr>
+        <p:spPr>
+          <a:xfrm rot="10800000">
+            <a:off x="5318253" y="3811588"/>
+            <a:ext cx="295275" cy="800100"/>
+          </a:xfrm>
+          <a:prstGeom prst="triangle">
+            <a:avLst/>
+          </a:prstGeom>
+          <a:noFill/>
+          <a:ln w="25400"/>
+        </p:spPr>
+        <p:style>
+          <a:lnRef idx="2">
+            <a:schemeClr val="accent1">
+              <a:shade val="50000"/>
+            </a:schemeClr>
+          </a:lnRef>
+          <a:fillRef idx="1">
+            <a:schemeClr val="accent1"/>
+          </a:fillRef>
+          <a:effectRef idx="0">
+            <a:schemeClr val="accent1"/>
+          </a:effectRef>
+          <a:fontRef idx="minor">
+            <a:schemeClr val="lt1"/>
+          </a:fontRef>
+        </p:style>
+        <p:txBody>
+          <a:bodyPr rtlCol="0" anchor="ctr"/>
+          <a:lstStyle/>
+          <a:p>
+            <a:pPr algn="ctr"/>
+            <a:endParaRPr lang="ko-KR" altLang="en-US" dirty="0"/>
+          </a:p>
+        </p:txBody>
+      </p:sp>
+    </p:spTree>
+    <p:extLst>
+      <p:ext uri="{BB962C8B-B14F-4D97-AF65-F5344CB8AC3E}">
+        <p14:creationId xmlns:p14="http://schemas.microsoft.com/office/powerpoint/2010/main" val="2976786995"/>
+      </p:ext>
+    </p:extLst>
+  </p:cSld>
+  <p:clrMapOvr>
+    <a:masterClrMapping/>
+  </p:clrMapOvr>
+</p:sld>
+</file>
+
+<file path=ppt/slides/slide12.xml><?xml version="1.0" encoding="utf-8"?>
+<p:sld xmlns:a="http://schemas.openxmlformats.org/drawingml/2006/main" xmlns:r="http://schemas.openxmlformats.org/officeDocument/2006/relationships" xmlns:p="http://schemas.openxmlformats.org/presentationml/2006/main">
+  <p:cSld>
+    <p:spTree>
+      <p:nvGrpSpPr>
+        <p:cNvPr id="1" name=""/>
+        <p:cNvGrpSpPr/>
+        <p:nvPr/>
+      </p:nvGrpSpPr>
+      <p:grpSpPr>
+        <a:xfrm>
+          <a:off x="0" y="0"/>
+          <a:ext cx="0" cy="0"/>
+          <a:chOff x="0" y="0"/>
+          <a:chExt cx="0" cy="0"/>
+        </a:xfrm>
+      </p:grpSpPr>
+      <p:sp>
+        <p:nvSpPr>
+          <p:cNvPr id="2" name="제목 1">
+            <a:extLst>
+              <a:ext uri="{FF2B5EF4-FFF2-40B4-BE49-F238E27FC236}">
+                <a16:creationId xmlns:a16="http://schemas.microsoft.com/office/drawing/2014/main" id="{41313CD4-E571-43EE-A625-5C47561F8CBD}"/>
+              </a:ext>
+            </a:extLst>
+          </p:cNvPr>
+          <p:cNvSpPr>
+            <a:spLocks noGrp="1"/>
+          </p:cNvSpPr>
+          <p:nvPr>
+            <p:ph type="title"/>
+          </p:nvPr>
+        </p:nvSpPr>
+        <p:spPr/>
+        <p:txBody>
+          <a:bodyPr/>
+          <a:lstStyle/>
+          <a:p>
+            <a:r>
+              <a:rPr lang="ko-KR" altLang="en-US" dirty="0"/>
+              <a:t>목록화면</a:t>
+            </a:r>
+            <a:r>
+              <a:rPr lang="en-US" altLang="ko-KR" dirty="0"/>
+              <a:t>(2)</a:t>
+            </a:r>
+            <a:endParaRPr lang="ko-KR" altLang="en-US" dirty="0"/>
+          </a:p>
+        </p:txBody>
+      </p:sp>
+      <p:pic>
+        <p:nvPicPr>
+          <p:cNvPr id="4" name="내용 개체 틀 3">
+            <a:extLst>
+              <a:ext uri="{FF2B5EF4-FFF2-40B4-BE49-F238E27FC236}">
+                <a16:creationId xmlns:a16="http://schemas.microsoft.com/office/drawing/2014/main" id="{AD8EFBB7-2D5E-42F3-A609-8B2DCC9A5AAA}"/>
+              </a:ext>
+            </a:extLst>
+          </p:cNvPr>
+          <p:cNvPicPr>
+            <a:picLocks noChangeAspect="1"/>
+          </p:cNvPicPr>
+          <p:nvPr/>
+        </p:nvPicPr>
+        <p:blipFill>
+          <a:blip r:embed="rId2"/>
+          <a:stretch>
+            <a:fillRect/>
+          </a:stretch>
+        </p:blipFill>
+        <p:spPr>
+          <a:xfrm>
+            <a:off x="838200" y="1690688"/>
+            <a:ext cx="4894707" cy="4351338"/>
+          </a:xfrm>
+          <a:prstGeom prst="rect">
+            <a:avLst/>
+          </a:prstGeom>
+        </p:spPr>
+      </p:pic>
+      <p:sp>
+        <p:nvSpPr>
+          <p:cNvPr id="5" name="직사각형 4">
+            <a:extLst>
+              <a:ext uri="{FF2B5EF4-FFF2-40B4-BE49-F238E27FC236}">
+                <a16:creationId xmlns:a16="http://schemas.microsoft.com/office/drawing/2014/main" id="{64582FCA-FBD4-4D74-B2F2-993693D600EA}"/>
+              </a:ext>
+            </a:extLst>
+          </p:cNvPr>
+          <p:cNvSpPr/>
+          <p:nvPr/>
+        </p:nvSpPr>
+        <p:spPr>
+          <a:xfrm>
+            <a:off x="4458919" y="1512092"/>
+            <a:ext cx="1273988" cy="1336040"/>
+          </a:xfrm>
+          <a:prstGeom prst="rect">
+            <a:avLst/>
+          </a:prstGeom>
+          <a:blipFill dpi="0" rotWithShape="1">
+            <a:blip r:embed="rId3"/>
+            <a:srcRect/>
+            <a:stretch>
+              <a:fillRect/>
+            </a:stretch>
+          </a:blipFill>
+          <a:ln>
+            <a:noFill/>
+          </a:ln>
+        </p:spPr>
+        <p:style>
+          <a:lnRef idx="2">
+            <a:schemeClr val="accent1">
+              <a:shade val="50000"/>
+            </a:schemeClr>
+          </a:lnRef>
+          <a:fillRef idx="1">
+            <a:schemeClr val="accent1"/>
+          </a:fillRef>
+          <a:effectRef idx="0">
+            <a:schemeClr val="accent1"/>
+          </a:effectRef>
+          <a:fontRef idx="minor">
+            <a:schemeClr val="lt1"/>
+          </a:fontRef>
+        </p:style>
+        <p:txBody>
+          <a:bodyPr rtlCol="0" anchor="ctr"/>
+          <a:lstStyle/>
+          <a:p>
+            <a:pPr algn="ctr"/>
+            <a:endParaRPr lang="ko-KR" altLang="en-US"/>
+          </a:p>
+        </p:txBody>
+      </p:sp>
+      <p:sp>
+        <p:nvSpPr>
+          <p:cNvPr id="6" name="직사각형 5">
+            <a:extLst>
+              <a:ext uri="{FF2B5EF4-FFF2-40B4-BE49-F238E27FC236}">
+                <a16:creationId xmlns:a16="http://schemas.microsoft.com/office/drawing/2014/main" id="{90C27918-2D27-4D88-A47C-0FC7F96F4D08}"/>
+              </a:ext>
+            </a:extLst>
+          </p:cNvPr>
+          <p:cNvSpPr/>
+          <p:nvPr/>
+        </p:nvSpPr>
+        <p:spPr>
+          <a:xfrm>
+            <a:off x="4458919" y="4549856"/>
+            <a:ext cx="1273988" cy="1336040"/>
+          </a:xfrm>
+          <a:prstGeom prst="rect">
+            <a:avLst/>
+          </a:prstGeom>
+          <a:blipFill dpi="0" rotWithShape="1">
+            <a:blip r:embed="rId3"/>
+            <a:srcRect/>
+            <a:stretch>
+              <a:fillRect/>
+            </a:stretch>
+          </a:blipFill>
+          <a:ln>
+            <a:noFill/>
+          </a:ln>
+        </p:spPr>
+        <p:style>
+          <a:lnRef idx="2">
+            <a:schemeClr val="accent1">
+              <a:shade val="50000"/>
+            </a:schemeClr>
+          </a:lnRef>
+          <a:fillRef idx="1">
+            <a:schemeClr val="accent1"/>
+          </a:fillRef>
+          <a:effectRef idx="0">
+            <a:schemeClr val="accent1"/>
+          </a:effectRef>
+          <a:fontRef idx="minor">
+            <a:schemeClr val="lt1"/>
+          </a:fontRef>
+        </p:style>
+        <p:txBody>
+          <a:bodyPr rtlCol="0" anchor="ctr"/>
+          <a:lstStyle/>
+          <a:p>
+            <a:pPr algn="ctr"/>
+            <a:endParaRPr lang="ko-KR" altLang="en-US"/>
+          </a:p>
+        </p:txBody>
+      </p:sp>
+      <p:sp>
+        <p:nvSpPr>
+          <p:cNvPr id="7" name="직사각형 6">
+            <a:extLst>
+              <a:ext uri="{FF2B5EF4-FFF2-40B4-BE49-F238E27FC236}">
+                <a16:creationId xmlns:a16="http://schemas.microsoft.com/office/drawing/2014/main" id="{F848F59D-4E2E-454A-ADF1-03352FB237A1}"/>
+              </a:ext>
+            </a:extLst>
+          </p:cNvPr>
+          <p:cNvSpPr/>
+          <p:nvPr/>
+        </p:nvSpPr>
+        <p:spPr>
+          <a:xfrm>
+            <a:off x="4458919" y="3029188"/>
+            <a:ext cx="1273988" cy="1336040"/>
+          </a:xfrm>
+          <a:prstGeom prst="rect">
+            <a:avLst/>
+          </a:prstGeom>
+          <a:blipFill dpi="0" rotWithShape="1">
+            <a:blip r:embed="rId4"/>
+            <a:srcRect/>
+            <a:stretch>
+              <a:fillRect/>
+            </a:stretch>
+          </a:blipFill>
+          <a:ln>
+            <a:noFill/>
+          </a:ln>
+        </p:spPr>
+        <p:style>
+          <a:lnRef idx="2">
+            <a:schemeClr val="accent1">
+              <a:shade val="50000"/>
+            </a:schemeClr>
+          </a:lnRef>
+          <a:fillRef idx="1">
+            <a:schemeClr val="accent1"/>
+          </a:fillRef>
+          <a:effectRef idx="0">
+            <a:schemeClr val="accent1"/>
+          </a:effectRef>
+          <a:fontRef idx="minor">
+            <a:schemeClr val="lt1"/>
+          </a:fontRef>
+        </p:style>
+        <p:txBody>
+          <a:bodyPr rtlCol="0" anchor="ctr"/>
+          <a:lstStyle/>
+          <a:p>
+            <a:pPr algn="ctr"/>
+            <a:endParaRPr lang="ko-KR" altLang="en-US" dirty="0"/>
+          </a:p>
+        </p:txBody>
+      </p:sp>
+      <p:sp>
+        <p:nvSpPr>
+          <p:cNvPr id="8" name="TextBox 7">
+            <a:extLst>
+              <a:ext uri="{FF2B5EF4-FFF2-40B4-BE49-F238E27FC236}">
+                <a16:creationId xmlns:a16="http://schemas.microsoft.com/office/drawing/2014/main" id="{5BE10D8B-42CA-479C-9E80-85B13AAA5BBE}"/>
+              </a:ext>
+            </a:extLst>
+          </p:cNvPr>
+          <p:cNvSpPr txBox="1"/>
+          <p:nvPr/>
+        </p:nvSpPr>
+        <p:spPr>
+          <a:xfrm>
+            <a:off x="6908800" y="1899920"/>
+            <a:ext cx="5142755" cy="2585323"/>
+          </a:xfrm>
+          <a:prstGeom prst="rect">
+            <a:avLst/>
+          </a:prstGeom>
+          <a:noFill/>
+        </p:spPr>
+        <p:txBody>
+          <a:bodyPr wrap="none" rtlCol="0">
+            <a:spAutoFit/>
+          </a:bodyPr>
+          <a:lstStyle/>
+          <a:p>
+            <a:r>
+              <a:rPr lang="ko-KR" altLang="en-US" dirty="0"/>
+              <a:t>오른 쪽에 옷들을 배치한다</a:t>
+            </a:r>
+            <a:endParaRPr lang="en-US" altLang="ko-KR" dirty="0"/>
+          </a:p>
+          <a:p>
+            <a:r>
+              <a:rPr lang="ko-KR" altLang="en-US" dirty="0"/>
+              <a:t>화살표를 이용하여 위 아래로 스크롤 할 수 있다</a:t>
+            </a:r>
+            <a:endParaRPr lang="en-US" altLang="ko-KR" dirty="0"/>
+          </a:p>
+          <a:p>
+            <a:r>
+              <a:rPr lang="en-US" altLang="ko-KR" dirty="0"/>
+              <a:t>Or</a:t>
+            </a:r>
+            <a:r>
+              <a:rPr lang="ko-KR" altLang="en-US" dirty="0"/>
+              <a:t> 손을 옷이 있는 구역 아래에서 위로 올리면</a:t>
+            </a:r>
+            <a:endParaRPr lang="en-US" altLang="ko-KR" dirty="0"/>
+          </a:p>
+          <a:p>
+            <a:r>
+              <a:rPr lang="ko-KR" altLang="en-US" dirty="0"/>
+              <a:t>옷이 위로 이동하고 위에서 아래로 내리면 옷이</a:t>
+            </a:r>
+            <a:endParaRPr lang="en-US" altLang="ko-KR" dirty="0"/>
+          </a:p>
+          <a:p>
+            <a:r>
+              <a:rPr lang="ko-KR" altLang="en-US" dirty="0"/>
+              <a:t>아래로 이동하게 한다</a:t>
+            </a:r>
+            <a:endParaRPr lang="en-US" altLang="ko-KR" dirty="0"/>
+          </a:p>
+          <a:p>
+            <a:r>
+              <a:rPr lang="en-US" altLang="ko-KR" dirty="0"/>
+              <a:t> </a:t>
+            </a:r>
+          </a:p>
+          <a:p>
+            <a:r>
+              <a:rPr lang="ko-KR" altLang="en-US" dirty="0"/>
+              <a:t>장점 </a:t>
+            </a:r>
+            <a:r>
+              <a:rPr lang="en-US" altLang="ko-KR" dirty="0"/>
+              <a:t>- </a:t>
+            </a:r>
+            <a:r>
+              <a:rPr lang="ko-KR" altLang="en-US" dirty="0"/>
+              <a:t>디자인이 깔끔하다</a:t>
+            </a:r>
+            <a:endParaRPr lang="en-US" altLang="ko-KR" dirty="0"/>
+          </a:p>
+          <a:p>
+            <a:r>
+              <a:rPr lang="ko-KR" altLang="en-US" dirty="0"/>
+              <a:t>단점 </a:t>
+            </a:r>
+            <a:r>
+              <a:rPr lang="en-US" altLang="ko-KR" dirty="0"/>
+              <a:t>- </a:t>
+            </a:r>
+            <a:r>
+              <a:rPr lang="ko-KR" altLang="en-US" dirty="0"/>
+              <a:t>한번에 소량의 옷만 볼 수 있기에</a:t>
+            </a:r>
+            <a:endParaRPr lang="en-US" altLang="ko-KR" dirty="0"/>
+          </a:p>
+          <a:p>
+            <a:r>
+              <a:rPr lang="en-US" altLang="ko-KR" dirty="0"/>
+              <a:t>         </a:t>
+            </a:r>
+            <a:r>
+              <a:rPr lang="ko-KR" altLang="en-US" dirty="0"/>
+              <a:t>원하는 옷을 찾는데</a:t>
+            </a:r>
+            <a:r>
+              <a:rPr lang="en-US" altLang="ko-KR" dirty="0"/>
+              <a:t> </a:t>
+            </a:r>
+            <a:r>
+              <a:rPr lang="ko-KR" altLang="en-US" dirty="0"/>
+              <a:t>시간이 걸린다</a:t>
+            </a:r>
+          </a:p>
+        </p:txBody>
+      </p:sp>
+      <p:sp>
+        <p:nvSpPr>
+          <p:cNvPr id="9" name="이등변 삼각형 8">
+            <a:extLst>
+              <a:ext uri="{FF2B5EF4-FFF2-40B4-BE49-F238E27FC236}">
+                <a16:creationId xmlns:a16="http://schemas.microsoft.com/office/drawing/2014/main" id="{EECA2CDF-EBE9-4BC2-A35D-92DEB10F7C5B}"/>
+              </a:ext>
+            </a:extLst>
+          </p:cNvPr>
+          <p:cNvSpPr/>
+          <p:nvPr/>
+        </p:nvSpPr>
+        <p:spPr>
+          <a:xfrm>
+            <a:off x="1200150" y="2048032"/>
+            <a:ext cx="295275" cy="800100"/>
+          </a:xfrm>
+          <a:prstGeom prst="triangle">
+            <a:avLst/>
+          </a:prstGeom>
+        </p:spPr>
+        <p:style>
+          <a:lnRef idx="2">
+            <a:schemeClr val="accent1">
+              <a:shade val="50000"/>
+            </a:schemeClr>
+          </a:lnRef>
+          <a:fillRef idx="1">
+            <a:schemeClr val="accent1"/>
+          </a:fillRef>
+          <a:effectRef idx="0">
+            <a:schemeClr val="accent1"/>
+          </a:effectRef>
+          <a:fontRef idx="minor">
+            <a:schemeClr val="lt1"/>
+          </a:fontRef>
+        </p:style>
+        <p:txBody>
+          <a:bodyPr rtlCol="0" anchor="ctr"/>
+          <a:lstStyle/>
+          <a:p>
+            <a:pPr algn="ctr"/>
+            <a:endParaRPr lang="ko-KR" altLang="en-US"/>
+          </a:p>
+        </p:txBody>
+      </p:sp>
+      <p:sp>
+        <p:nvSpPr>
+          <p:cNvPr id="10" name="이등변 삼각형 9">
+            <a:extLst>
+              <a:ext uri="{FF2B5EF4-FFF2-40B4-BE49-F238E27FC236}">
+                <a16:creationId xmlns:a16="http://schemas.microsoft.com/office/drawing/2014/main" id="{4F5F6EB1-6B09-4EF0-BF18-4D225B2C2D16}"/>
+              </a:ext>
+            </a:extLst>
+          </p:cNvPr>
+          <p:cNvSpPr/>
+          <p:nvPr/>
+        </p:nvSpPr>
+        <p:spPr>
+          <a:xfrm rot="10800000">
+            <a:off x="1200149" y="3609819"/>
+            <a:ext cx="295275" cy="800100"/>
+          </a:xfrm>
+          <a:prstGeom prst="triangle">
+            <a:avLst/>
+          </a:prstGeom>
+        </p:spPr>
+        <p:style>
+          <a:lnRef idx="2">
+            <a:schemeClr val="accent1">
+              <a:shade val="50000"/>
+            </a:schemeClr>
+          </a:lnRef>
+          <a:fillRef idx="1">
+            <a:schemeClr val="accent1"/>
+          </a:fillRef>
+          <a:effectRef idx="0">
+            <a:schemeClr val="accent1"/>
+          </a:effectRef>
+          <a:fontRef idx="minor">
+            <a:schemeClr val="lt1"/>
+          </a:fontRef>
+        </p:style>
+        <p:txBody>
+          <a:bodyPr rtlCol="0" anchor="ctr"/>
+          <a:lstStyle/>
+          <a:p>
+            <a:pPr algn="ctr"/>
+            <a:endParaRPr lang="ko-KR" altLang="en-US"/>
+          </a:p>
+        </p:txBody>
+      </p:sp>
+    </p:spTree>
+    <p:extLst>
+      <p:ext uri="{BB962C8B-B14F-4D97-AF65-F5344CB8AC3E}">
+        <p14:creationId xmlns:p14="http://schemas.microsoft.com/office/powerpoint/2010/main" val="1763868889"/>
+      </p:ext>
+    </p:extLst>
+  </p:cSld>
+  <p:clrMapOvr>
+    <a:masterClrMapping/>
+  </p:clrMapOvr>
+</p:sld>
+</file>
+
+<file path=ppt/slides/slide13.xml><?xml version="1.0" encoding="utf-8"?>
+<p:sld xmlns:a="http://schemas.openxmlformats.org/drawingml/2006/main" xmlns:r="http://schemas.openxmlformats.org/officeDocument/2006/relationships" xmlns:p="http://schemas.openxmlformats.org/presentationml/2006/main">
+  <p:cSld>
+    <p:spTree>
+      <p:nvGrpSpPr>
+        <p:cNvPr id="1" name=""/>
+        <p:cNvGrpSpPr/>
+        <p:nvPr/>
+      </p:nvGrpSpPr>
+      <p:grpSpPr>
+        <a:xfrm>
+          <a:off x="0" y="0"/>
+          <a:ext cx="0" cy="0"/>
+          <a:chOff x="0" y="0"/>
+          <a:chExt cx="0" cy="0"/>
+        </a:xfrm>
+      </p:grpSpPr>
+      <p:sp>
+        <p:nvSpPr>
+          <p:cNvPr id="2" name="제목 1">
+            <a:extLst>
+              <a:ext uri="{FF2B5EF4-FFF2-40B4-BE49-F238E27FC236}">
+                <a16:creationId xmlns:a16="http://schemas.microsoft.com/office/drawing/2014/main" id="{FADA963E-F77B-49EE-B198-BCBC60F5CA7B}"/>
+              </a:ext>
+            </a:extLst>
+          </p:cNvPr>
+          <p:cNvSpPr>
+            <a:spLocks noGrp="1"/>
+          </p:cNvSpPr>
+          <p:nvPr>
+            <p:ph type="title"/>
+          </p:nvPr>
+        </p:nvSpPr>
+        <p:spPr/>
+        <p:txBody>
+          <a:bodyPr/>
+          <a:lstStyle/>
+          <a:p>
+            <a:r>
+              <a:rPr lang="ko-KR" altLang="en-US" dirty="0"/>
+              <a:t>목록화면</a:t>
+            </a:r>
+            <a:r>
+              <a:rPr lang="en-US" altLang="ko-KR" dirty="0"/>
+              <a:t>(3)</a:t>
+            </a:r>
+            <a:endParaRPr lang="ko-KR" altLang="en-US" dirty="0"/>
+          </a:p>
+        </p:txBody>
+      </p:sp>
+      <p:pic>
+        <p:nvPicPr>
+          <p:cNvPr id="4" name="내용 개체 틀 3">
+            <a:extLst>
+              <a:ext uri="{FF2B5EF4-FFF2-40B4-BE49-F238E27FC236}">
+                <a16:creationId xmlns:a16="http://schemas.microsoft.com/office/drawing/2014/main" id="{0DC64D5B-DDF0-41C9-BAD5-26A56AC585DD}"/>
+              </a:ext>
+            </a:extLst>
+          </p:cNvPr>
+          <p:cNvPicPr>
+            <a:picLocks noChangeAspect="1"/>
+          </p:cNvPicPr>
+          <p:nvPr/>
+        </p:nvPicPr>
+        <p:blipFill>
+          <a:blip r:embed="rId2"/>
+          <a:stretch>
+            <a:fillRect/>
+          </a:stretch>
+        </p:blipFill>
+        <p:spPr>
+          <a:xfrm>
+            <a:off x="3784600" y="2141537"/>
+            <a:ext cx="4894707" cy="4351338"/>
+          </a:xfrm>
+          <a:prstGeom prst="rect">
+            <a:avLst/>
+          </a:prstGeom>
+        </p:spPr>
+      </p:pic>
+      <p:sp>
+        <p:nvSpPr>
+          <p:cNvPr id="5" name="직사각형 4">
+            <a:extLst>
+              <a:ext uri="{FF2B5EF4-FFF2-40B4-BE49-F238E27FC236}">
+                <a16:creationId xmlns:a16="http://schemas.microsoft.com/office/drawing/2014/main" id="{D3C6EF9E-E8AB-4189-A495-17FA36C51FF0}"/>
+              </a:ext>
+            </a:extLst>
+          </p:cNvPr>
+          <p:cNvSpPr/>
+          <p:nvPr/>
+        </p:nvSpPr>
+        <p:spPr>
+          <a:xfrm>
+            <a:off x="5737199" y="1584960"/>
+            <a:ext cx="876961" cy="897412"/>
+          </a:xfrm>
+          <a:prstGeom prst="rect">
+            <a:avLst/>
+          </a:prstGeom>
+          <a:blipFill dpi="0" rotWithShape="1">
+            <a:blip r:embed="rId3"/>
+            <a:srcRect/>
+            <a:stretch>
+              <a:fillRect/>
+            </a:stretch>
+          </a:blipFill>
+          <a:ln>
+            <a:noFill/>
+          </a:ln>
+        </p:spPr>
+        <p:style>
+          <a:lnRef idx="2">
+            <a:schemeClr val="accent1">
+              <a:shade val="50000"/>
+            </a:schemeClr>
+          </a:lnRef>
+          <a:fillRef idx="1">
+            <a:schemeClr val="accent1"/>
+          </a:fillRef>
+          <a:effectRef idx="0">
+            <a:schemeClr val="accent1"/>
+          </a:effectRef>
+          <a:fontRef idx="minor">
+            <a:schemeClr val="lt1"/>
+          </a:fontRef>
+        </p:style>
+        <p:txBody>
+          <a:bodyPr rtlCol="0" anchor="ctr"/>
+          <a:lstStyle/>
+          <a:p>
+            <a:pPr algn="ctr"/>
+            <a:endParaRPr lang="ko-KR" altLang="en-US"/>
+          </a:p>
+        </p:txBody>
+      </p:sp>
+      <p:sp>
+        <p:nvSpPr>
+          <p:cNvPr id="6" name="직사각형 5">
+            <a:extLst>
+              <a:ext uri="{FF2B5EF4-FFF2-40B4-BE49-F238E27FC236}">
+                <a16:creationId xmlns:a16="http://schemas.microsoft.com/office/drawing/2014/main" id="{A84BB32B-035F-4A1D-ABF4-A988EF6A1BA3}"/>
+              </a:ext>
+            </a:extLst>
+          </p:cNvPr>
+          <p:cNvSpPr/>
+          <p:nvPr/>
+        </p:nvSpPr>
+        <p:spPr>
+          <a:xfrm>
+            <a:off x="6724599" y="1584960"/>
+            <a:ext cx="631241" cy="668020"/>
+          </a:xfrm>
+          <a:prstGeom prst="rect">
+            <a:avLst/>
+          </a:prstGeom>
+          <a:blipFill dpi="0" rotWithShape="1">
+            <a:blip r:embed="rId4"/>
+            <a:srcRect/>
+            <a:stretch>
+              <a:fillRect/>
+            </a:stretch>
+          </a:blipFill>
+          <a:ln>
+            <a:noFill/>
+          </a:ln>
+        </p:spPr>
+        <p:style>
+          <a:lnRef idx="2">
+            <a:schemeClr val="accent1">
+              <a:shade val="50000"/>
+            </a:schemeClr>
+          </a:lnRef>
+          <a:fillRef idx="1">
+            <a:schemeClr val="accent1"/>
+          </a:fillRef>
+          <a:effectRef idx="0">
+            <a:schemeClr val="accent1"/>
+          </a:effectRef>
+          <a:fontRef idx="minor">
+            <a:schemeClr val="lt1"/>
+          </a:fontRef>
+        </p:style>
+        <p:txBody>
+          <a:bodyPr rtlCol="0" anchor="ctr"/>
+          <a:lstStyle/>
+          <a:p>
+            <a:pPr algn="ctr"/>
+            <a:endParaRPr lang="ko-KR" altLang="en-US" dirty="0"/>
+          </a:p>
+        </p:txBody>
+      </p:sp>
+      <p:sp>
+        <p:nvSpPr>
+          <p:cNvPr id="7" name="직사각형 6">
+            <a:extLst>
+              <a:ext uri="{FF2B5EF4-FFF2-40B4-BE49-F238E27FC236}">
+                <a16:creationId xmlns:a16="http://schemas.microsoft.com/office/drawing/2014/main" id="{4199F35B-CF20-4DFD-9560-535A35B7C6F5}"/>
+              </a:ext>
+            </a:extLst>
+          </p:cNvPr>
+          <p:cNvSpPr/>
+          <p:nvPr/>
+        </p:nvSpPr>
+        <p:spPr>
+          <a:xfrm>
+            <a:off x="5050738" y="1582103"/>
+            <a:ext cx="631241" cy="668020"/>
+          </a:xfrm>
+          <a:prstGeom prst="rect">
+            <a:avLst/>
+          </a:prstGeom>
+          <a:blipFill dpi="0" rotWithShape="1">
+            <a:blip r:embed="rId4"/>
+            <a:srcRect/>
+            <a:stretch>
+              <a:fillRect/>
+            </a:stretch>
+          </a:blipFill>
+          <a:ln>
+            <a:noFill/>
+          </a:ln>
+        </p:spPr>
+        <p:style>
+          <a:lnRef idx="2">
+            <a:schemeClr val="accent1">
+              <a:shade val="50000"/>
+            </a:schemeClr>
+          </a:lnRef>
+          <a:fillRef idx="1">
+            <a:schemeClr val="accent1"/>
+          </a:fillRef>
+          <a:effectRef idx="0">
+            <a:schemeClr val="accent1"/>
+          </a:effectRef>
+          <a:fontRef idx="minor">
+            <a:schemeClr val="lt1"/>
+          </a:fontRef>
+        </p:style>
+        <p:txBody>
+          <a:bodyPr rtlCol="0" anchor="ctr"/>
+          <a:lstStyle/>
+          <a:p>
+            <a:pPr algn="ctr"/>
+            <a:endParaRPr lang="ko-KR" altLang="en-US" dirty="0"/>
+          </a:p>
+        </p:txBody>
+      </p:sp>
+      <p:sp>
+        <p:nvSpPr>
+          <p:cNvPr id="8" name="직사각형 7">
+            <a:extLst>
+              <a:ext uri="{FF2B5EF4-FFF2-40B4-BE49-F238E27FC236}">
+                <a16:creationId xmlns:a16="http://schemas.microsoft.com/office/drawing/2014/main" id="{9D0A0CCB-E7EE-4F28-ADF0-39C0248C4EB5}"/>
+              </a:ext>
+            </a:extLst>
+          </p:cNvPr>
+          <p:cNvSpPr/>
+          <p:nvPr/>
+        </p:nvSpPr>
+        <p:spPr>
+          <a:xfrm>
+            <a:off x="7456119" y="1325721"/>
+            <a:ext cx="460401" cy="512763"/>
+          </a:xfrm>
+          <a:prstGeom prst="rect">
+            <a:avLst/>
+          </a:prstGeom>
+          <a:blipFill dpi="0" rotWithShape="1">
+            <a:blip r:embed="rId3"/>
+            <a:srcRect/>
+            <a:stretch>
+              <a:fillRect/>
+            </a:stretch>
+          </a:blipFill>
+          <a:ln>
+            <a:noFill/>
+          </a:ln>
+        </p:spPr>
+        <p:style>
+          <a:lnRef idx="2">
+            <a:schemeClr val="accent1">
+              <a:shade val="50000"/>
+            </a:schemeClr>
+          </a:lnRef>
+          <a:fillRef idx="1">
+            <a:schemeClr val="accent1"/>
+          </a:fillRef>
+          <a:effectRef idx="0">
+            <a:schemeClr val="accent1"/>
+          </a:effectRef>
+          <a:fontRef idx="minor">
+            <a:schemeClr val="lt1"/>
+          </a:fontRef>
+        </p:style>
+        <p:txBody>
+          <a:bodyPr rtlCol="0" anchor="ctr"/>
+          <a:lstStyle/>
+          <a:p>
+            <a:pPr algn="ctr"/>
+            <a:endParaRPr lang="ko-KR" altLang="en-US"/>
+          </a:p>
+        </p:txBody>
+      </p:sp>
+      <p:sp>
+        <p:nvSpPr>
+          <p:cNvPr id="10" name="직사각형 9">
+            <a:extLst>
+              <a:ext uri="{FF2B5EF4-FFF2-40B4-BE49-F238E27FC236}">
+                <a16:creationId xmlns:a16="http://schemas.microsoft.com/office/drawing/2014/main" id="{57F20438-5447-4573-BEBD-9653F801E3F8}"/>
+              </a:ext>
+            </a:extLst>
+          </p:cNvPr>
+          <p:cNvSpPr/>
+          <p:nvPr/>
+        </p:nvSpPr>
+        <p:spPr>
+          <a:xfrm>
+            <a:off x="4479898" y="1325721"/>
+            <a:ext cx="460401" cy="512763"/>
+          </a:xfrm>
+          <a:prstGeom prst="rect">
+            <a:avLst/>
+          </a:prstGeom>
+          <a:blipFill dpi="0" rotWithShape="1">
+            <a:blip r:embed="rId3"/>
+            <a:srcRect/>
+            <a:stretch>
+              <a:fillRect/>
+            </a:stretch>
+          </a:blipFill>
+          <a:ln>
+            <a:noFill/>
+          </a:ln>
+        </p:spPr>
+        <p:style>
+          <a:lnRef idx="2">
+            <a:schemeClr val="accent1">
+              <a:shade val="50000"/>
+            </a:schemeClr>
+          </a:lnRef>
+          <a:fillRef idx="1">
+            <a:schemeClr val="accent1"/>
+          </a:fillRef>
+          <a:effectRef idx="0">
+            <a:schemeClr val="accent1"/>
+          </a:effectRef>
+          <a:fontRef idx="minor">
+            <a:schemeClr val="lt1"/>
+          </a:fontRef>
+        </p:style>
+        <p:txBody>
+          <a:bodyPr rtlCol="0" anchor="ctr"/>
+          <a:lstStyle/>
+          <a:p>
+            <a:pPr algn="ctr"/>
+            <a:endParaRPr lang="ko-KR" altLang="en-US"/>
+          </a:p>
+        </p:txBody>
+      </p:sp>
+      <p:sp>
+        <p:nvSpPr>
+          <p:cNvPr id="11" name="직사각형 10">
+            <a:extLst>
+              <a:ext uri="{FF2B5EF4-FFF2-40B4-BE49-F238E27FC236}">
+                <a16:creationId xmlns:a16="http://schemas.microsoft.com/office/drawing/2014/main" id="{6E654F82-B47B-4490-8D67-92463A6B4BA2}"/>
+              </a:ext>
+            </a:extLst>
+          </p:cNvPr>
+          <p:cNvSpPr/>
+          <p:nvPr/>
+        </p:nvSpPr>
+        <p:spPr>
+          <a:xfrm>
+            <a:off x="4871667" y="1140141"/>
+            <a:ext cx="247704" cy="147639"/>
+          </a:xfrm>
+          <a:prstGeom prst="rect">
+            <a:avLst/>
+          </a:prstGeom>
+          <a:blipFill dpi="0" rotWithShape="1">
+            <a:blip r:embed="rId4"/>
+            <a:srcRect/>
+            <a:stretch>
+              <a:fillRect/>
+            </a:stretch>
+          </a:blipFill>
+          <a:ln>
+            <a:noFill/>
+          </a:ln>
+        </p:spPr>
+        <p:style>
+          <a:lnRef idx="2">
+            <a:schemeClr val="accent1">
+              <a:shade val="50000"/>
+            </a:schemeClr>
+          </a:lnRef>
+          <a:fillRef idx="1">
+            <a:schemeClr val="accent1"/>
+          </a:fillRef>
+          <a:effectRef idx="0">
+            <a:schemeClr val="accent1"/>
+          </a:effectRef>
+          <a:fontRef idx="minor">
+            <a:schemeClr val="lt1"/>
+          </a:fontRef>
+        </p:style>
+        <p:txBody>
+          <a:bodyPr rtlCol="0" anchor="ctr"/>
+          <a:lstStyle/>
+          <a:p>
+            <a:pPr algn="ctr"/>
+            <a:endParaRPr lang="ko-KR" altLang="en-US" dirty="0"/>
+          </a:p>
+        </p:txBody>
+      </p:sp>
+      <p:sp>
+        <p:nvSpPr>
+          <p:cNvPr id="12" name="직사각형 11">
+            <a:extLst>
+              <a:ext uri="{FF2B5EF4-FFF2-40B4-BE49-F238E27FC236}">
+                <a16:creationId xmlns:a16="http://schemas.microsoft.com/office/drawing/2014/main" id="{B59C0136-6A19-469D-AF93-B79763E036C6}"/>
+              </a:ext>
+            </a:extLst>
+          </p:cNvPr>
+          <p:cNvSpPr/>
+          <p:nvPr/>
+        </p:nvSpPr>
+        <p:spPr>
+          <a:xfrm>
+            <a:off x="7231988" y="1140140"/>
+            <a:ext cx="247704" cy="147639"/>
+          </a:xfrm>
+          <a:prstGeom prst="rect">
+            <a:avLst/>
+          </a:prstGeom>
+          <a:blipFill dpi="0" rotWithShape="1">
+            <a:blip r:embed="rId4"/>
+            <a:srcRect/>
+            <a:stretch>
+              <a:fillRect/>
+            </a:stretch>
+          </a:blipFill>
+          <a:ln>
+            <a:noFill/>
+          </a:ln>
+        </p:spPr>
+        <p:style>
+          <a:lnRef idx="2">
+            <a:schemeClr val="accent1">
+              <a:shade val="50000"/>
+            </a:schemeClr>
+          </a:lnRef>
+          <a:fillRef idx="1">
+            <a:schemeClr val="accent1"/>
+          </a:fillRef>
+          <a:effectRef idx="0">
+            <a:schemeClr val="accent1"/>
+          </a:effectRef>
+          <a:fontRef idx="minor">
+            <a:schemeClr val="lt1"/>
+          </a:fontRef>
+        </p:style>
+        <p:txBody>
+          <a:bodyPr rtlCol="0" anchor="ctr"/>
+          <a:lstStyle/>
+          <a:p>
+            <a:pPr algn="ctr"/>
+            <a:endParaRPr lang="ko-KR" altLang="en-US" dirty="0"/>
+          </a:p>
+        </p:txBody>
+      </p:sp>
+      <p:sp>
+        <p:nvSpPr>
+          <p:cNvPr id="13" name="타원 12">
+            <a:extLst>
+              <a:ext uri="{FF2B5EF4-FFF2-40B4-BE49-F238E27FC236}">
+                <a16:creationId xmlns:a16="http://schemas.microsoft.com/office/drawing/2014/main" id="{56D09819-B0A5-47EC-9147-1F1DA32F7F74}"/>
+              </a:ext>
+            </a:extLst>
+          </p:cNvPr>
+          <p:cNvSpPr/>
+          <p:nvPr/>
+        </p:nvSpPr>
+        <p:spPr>
+          <a:xfrm>
+            <a:off x="7040219" y="1039812"/>
+            <a:ext cx="54660" cy="69374"/>
+          </a:xfrm>
+          <a:prstGeom prst="ellipse">
+            <a:avLst/>
+          </a:prstGeom>
+        </p:spPr>
+        <p:style>
+          <a:lnRef idx="2">
+            <a:schemeClr val="accent1">
+              <a:shade val="50000"/>
+            </a:schemeClr>
+          </a:lnRef>
+          <a:fillRef idx="1">
+            <a:schemeClr val="accent1"/>
+          </a:fillRef>
+          <a:effectRef idx="0">
+            <a:schemeClr val="accent1"/>
+          </a:effectRef>
+          <a:fontRef idx="minor">
+            <a:schemeClr val="lt1"/>
+          </a:fontRef>
+        </p:style>
+        <p:txBody>
+          <a:bodyPr rtlCol="0" anchor="ctr"/>
+          <a:lstStyle/>
+          <a:p>
+            <a:pPr algn="ctr"/>
+            <a:endParaRPr lang="ko-KR" altLang="en-US"/>
+          </a:p>
+        </p:txBody>
+      </p:sp>
+      <p:sp>
+        <p:nvSpPr>
+          <p:cNvPr id="14" name="타원 13">
+            <a:extLst>
+              <a:ext uri="{FF2B5EF4-FFF2-40B4-BE49-F238E27FC236}">
+                <a16:creationId xmlns:a16="http://schemas.microsoft.com/office/drawing/2014/main" id="{918C3A79-D717-40DF-B9DB-94169E23D823}"/>
+              </a:ext>
+            </a:extLst>
+          </p:cNvPr>
+          <p:cNvSpPr/>
+          <p:nvPr/>
+        </p:nvSpPr>
+        <p:spPr>
+          <a:xfrm>
+            <a:off x="5338318" y="1070766"/>
+            <a:ext cx="54660" cy="69374"/>
+          </a:xfrm>
+          <a:prstGeom prst="ellipse">
+            <a:avLst/>
+          </a:prstGeom>
+        </p:spPr>
+        <p:style>
+          <a:lnRef idx="2">
+            <a:schemeClr val="accent1">
+              <a:shade val="50000"/>
+            </a:schemeClr>
+          </a:lnRef>
+          <a:fillRef idx="1">
+            <a:schemeClr val="accent1"/>
+          </a:fillRef>
+          <a:effectRef idx="0">
+            <a:schemeClr val="accent1"/>
+          </a:effectRef>
+          <a:fontRef idx="minor">
+            <a:schemeClr val="lt1"/>
+          </a:fontRef>
+        </p:style>
+        <p:txBody>
+          <a:bodyPr rtlCol="0" anchor="ctr"/>
+          <a:lstStyle/>
+          <a:p>
+            <a:pPr algn="ctr"/>
+            <a:endParaRPr lang="ko-KR" altLang="en-US"/>
+          </a:p>
+        </p:txBody>
+      </p:sp>
+      <p:sp>
+        <p:nvSpPr>
+          <p:cNvPr id="15" name="타원 14">
+            <a:extLst>
+              <a:ext uri="{FF2B5EF4-FFF2-40B4-BE49-F238E27FC236}">
+                <a16:creationId xmlns:a16="http://schemas.microsoft.com/office/drawing/2014/main" id="{D14A3DA4-6A21-4DE2-BEB9-8BB8A3B02DAA}"/>
+              </a:ext>
+            </a:extLst>
+          </p:cNvPr>
+          <p:cNvSpPr/>
+          <p:nvPr/>
+        </p:nvSpPr>
+        <p:spPr>
+          <a:xfrm>
+            <a:off x="5627319" y="993219"/>
+            <a:ext cx="54660" cy="69374"/>
+          </a:xfrm>
+          <a:prstGeom prst="ellipse">
+            <a:avLst/>
+          </a:prstGeom>
+        </p:spPr>
+        <p:style>
+          <a:lnRef idx="2">
+            <a:schemeClr val="accent1">
+              <a:shade val="50000"/>
+            </a:schemeClr>
+          </a:lnRef>
+          <a:fillRef idx="1">
+            <a:schemeClr val="accent1"/>
+          </a:fillRef>
+          <a:effectRef idx="0">
+            <a:schemeClr val="accent1"/>
+          </a:effectRef>
+          <a:fontRef idx="minor">
+            <a:schemeClr val="lt1"/>
+          </a:fontRef>
+        </p:style>
+        <p:txBody>
+          <a:bodyPr rtlCol="0" anchor="ctr"/>
+          <a:lstStyle/>
+          <a:p>
+            <a:pPr algn="ctr"/>
+            <a:endParaRPr lang="ko-KR" altLang="en-US"/>
+          </a:p>
+        </p:txBody>
+      </p:sp>
+      <p:sp>
+        <p:nvSpPr>
+          <p:cNvPr id="16" name="타원 15">
+            <a:extLst>
+              <a:ext uri="{FF2B5EF4-FFF2-40B4-BE49-F238E27FC236}">
+                <a16:creationId xmlns:a16="http://schemas.microsoft.com/office/drawing/2014/main" id="{558F4AC8-FA4C-49C5-87D7-FD621AEFBC13}"/>
+              </a:ext>
+            </a:extLst>
+          </p:cNvPr>
+          <p:cNvSpPr/>
+          <p:nvPr/>
+        </p:nvSpPr>
+        <p:spPr>
+          <a:xfrm>
+            <a:off x="6730899" y="944960"/>
+            <a:ext cx="54660" cy="69374"/>
+          </a:xfrm>
+          <a:prstGeom prst="ellipse">
+            <a:avLst/>
+          </a:prstGeom>
+        </p:spPr>
+        <p:style>
+          <a:lnRef idx="2">
+            <a:schemeClr val="accent1">
+              <a:shade val="50000"/>
+            </a:schemeClr>
+          </a:lnRef>
+          <a:fillRef idx="1">
+            <a:schemeClr val="accent1"/>
+          </a:fillRef>
+          <a:effectRef idx="0">
+            <a:schemeClr val="accent1"/>
+          </a:effectRef>
+          <a:fontRef idx="minor">
+            <a:schemeClr val="lt1"/>
+          </a:fontRef>
+        </p:style>
+        <p:txBody>
+          <a:bodyPr rtlCol="0" anchor="ctr"/>
+          <a:lstStyle/>
+          <a:p>
+            <a:pPr algn="ctr"/>
+            <a:endParaRPr lang="ko-KR" altLang="en-US"/>
+          </a:p>
+        </p:txBody>
+      </p:sp>
+      <p:sp>
+        <p:nvSpPr>
+          <p:cNvPr id="17" name="타원 16">
+            <a:extLst>
+              <a:ext uri="{FF2B5EF4-FFF2-40B4-BE49-F238E27FC236}">
+                <a16:creationId xmlns:a16="http://schemas.microsoft.com/office/drawing/2014/main" id="{3051631D-C430-4BFD-A9C3-C188C699DB61}"/>
+              </a:ext>
+            </a:extLst>
+          </p:cNvPr>
+          <p:cNvSpPr/>
+          <p:nvPr/>
+        </p:nvSpPr>
+        <p:spPr>
+          <a:xfrm>
+            <a:off x="6894780" y="978852"/>
+            <a:ext cx="54660" cy="69374"/>
+          </a:xfrm>
+          <a:prstGeom prst="ellipse">
+            <a:avLst/>
+          </a:prstGeom>
+        </p:spPr>
+        <p:style>
+          <a:lnRef idx="2">
+            <a:schemeClr val="accent1">
+              <a:shade val="50000"/>
+            </a:schemeClr>
+          </a:lnRef>
+          <a:fillRef idx="1">
+            <a:schemeClr val="accent1"/>
+          </a:fillRef>
+          <a:effectRef idx="0">
+            <a:schemeClr val="accent1"/>
+          </a:effectRef>
+          <a:fontRef idx="minor">
+            <a:schemeClr val="lt1"/>
+          </a:fontRef>
+        </p:style>
+        <p:txBody>
+          <a:bodyPr rtlCol="0" anchor="ctr"/>
+          <a:lstStyle/>
+          <a:p>
+            <a:pPr algn="ctr"/>
+            <a:endParaRPr lang="ko-KR" altLang="en-US"/>
+          </a:p>
+        </p:txBody>
+      </p:sp>
+      <p:sp>
+        <p:nvSpPr>
+          <p:cNvPr id="18" name="타원 17">
+            <a:extLst>
+              <a:ext uri="{FF2B5EF4-FFF2-40B4-BE49-F238E27FC236}">
+                <a16:creationId xmlns:a16="http://schemas.microsoft.com/office/drawing/2014/main" id="{16BB8330-7B73-4E8E-A992-69EF251A6221}"/>
+              </a:ext>
+            </a:extLst>
+          </p:cNvPr>
+          <p:cNvSpPr/>
+          <p:nvPr/>
+        </p:nvSpPr>
+        <p:spPr>
+          <a:xfrm>
+            <a:off x="5460897" y="1052192"/>
+            <a:ext cx="45719" cy="53261"/>
+          </a:xfrm>
+          <a:prstGeom prst="ellipse">
+            <a:avLst/>
+          </a:prstGeom>
+        </p:spPr>
+        <p:style>
+          <a:lnRef idx="2">
+            <a:schemeClr val="accent1">
+              <a:shade val="50000"/>
+            </a:schemeClr>
+          </a:lnRef>
+          <a:fillRef idx="1">
+            <a:schemeClr val="accent1"/>
+          </a:fillRef>
+          <a:effectRef idx="0">
+            <a:schemeClr val="accent1"/>
+          </a:effectRef>
+          <a:fontRef idx="minor">
+            <a:schemeClr val="lt1"/>
+          </a:fontRef>
+        </p:style>
+        <p:txBody>
+          <a:bodyPr rtlCol="0" anchor="ctr"/>
+          <a:lstStyle/>
+          <a:p>
+            <a:pPr algn="ctr"/>
+            <a:endParaRPr lang="ko-KR" altLang="en-US"/>
+          </a:p>
+        </p:txBody>
+      </p:sp>
+      <p:sp>
+        <p:nvSpPr>
+          <p:cNvPr id="19" name="TextBox 18">
+            <a:extLst>
+              <a:ext uri="{FF2B5EF4-FFF2-40B4-BE49-F238E27FC236}">
+                <a16:creationId xmlns:a16="http://schemas.microsoft.com/office/drawing/2014/main" id="{CBE37928-685A-423A-89FF-EFBD513E3801}"/>
+              </a:ext>
+            </a:extLst>
+          </p:cNvPr>
+          <p:cNvSpPr txBox="1"/>
+          <p:nvPr/>
+        </p:nvSpPr>
+        <p:spPr>
+          <a:xfrm>
+            <a:off x="8910320" y="1372960"/>
+            <a:ext cx="3118161" cy="4524315"/>
+          </a:xfrm>
+          <a:prstGeom prst="rect">
+            <a:avLst/>
+          </a:prstGeom>
+          <a:noFill/>
+        </p:spPr>
+        <p:txBody>
+          <a:bodyPr wrap="none" rtlCol="0">
+            <a:spAutoFit/>
+          </a:bodyPr>
+          <a:lstStyle/>
+          <a:p>
+            <a:r>
+              <a:rPr lang="ko-KR" altLang="en-US" dirty="0"/>
+              <a:t>머리 위에서 타원 형으로</a:t>
+            </a:r>
+            <a:endParaRPr lang="en-US" altLang="ko-KR" dirty="0"/>
+          </a:p>
+          <a:p>
+            <a:r>
+              <a:rPr lang="ko-KR" altLang="en-US" dirty="0"/>
+              <a:t>옷들이 배치된다</a:t>
+            </a:r>
+            <a:endParaRPr lang="en-US" altLang="ko-KR" dirty="0"/>
+          </a:p>
+          <a:p>
+            <a:endParaRPr lang="en-US" altLang="ko-KR" dirty="0"/>
+          </a:p>
+          <a:p>
+            <a:r>
+              <a:rPr lang="ko-KR" altLang="en-US" dirty="0"/>
+              <a:t>화살표를 이용하여</a:t>
+            </a:r>
+            <a:endParaRPr lang="en-US" altLang="ko-KR" dirty="0"/>
+          </a:p>
+          <a:p>
+            <a:r>
+              <a:rPr lang="ko-KR" altLang="en-US" dirty="0"/>
+              <a:t>좌우로 돌아가게 할 수 있다</a:t>
+            </a:r>
+            <a:endParaRPr lang="en-US" altLang="ko-KR" dirty="0"/>
+          </a:p>
+          <a:p>
+            <a:r>
+              <a:rPr lang="en-US" altLang="ko-KR" dirty="0"/>
+              <a:t>Or</a:t>
+            </a:r>
+          </a:p>
+          <a:p>
+            <a:r>
+              <a:rPr lang="ko-KR" altLang="en-US" dirty="0"/>
+              <a:t>손을 좌에서 우로 이동하면 </a:t>
+            </a:r>
+            <a:endParaRPr lang="en-US" altLang="ko-KR" dirty="0"/>
+          </a:p>
+          <a:p>
+            <a:r>
+              <a:rPr lang="ko-KR" altLang="en-US" dirty="0"/>
+              <a:t>옷이 오른쪽으로 이동하고</a:t>
+            </a:r>
+            <a:endParaRPr lang="en-US" altLang="ko-KR" dirty="0"/>
+          </a:p>
+          <a:p>
+            <a:r>
+              <a:rPr lang="ko-KR" altLang="en-US" dirty="0"/>
+              <a:t>손을 우에서 좌로 이동하면</a:t>
+            </a:r>
+            <a:endParaRPr lang="en-US" altLang="ko-KR" dirty="0"/>
+          </a:p>
+          <a:p>
+            <a:r>
+              <a:rPr lang="ko-KR" altLang="en-US" dirty="0"/>
+              <a:t>옷이 왼쪽으로 </a:t>
+            </a:r>
+            <a:r>
+              <a:rPr lang="ko-KR" altLang="en-US" dirty="0" err="1"/>
+              <a:t>이동하게한다</a:t>
+            </a:r>
+            <a:endParaRPr lang="en-US" altLang="ko-KR" dirty="0"/>
+          </a:p>
+          <a:p>
+            <a:endParaRPr lang="en-US" altLang="ko-KR" dirty="0"/>
+          </a:p>
+          <a:p>
+            <a:r>
+              <a:rPr lang="ko-KR" altLang="en-US" dirty="0"/>
+              <a:t>장점 </a:t>
+            </a:r>
+            <a:r>
+              <a:rPr lang="en-US" altLang="ko-KR" dirty="0"/>
+              <a:t>– </a:t>
+            </a:r>
+            <a:r>
+              <a:rPr lang="ko-KR" altLang="en-US" dirty="0" err="1"/>
+              <a:t>재밌는</a:t>
+            </a:r>
+            <a:r>
+              <a:rPr lang="ko-KR" altLang="en-US" dirty="0"/>
+              <a:t> 디자인이다</a:t>
+            </a:r>
+            <a:endParaRPr lang="en-US" altLang="ko-KR" dirty="0"/>
+          </a:p>
+          <a:p>
+            <a:r>
+              <a:rPr lang="en-US" altLang="ko-KR" dirty="0"/>
+              <a:t>         </a:t>
+            </a:r>
+          </a:p>
+          <a:p>
+            <a:r>
+              <a:rPr lang="ko-KR" altLang="en-US" dirty="0"/>
+              <a:t>단점 </a:t>
+            </a:r>
+            <a:r>
+              <a:rPr lang="en-US" altLang="ko-KR" dirty="0"/>
+              <a:t>– </a:t>
+            </a:r>
+            <a:r>
+              <a:rPr lang="ko-KR" altLang="en-US" dirty="0"/>
+              <a:t>한번에 많은 옷을 </a:t>
+            </a:r>
+            <a:endParaRPr lang="en-US" altLang="ko-KR" dirty="0"/>
+          </a:p>
+          <a:p>
+            <a:r>
+              <a:rPr lang="en-US" altLang="ko-KR" dirty="0"/>
+              <a:t>         </a:t>
+            </a:r>
+            <a:r>
+              <a:rPr lang="ko-KR" altLang="en-US" dirty="0"/>
+              <a:t>볼 수 없다</a:t>
+            </a:r>
+            <a:endParaRPr lang="en-US" altLang="ko-KR" dirty="0"/>
+          </a:p>
+          <a:p>
+            <a:endParaRPr lang="en-US" altLang="ko-KR" dirty="0"/>
+          </a:p>
+        </p:txBody>
+      </p:sp>
+      <p:sp>
+        <p:nvSpPr>
+          <p:cNvPr id="20" name="이등변 삼각형 19">
+            <a:extLst>
+              <a:ext uri="{FF2B5EF4-FFF2-40B4-BE49-F238E27FC236}">
+                <a16:creationId xmlns:a16="http://schemas.microsoft.com/office/drawing/2014/main" id="{825B801C-D17B-4BE2-BDCE-A9A86976A3E0}"/>
+              </a:ext>
+            </a:extLst>
+          </p:cNvPr>
+          <p:cNvSpPr/>
+          <p:nvPr/>
+        </p:nvSpPr>
+        <p:spPr>
+          <a:xfrm rot="16200000">
+            <a:off x="4435459" y="2659184"/>
+            <a:ext cx="498403" cy="511277"/>
+          </a:xfrm>
+          <a:prstGeom prst="triangle">
+            <a:avLst/>
+          </a:prstGeom>
+        </p:spPr>
+        <p:style>
+          <a:lnRef idx="2">
+            <a:schemeClr val="accent1">
+              <a:shade val="50000"/>
+            </a:schemeClr>
+          </a:lnRef>
+          <a:fillRef idx="1">
+            <a:schemeClr val="accent1"/>
+          </a:fillRef>
+          <a:effectRef idx="0">
+            <a:schemeClr val="accent1"/>
+          </a:effectRef>
+          <a:fontRef idx="minor">
+            <a:schemeClr val="lt1"/>
+          </a:fontRef>
+        </p:style>
+        <p:txBody>
+          <a:bodyPr rtlCol="0" anchor="ctr"/>
+          <a:lstStyle/>
+          <a:p>
+            <a:pPr algn="ctr"/>
+            <a:endParaRPr lang="ko-KR" altLang="en-US"/>
+          </a:p>
+        </p:txBody>
+      </p:sp>
+      <p:sp>
+        <p:nvSpPr>
+          <p:cNvPr id="21" name="이등변 삼각형 20">
+            <a:extLst>
+              <a:ext uri="{FF2B5EF4-FFF2-40B4-BE49-F238E27FC236}">
+                <a16:creationId xmlns:a16="http://schemas.microsoft.com/office/drawing/2014/main" id="{E18465E8-FEAE-4300-81F0-FD9BE33F21D5}"/>
+              </a:ext>
+            </a:extLst>
+          </p:cNvPr>
+          <p:cNvSpPr/>
+          <p:nvPr/>
+        </p:nvSpPr>
+        <p:spPr>
+          <a:xfrm rot="5400000">
+            <a:off x="7485488" y="2659183"/>
+            <a:ext cx="498403" cy="511277"/>
+          </a:xfrm>
+          <a:prstGeom prst="triangle">
+            <a:avLst/>
+          </a:prstGeom>
+        </p:spPr>
+        <p:style>
+          <a:lnRef idx="2">
+            <a:schemeClr val="accent1">
+              <a:shade val="50000"/>
+            </a:schemeClr>
+          </a:lnRef>
+          <a:fillRef idx="1">
+            <a:schemeClr val="accent1"/>
+          </a:fillRef>
+          <a:effectRef idx="0">
+            <a:schemeClr val="accent1"/>
+          </a:effectRef>
+          <a:fontRef idx="minor">
+            <a:schemeClr val="lt1"/>
+          </a:fontRef>
+        </p:style>
+        <p:txBody>
+          <a:bodyPr rtlCol="0" anchor="ctr"/>
+          <a:lstStyle/>
+          <a:p>
+            <a:pPr algn="ctr"/>
+            <a:endParaRPr lang="ko-KR" altLang="en-US"/>
+          </a:p>
+        </p:txBody>
+      </p:sp>
+    </p:spTree>
+    <p:extLst>
+      <p:ext uri="{BB962C8B-B14F-4D97-AF65-F5344CB8AC3E}">
+        <p14:creationId xmlns:p14="http://schemas.microsoft.com/office/powerpoint/2010/main" val="3221503357"/>
+      </p:ext>
+    </p:extLst>
+  </p:cSld>
+  <p:clrMapOvr>
+    <a:masterClrMapping/>
+  </p:clrMapOvr>
+</p:sld>
+</file>
+
+<file path=ppt/slides/slide14.xml><?xml version="1.0" encoding="utf-8"?>
+<p:sld xmlns:a="http://schemas.openxmlformats.org/drawingml/2006/main" xmlns:r="http://schemas.openxmlformats.org/officeDocument/2006/relationships" xmlns:p="http://schemas.openxmlformats.org/presentationml/2006/main">
+  <p:cSld>
+    <p:spTree>
+      <p:nvGrpSpPr>
+        <p:cNvPr id="1" name=""/>
+        <p:cNvGrpSpPr/>
+        <p:nvPr/>
+      </p:nvGrpSpPr>
+      <p:grpSpPr>
+        <a:xfrm>
+          <a:off x="0" y="0"/>
+          <a:ext cx="0" cy="0"/>
+          <a:chOff x="0" y="0"/>
+          <a:chExt cx="0" cy="0"/>
+        </a:xfrm>
+      </p:grpSpPr>
+      <p:sp>
+        <p:nvSpPr>
+          <p:cNvPr id="2" name="제목 1">
+            <a:extLst>
+              <a:ext uri="{FF2B5EF4-FFF2-40B4-BE49-F238E27FC236}">
                 <a16:creationId xmlns:a16="http://schemas.microsoft.com/office/drawing/2014/main" id="{004B6B19-4B0F-4D9E-AA2E-2D93DBE1FDE8}"/>
               </a:ext>
             </a:extLst>
@@ -4002,7 +6699,7 @@
 </p:sld>
 </file>
 
-<file path=ppt/slides/slide11.xml><?xml version="1.0" encoding="utf-8"?>
+<file path=ppt/slides/slide15.xml><?xml version="1.0" encoding="utf-8"?>
 <p:sld xmlns:a="http://schemas.openxmlformats.org/drawingml/2006/main" xmlns:r="http://schemas.openxmlformats.org/officeDocument/2006/relationships" xmlns:p="http://schemas.openxmlformats.org/presentationml/2006/main">
   <p:cSld>
     <p:spTree>
@@ -4327,7 +7024,7 @@
 </p:sld>
 </file>
 
-<file path=ppt/slides/slide12.xml><?xml version="1.0" encoding="utf-8"?>
+<file path=ppt/slides/slide16.xml><?xml version="1.0" encoding="utf-8"?>
 <p:sld xmlns:a="http://schemas.openxmlformats.org/drawingml/2006/main" xmlns:r="http://schemas.openxmlformats.org/officeDocument/2006/relationships" xmlns:p="http://schemas.openxmlformats.org/presentationml/2006/main">
   <p:cSld>
     <p:spTree>
@@ -4459,7 +7156,7 @@
 </p:sld>
 </file>
 
-<file path=ppt/slides/slide13.xml><?xml version="1.0" encoding="utf-8"?>
+<file path=ppt/slides/slide17.xml><?xml version="1.0" encoding="utf-8"?>
 <p:sld xmlns:a="http://schemas.openxmlformats.org/drawingml/2006/main" xmlns:r="http://schemas.openxmlformats.org/officeDocument/2006/relationships" xmlns:p="http://schemas.openxmlformats.org/presentationml/2006/main">
   <p:cSld>
     <p:spTree>
@@ -4705,10 +7402,10 @@
       </p:sp>
       <p:sp>
         <p:nvSpPr>
-          <p:cNvPr id="4" name="직사각형 3">
-            <a:extLst>
-              <a:ext uri="{FF2B5EF4-FFF2-40B4-BE49-F238E27FC236}">
-                <a16:creationId xmlns:a16="http://schemas.microsoft.com/office/drawing/2014/main" id="{B9D918CF-1AFD-40D5-A753-A8294AA96329}"/>
+          <p:cNvPr id="3" name="사각형: 둥근 모서리 2">
+            <a:extLst>
+              <a:ext uri="{FF2B5EF4-FFF2-40B4-BE49-F238E27FC236}">
+                <a16:creationId xmlns:a16="http://schemas.microsoft.com/office/drawing/2014/main" id="{80AC0B9B-47E8-42CB-8042-E1C620877805}"/>
               </a:ext>
             </a:extLst>
           </p:cNvPr>
@@ -4717,12 +7414,23 @@
         </p:nvSpPr>
         <p:spPr>
           <a:xfrm>
-            <a:off x="2128520" y="2654300"/>
-            <a:ext cx="1323975" cy="1276350"/>
-          </a:xfrm>
-          <a:prstGeom prst="rect">
-            <a:avLst/>
-          </a:prstGeom>
+            <a:off x="2412274" y="1515291"/>
+            <a:ext cx="7167155" cy="1140823"/>
+          </a:xfrm>
+          <a:prstGeom prst="roundRect">
+            <a:avLst/>
+          </a:prstGeom>
+          <a:solidFill>
+            <a:schemeClr val="accent5">
+              <a:lumMod val="20000"/>
+              <a:lumOff val="80000"/>
+            </a:schemeClr>
+          </a:solidFill>
+          <a:ln>
+            <a:solidFill>
+              <a:schemeClr val="tx1"/>
+            </a:solidFill>
+          </a:ln>
         </p:spPr>
         <p:style>
           <a:lnRef idx="2">
@@ -4745,20 +7453,16 @@
           <a:lstStyle/>
           <a:p>
             <a:pPr algn="ctr"/>
-            <a:r>
-              <a:rPr lang="en-US" altLang="ko-KR" dirty="0"/>
-              <a:t>Start</a:t>
-            </a:r>
-            <a:endParaRPr lang="ko-KR" altLang="en-US" dirty="0"/>
-          </a:p>
-        </p:txBody>
-      </p:sp>
-      <p:sp>
-        <p:nvSpPr>
-          <p:cNvPr id="6" name="직사각형 5">
-            <a:extLst>
-              <a:ext uri="{FF2B5EF4-FFF2-40B4-BE49-F238E27FC236}">
-                <a16:creationId xmlns:a16="http://schemas.microsoft.com/office/drawing/2014/main" id="{71C8DD33-CFA0-4662-B24B-5E6F1A0AECFE}"/>
+            <a:endParaRPr lang="ko-KR" altLang="en-US"/>
+          </a:p>
+        </p:txBody>
+      </p:sp>
+      <p:sp>
+        <p:nvSpPr>
+          <p:cNvPr id="14" name="사각형: 둥근 모서리 13">
+            <a:extLst>
+              <a:ext uri="{FF2B5EF4-FFF2-40B4-BE49-F238E27FC236}">
+                <a16:creationId xmlns:a16="http://schemas.microsoft.com/office/drawing/2014/main" id="{28683AB5-07D9-4288-B08F-B9346B44B78D}"/>
               </a:ext>
             </a:extLst>
           </p:cNvPr>
@@ -4767,12 +7471,18 @@
         </p:nvSpPr>
         <p:spPr>
           <a:xfrm>
-            <a:off x="4018280" y="2654300"/>
-            <a:ext cx="1323975" cy="1276350"/>
-          </a:xfrm>
-          <a:prstGeom prst="rect">
-            <a:avLst/>
-          </a:prstGeom>
+            <a:off x="2412273" y="4471217"/>
+            <a:ext cx="7167155" cy="1140823"/>
+          </a:xfrm>
+          <a:prstGeom prst="roundRect">
+            <a:avLst/>
+          </a:prstGeom>
+          <a:solidFill>
+            <a:schemeClr val="accent6">
+              <a:lumMod val="40000"/>
+              <a:lumOff val="60000"/>
+            </a:schemeClr>
+          </a:solidFill>
         </p:spPr>
         <p:style>
           <a:lnRef idx="2">
@@ -4795,20 +7505,16 @@
           <a:lstStyle/>
           <a:p>
             <a:pPr algn="ctr"/>
-            <a:r>
-              <a:rPr lang="en-US" altLang="ko-KR" dirty="0"/>
-              <a:t>Sub</a:t>
-            </a:r>
-            <a:endParaRPr lang="ko-KR" altLang="en-US" dirty="0"/>
-          </a:p>
-        </p:txBody>
-      </p:sp>
-      <p:sp>
-        <p:nvSpPr>
-          <p:cNvPr id="7" name="직사각형 6">
-            <a:extLst>
-              <a:ext uri="{FF2B5EF4-FFF2-40B4-BE49-F238E27FC236}">
-                <a16:creationId xmlns:a16="http://schemas.microsoft.com/office/drawing/2014/main" id="{321D4089-DBD3-456F-9369-D5989B7C72E5}"/>
+            <a:endParaRPr lang="ko-KR" altLang="en-US"/>
+          </a:p>
+        </p:txBody>
+      </p:sp>
+      <p:sp>
+        <p:nvSpPr>
+          <p:cNvPr id="15" name="사각형: 둥근 모서리 14">
+            <a:extLst>
+              <a:ext uri="{FF2B5EF4-FFF2-40B4-BE49-F238E27FC236}">
+                <a16:creationId xmlns:a16="http://schemas.microsoft.com/office/drawing/2014/main" id="{004AD320-36CC-444C-8074-0E1956AE0975}"/>
               </a:ext>
             </a:extLst>
           </p:cNvPr>
@@ -4817,12 +7523,18 @@
         </p:nvSpPr>
         <p:spPr>
           <a:xfrm>
-            <a:off x="6121400" y="2016125"/>
-            <a:ext cx="1323975" cy="1276350"/>
-          </a:xfrm>
-          <a:prstGeom prst="rect">
-            <a:avLst/>
-          </a:prstGeom>
+            <a:off x="2412273" y="2993254"/>
+            <a:ext cx="7167155" cy="1140823"/>
+          </a:xfrm>
+          <a:prstGeom prst="roundRect">
+            <a:avLst/>
+          </a:prstGeom>
+          <a:solidFill>
+            <a:schemeClr val="accent2">
+              <a:lumMod val="40000"/>
+              <a:lumOff val="60000"/>
+            </a:schemeClr>
+          </a:solidFill>
         </p:spPr>
         <p:style>
           <a:lnRef idx="2">
@@ -4845,9 +7557,41 @@
           <a:lstStyle/>
           <a:p>
             <a:pPr algn="ctr"/>
-            <a:r>
-              <a:rPr lang="en-US" altLang="ko-KR" dirty="0" err="1"/>
-              <a:t>Reco</a:t>
+            <a:endParaRPr lang="ko-KR" altLang="en-US"/>
+          </a:p>
+        </p:txBody>
+      </p:sp>
+      <p:sp>
+        <p:nvSpPr>
+          <p:cNvPr id="5" name="TextBox 4">
+            <a:extLst>
+              <a:ext uri="{FF2B5EF4-FFF2-40B4-BE49-F238E27FC236}">
+                <a16:creationId xmlns:a16="http://schemas.microsoft.com/office/drawing/2014/main" id="{237A3E43-8100-4F90-B1E7-1258B836E341}"/>
+              </a:ext>
+            </a:extLst>
+          </p:cNvPr>
+          <p:cNvSpPr txBox="1"/>
+          <p:nvPr/>
+        </p:nvSpPr>
+        <p:spPr>
+          <a:xfrm>
+            <a:off x="745834" y="1901036"/>
+            <a:ext cx="1481431" cy="369332"/>
+          </a:xfrm>
+          <a:prstGeom prst="rect">
+            <a:avLst/>
+          </a:prstGeom>
+          <a:noFill/>
+        </p:spPr>
+        <p:txBody>
+          <a:bodyPr wrap="none" rtlCol="0">
+            <a:spAutoFit/>
+          </a:bodyPr>
+          <a:lstStyle/>
+          <a:p>
+            <a:r>
+              <a:rPr lang="en-US" altLang="ko-KR" dirty="0"/>
+              <a:t>Presentation</a:t>
             </a:r>
             <a:endParaRPr lang="ko-KR" altLang="en-US" dirty="0"/>
           </a:p>
@@ -4855,10 +7599,82 @@
       </p:sp>
       <p:sp>
         <p:nvSpPr>
-          <p:cNvPr id="9" name="직사각형 8">
-            <a:extLst>
-              <a:ext uri="{FF2B5EF4-FFF2-40B4-BE49-F238E27FC236}">
-                <a16:creationId xmlns:a16="http://schemas.microsoft.com/office/drawing/2014/main" id="{59DBF39D-17FD-40E3-B10E-9A66B7CC928A}"/>
+          <p:cNvPr id="17" name="TextBox 16">
+            <a:extLst>
+              <a:ext uri="{FF2B5EF4-FFF2-40B4-BE49-F238E27FC236}">
+                <a16:creationId xmlns:a16="http://schemas.microsoft.com/office/drawing/2014/main" id="{33D36347-CD5B-48CD-9EDB-61F62B7EA352}"/>
+              </a:ext>
+            </a:extLst>
+          </p:cNvPr>
+          <p:cNvSpPr txBox="1"/>
+          <p:nvPr/>
+        </p:nvSpPr>
+        <p:spPr>
+          <a:xfrm>
+            <a:off x="875035" y="3378999"/>
+            <a:ext cx="1082348" cy="369332"/>
+          </a:xfrm>
+          <a:prstGeom prst="rect">
+            <a:avLst/>
+          </a:prstGeom>
+          <a:noFill/>
+        </p:spPr>
+        <p:txBody>
+          <a:bodyPr wrap="none" rtlCol="0">
+            <a:spAutoFit/>
+          </a:bodyPr>
+          <a:lstStyle/>
+          <a:p>
+            <a:r>
+              <a:rPr lang="en-US" altLang="ko-KR" dirty="0"/>
+              <a:t>Function</a:t>
+            </a:r>
+            <a:endParaRPr lang="ko-KR" altLang="en-US" dirty="0"/>
+          </a:p>
+        </p:txBody>
+      </p:sp>
+      <p:sp>
+        <p:nvSpPr>
+          <p:cNvPr id="18" name="TextBox 17">
+            <a:extLst>
+              <a:ext uri="{FF2B5EF4-FFF2-40B4-BE49-F238E27FC236}">
+                <a16:creationId xmlns:a16="http://schemas.microsoft.com/office/drawing/2014/main" id="{0B998192-C7AD-4EDA-BE4D-12B779F3943E}"/>
+              </a:ext>
+            </a:extLst>
+          </p:cNvPr>
+          <p:cNvSpPr txBox="1"/>
+          <p:nvPr/>
+        </p:nvSpPr>
+        <p:spPr>
+          <a:xfrm>
+            <a:off x="1081021" y="4856962"/>
+            <a:ext cx="670376" cy="369332"/>
+          </a:xfrm>
+          <a:prstGeom prst="rect">
+            <a:avLst/>
+          </a:prstGeom>
+          <a:noFill/>
+        </p:spPr>
+        <p:txBody>
+          <a:bodyPr wrap="none" rtlCol="0">
+            <a:spAutoFit/>
+          </a:bodyPr>
+          <a:lstStyle/>
+          <a:p>
+            <a:r>
+              <a:rPr lang="en-US" altLang="ko-KR" dirty="0"/>
+              <a:t>Data</a:t>
+            </a:r>
+            <a:endParaRPr lang="ko-KR" altLang="en-US" dirty="0"/>
+          </a:p>
+        </p:txBody>
+      </p:sp>
+      <p:sp>
+        <p:nvSpPr>
+          <p:cNvPr id="8" name="사각형: 둥근 모서리 7">
+            <a:extLst>
+              <a:ext uri="{FF2B5EF4-FFF2-40B4-BE49-F238E27FC236}">
+                <a16:creationId xmlns:a16="http://schemas.microsoft.com/office/drawing/2014/main" id="{C7B5CE88-B512-44A2-AF4C-162B2E1E601F}"/>
               </a:ext>
             </a:extLst>
           </p:cNvPr>
@@ -4867,10 +7683,10 @@
         </p:nvSpPr>
         <p:spPr>
           <a:xfrm>
-            <a:off x="6121400" y="3427412"/>
-            <a:ext cx="1323975" cy="1276350"/>
-          </a:xfrm>
-          <a:prstGeom prst="rect">
+            <a:off x="3161211" y="1776549"/>
+            <a:ext cx="2473235" cy="653142"/>
+          </a:xfrm>
+          <a:prstGeom prst="roundRect">
             <a:avLst/>
           </a:prstGeom>
         </p:spPr>
@@ -4897,7 +7713,7 @@
             <a:pPr algn="ctr"/>
             <a:r>
               <a:rPr lang="en-US" altLang="ko-KR" dirty="0"/>
-              <a:t>List</a:t>
+              <a:t>UI</a:t>
             </a:r>
             <a:endParaRPr lang="ko-KR" altLang="en-US" dirty="0"/>
           </a:p>
@@ -4905,10 +7721,10 @@
       </p:sp>
       <p:sp>
         <p:nvSpPr>
-          <p:cNvPr id="10" name="직사각형 9">
-            <a:extLst>
-              <a:ext uri="{FF2B5EF4-FFF2-40B4-BE49-F238E27FC236}">
-                <a16:creationId xmlns:a16="http://schemas.microsoft.com/office/drawing/2014/main" id="{3C428059-CDC7-48C0-9D51-E2B1235B3CCC}"/>
+          <p:cNvPr id="20" name="사각형: 둥근 모서리 19">
+            <a:extLst>
+              <a:ext uri="{FF2B5EF4-FFF2-40B4-BE49-F238E27FC236}">
+                <a16:creationId xmlns:a16="http://schemas.microsoft.com/office/drawing/2014/main" id="{92153CDD-5B8D-4FC5-AD1F-29E0B795BD7C}"/>
               </a:ext>
             </a:extLst>
           </p:cNvPr>
@@ -4917,10 +7733,10 @@
         </p:nvSpPr>
         <p:spPr>
           <a:xfrm>
-            <a:off x="8224520" y="2654300"/>
-            <a:ext cx="1323975" cy="1276350"/>
-          </a:xfrm>
-          <a:prstGeom prst="rect">
+            <a:off x="6560821" y="1776549"/>
+            <a:ext cx="2473235" cy="653142"/>
+          </a:xfrm>
+          <a:prstGeom prst="roundRect">
             <a:avLst/>
           </a:prstGeom>
         </p:spPr>
@@ -4947,7 +7763,157 @@
             <a:pPr algn="ctr"/>
             <a:r>
               <a:rPr lang="en-US" altLang="ko-KR" dirty="0"/>
-              <a:t>Overlay</a:t>
+              <a:t>UIC</a:t>
+            </a:r>
+            <a:endParaRPr lang="ko-KR" altLang="en-US" dirty="0"/>
+          </a:p>
+        </p:txBody>
+      </p:sp>
+      <p:sp>
+        <p:nvSpPr>
+          <p:cNvPr id="21" name="사각형: 둥근 모서리 20">
+            <a:extLst>
+              <a:ext uri="{FF2B5EF4-FFF2-40B4-BE49-F238E27FC236}">
+                <a16:creationId xmlns:a16="http://schemas.microsoft.com/office/drawing/2014/main" id="{CC6D3E91-D2E1-48BF-844F-873DA8185632}"/>
+              </a:ext>
+            </a:extLst>
+          </p:cNvPr>
+          <p:cNvSpPr/>
+          <p:nvPr/>
+        </p:nvSpPr>
+        <p:spPr>
+          <a:xfrm>
+            <a:off x="6560821" y="3237094"/>
+            <a:ext cx="2473235" cy="653142"/>
+          </a:xfrm>
+          <a:prstGeom prst="roundRect">
+            <a:avLst/>
+          </a:prstGeom>
+        </p:spPr>
+        <p:style>
+          <a:lnRef idx="2">
+            <a:schemeClr val="accent1">
+              <a:shade val="50000"/>
+            </a:schemeClr>
+          </a:lnRef>
+          <a:fillRef idx="1">
+            <a:schemeClr val="accent1"/>
+          </a:fillRef>
+          <a:effectRef idx="0">
+            <a:schemeClr val="accent1"/>
+          </a:effectRef>
+          <a:fontRef idx="minor">
+            <a:schemeClr val="lt1"/>
+          </a:fontRef>
+        </p:style>
+        <p:txBody>
+          <a:bodyPr rtlCol="0" anchor="ctr"/>
+          <a:lstStyle/>
+          <a:p>
+            <a:pPr algn="ctr"/>
+            <a:r>
+              <a:rPr lang="en-US" altLang="ko-KR" dirty="0"/>
+              <a:t>Function</a:t>
+            </a:r>
+            <a:endParaRPr lang="ko-KR" altLang="en-US" dirty="0"/>
+          </a:p>
+        </p:txBody>
+      </p:sp>
+      <p:sp>
+        <p:nvSpPr>
+          <p:cNvPr id="22" name="사각형: 둥근 모서리 21">
+            <a:extLst>
+              <a:ext uri="{FF2B5EF4-FFF2-40B4-BE49-F238E27FC236}">
+                <a16:creationId xmlns:a16="http://schemas.microsoft.com/office/drawing/2014/main" id="{3456F01A-477D-445E-B7A2-ECD28871D35B}"/>
+              </a:ext>
+            </a:extLst>
+          </p:cNvPr>
+          <p:cNvSpPr/>
+          <p:nvPr/>
+        </p:nvSpPr>
+        <p:spPr>
+          <a:xfrm>
+            <a:off x="3157946" y="3237094"/>
+            <a:ext cx="2473235" cy="653142"/>
+          </a:xfrm>
+          <a:prstGeom prst="roundRect">
+            <a:avLst/>
+          </a:prstGeom>
+        </p:spPr>
+        <p:style>
+          <a:lnRef idx="2">
+            <a:schemeClr val="accent1">
+              <a:shade val="50000"/>
+            </a:schemeClr>
+          </a:lnRef>
+          <a:fillRef idx="1">
+            <a:schemeClr val="accent1"/>
+          </a:fillRef>
+          <a:effectRef idx="0">
+            <a:schemeClr val="accent1"/>
+          </a:effectRef>
+          <a:fontRef idx="minor">
+            <a:schemeClr val="lt1"/>
+          </a:fontRef>
+        </p:style>
+        <p:txBody>
+          <a:bodyPr rtlCol="0" anchor="ctr"/>
+          <a:lstStyle/>
+          <a:p>
+            <a:pPr algn="ctr"/>
+            <a:r>
+              <a:rPr lang="en-US" altLang="ko-KR" dirty="0" err="1"/>
+              <a:t>AnimationCall</a:t>
+            </a:r>
+            <a:endParaRPr lang="ko-KR" altLang="en-US" dirty="0"/>
+          </a:p>
+        </p:txBody>
+      </p:sp>
+      <p:sp>
+        <p:nvSpPr>
+          <p:cNvPr id="23" name="사각형: 둥근 모서리 22">
+            <a:extLst>
+              <a:ext uri="{FF2B5EF4-FFF2-40B4-BE49-F238E27FC236}">
+                <a16:creationId xmlns:a16="http://schemas.microsoft.com/office/drawing/2014/main" id="{5B11890E-ECE7-4309-A258-930076819494}"/>
+              </a:ext>
+            </a:extLst>
+          </p:cNvPr>
+          <p:cNvSpPr/>
+          <p:nvPr/>
+        </p:nvSpPr>
+        <p:spPr>
+          <a:xfrm>
+            <a:off x="3157946" y="4715057"/>
+            <a:ext cx="2473235" cy="653142"/>
+          </a:xfrm>
+          <a:prstGeom prst="roundRect">
+            <a:avLst/>
+          </a:prstGeom>
+        </p:spPr>
+        <p:style>
+          <a:lnRef idx="2">
+            <a:schemeClr val="accent1">
+              <a:shade val="50000"/>
+            </a:schemeClr>
+          </a:lnRef>
+          <a:fillRef idx="1">
+            <a:schemeClr val="accent1"/>
+          </a:fillRef>
+          <a:effectRef idx="0">
+            <a:schemeClr val="accent1"/>
+          </a:effectRef>
+          <a:fontRef idx="minor">
+            <a:schemeClr val="lt1"/>
+          </a:fontRef>
+        </p:style>
+        <p:txBody>
+          <a:bodyPr rtlCol="0" anchor="ctr"/>
+          <a:lstStyle/>
+          <a:p>
+            <a:pPr algn="ctr"/>
+            <a:r>
+              <a:rPr lang="en-US" altLang="ko-KR" dirty="0"/>
+              <a:t>Clothes</a:t>
             </a:r>
             <a:endParaRPr lang="ko-KR" altLang="en-US" dirty="0"/>
           </a:p>
@@ -4955,28 +7921,32 @@
       </p:sp>
       <p:cxnSp>
         <p:nvCxnSpPr>
-          <p:cNvPr id="32" name="연결선: 꺾임 31">
-            <a:extLst>
-              <a:ext uri="{FF2B5EF4-FFF2-40B4-BE49-F238E27FC236}">
-                <a16:creationId xmlns:a16="http://schemas.microsoft.com/office/drawing/2014/main" id="{8B4654AD-E666-41B4-8E94-E247981578BD}"/>
+          <p:cNvPr id="12" name="직선 화살표 연결선 11">
+            <a:extLst>
+              <a:ext uri="{FF2B5EF4-FFF2-40B4-BE49-F238E27FC236}">
+                <a16:creationId xmlns:a16="http://schemas.microsoft.com/office/drawing/2014/main" id="{15D70C6A-81B6-4918-951D-23C6838DA8B2}"/>
               </a:ext>
             </a:extLst>
           </p:cNvPr>
           <p:cNvCxnSpPr>
-            <a:stCxn id="4" idx="3"/>
-            <a:endCxn id="6" idx="1"/>
+            <a:stCxn id="8" idx="2"/>
+            <a:endCxn id="22" idx="0"/>
           </p:cNvCxnSpPr>
           <p:nvPr/>
         </p:nvCxnSpPr>
         <p:spPr>
-          <a:xfrm>
-            <a:off x="3452495" y="3292475"/>
-            <a:ext cx="565785" cy="12700"/>
-          </a:xfrm>
-          <a:prstGeom prst="bentConnector3">
-            <a:avLst/>
-          </a:prstGeom>
-          <a:ln>
+          <a:xfrm flipH="1">
+            <a:off x="4394564" y="2429691"/>
+            <a:ext cx="3265" cy="807403"/>
+          </a:xfrm>
+          <a:prstGeom prst="straightConnector1">
+            <a:avLst/>
+          </a:prstGeom>
+          <a:ln w="44450">
+            <a:solidFill>
+              <a:srgbClr val="FF0000"/>
+            </a:solidFill>
+            <a:headEnd w="lg" len="lg"/>
             <a:tailEnd type="triangle"/>
           </a:ln>
         </p:spPr>
@@ -4997,28 +7967,29 @@
       </p:cxnSp>
       <p:cxnSp>
         <p:nvCxnSpPr>
-          <p:cNvPr id="34" name="연결선: 꺾임 33">
-            <a:extLst>
-              <a:ext uri="{FF2B5EF4-FFF2-40B4-BE49-F238E27FC236}">
-                <a16:creationId xmlns:a16="http://schemas.microsoft.com/office/drawing/2014/main" id="{1D746EC3-5089-4269-ADB4-3C6A520ACFBE}"/>
-              </a:ext>
-            </a:extLst>
-          </p:cNvPr>
-          <p:cNvCxnSpPr>
-            <a:stCxn id="6" idx="3"/>
-            <a:endCxn id="7" idx="1"/>
-          </p:cNvCxnSpPr>
+          <p:cNvPr id="26" name="직선 화살표 연결선 25">
+            <a:extLst>
+              <a:ext uri="{FF2B5EF4-FFF2-40B4-BE49-F238E27FC236}">
+                <a16:creationId xmlns:a16="http://schemas.microsoft.com/office/drawing/2014/main" id="{B14F146B-773C-4B26-B7C2-B7ACFB4F18D2}"/>
+              </a:ext>
+            </a:extLst>
+          </p:cNvPr>
+          <p:cNvCxnSpPr/>
           <p:nvPr/>
         </p:nvCxnSpPr>
         <p:spPr>
-          <a:xfrm flipV="1">
-            <a:off x="5342255" y="2654300"/>
-            <a:ext cx="779145" cy="638175"/>
-          </a:xfrm>
-          <a:prstGeom prst="bentConnector3">
-            <a:avLst/>
-          </a:prstGeom>
-          <a:ln>
+          <a:xfrm flipH="1">
+            <a:off x="7811590" y="2429691"/>
+            <a:ext cx="3265" cy="807403"/>
+          </a:xfrm>
+          <a:prstGeom prst="straightConnector1">
+            <a:avLst/>
+          </a:prstGeom>
+          <a:ln w="44450">
+            <a:solidFill>
+              <a:srgbClr val="FF0000"/>
+            </a:solidFill>
+            <a:headEnd w="lg" len="lg"/>
             <a:tailEnd type="triangle"/>
           </a:ln>
         </p:spPr>
@@ -5039,28 +8010,31 @@
       </p:cxnSp>
       <p:cxnSp>
         <p:nvCxnSpPr>
-          <p:cNvPr id="36" name="연결선: 꺾임 35">
-            <a:extLst>
-              <a:ext uri="{FF2B5EF4-FFF2-40B4-BE49-F238E27FC236}">
-                <a16:creationId xmlns:a16="http://schemas.microsoft.com/office/drawing/2014/main" id="{241A9D86-A593-4DF6-8988-429D9F091CD3}"/>
+          <p:cNvPr id="16" name="직선 화살표 연결선 15">
+            <a:extLst>
+              <a:ext uri="{FF2B5EF4-FFF2-40B4-BE49-F238E27FC236}">
+                <a16:creationId xmlns:a16="http://schemas.microsoft.com/office/drawing/2014/main" id="{7A6E4813-C8B0-49F1-90D1-74D4D4208876}"/>
               </a:ext>
             </a:extLst>
           </p:cNvPr>
           <p:cNvCxnSpPr>
-            <a:stCxn id="6" idx="3"/>
-            <a:endCxn id="9" idx="1"/>
+            <a:stCxn id="8" idx="2"/>
+            <a:endCxn id="21" idx="0"/>
           </p:cNvCxnSpPr>
           <p:nvPr/>
         </p:nvCxnSpPr>
         <p:spPr>
           <a:xfrm>
-            <a:off x="5342255" y="3292475"/>
-            <a:ext cx="779145" cy="773112"/>
-          </a:xfrm>
-          <a:prstGeom prst="bentConnector3">
-            <a:avLst/>
-          </a:prstGeom>
-          <a:ln>
+            <a:off x="4397829" y="2429691"/>
+            <a:ext cx="3399610" cy="807403"/>
+          </a:xfrm>
+          <a:prstGeom prst="straightConnector1">
+            <a:avLst/>
+          </a:prstGeom>
+          <a:ln w="44450">
+            <a:solidFill>
+              <a:srgbClr val="FF0000"/>
+            </a:solidFill>
             <a:tailEnd type="triangle"/>
           </a:ln>
         </p:spPr>
@@ -5081,70 +8055,31 @@
       </p:cxnSp>
       <p:cxnSp>
         <p:nvCxnSpPr>
-          <p:cNvPr id="38" name="연결선: 꺾임 37">
-            <a:extLst>
-              <a:ext uri="{FF2B5EF4-FFF2-40B4-BE49-F238E27FC236}">
-                <a16:creationId xmlns:a16="http://schemas.microsoft.com/office/drawing/2014/main" id="{78CFE43B-4B96-4DEE-83B4-CE323763FCF8}"/>
+          <p:cNvPr id="27" name="직선 화살표 연결선 26">
+            <a:extLst>
+              <a:ext uri="{FF2B5EF4-FFF2-40B4-BE49-F238E27FC236}">
+                <a16:creationId xmlns:a16="http://schemas.microsoft.com/office/drawing/2014/main" id="{BA51ECE5-AED1-49C1-AA6F-349A874DCD71}"/>
               </a:ext>
             </a:extLst>
           </p:cNvPr>
           <p:cNvCxnSpPr>
-            <a:stCxn id="7" idx="3"/>
-            <a:endCxn id="10" idx="1"/>
+            <a:stCxn id="22" idx="2"/>
+            <a:endCxn id="23" idx="0"/>
           </p:cNvCxnSpPr>
           <p:nvPr/>
         </p:nvCxnSpPr>
         <p:spPr>
           <a:xfrm>
-            <a:off x="7445375" y="2654300"/>
-            <a:ext cx="779145" cy="638175"/>
-          </a:xfrm>
-          <a:prstGeom prst="bentConnector3">
-            <a:avLst/>
-          </a:prstGeom>
-          <a:ln>
-            <a:tailEnd type="triangle"/>
-          </a:ln>
-        </p:spPr>
-        <p:style>
-          <a:lnRef idx="1">
-            <a:schemeClr val="accent1"/>
-          </a:lnRef>
-          <a:fillRef idx="0">
-            <a:schemeClr val="accent1"/>
-          </a:fillRef>
-          <a:effectRef idx="0">
-            <a:schemeClr val="accent1"/>
-          </a:effectRef>
-          <a:fontRef idx="minor">
-            <a:schemeClr val="tx1"/>
-          </a:fontRef>
-        </p:style>
-      </p:cxnSp>
-      <p:cxnSp>
-        <p:nvCxnSpPr>
-          <p:cNvPr id="40" name="연결선: 꺾임 39">
-            <a:extLst>
-              <a:ext uri="{FF2B5EF4-FFF2-40B4-BE49-F238E27FC236}">
-                <a16:creationId xmlns:a16="http://schemas.microsoft.com/office/drawing/2014/main" id="{BF610956-03C4-45DF-82F4-1DE4757FCA4D}"/>
-              </a:ext>
-            </a:extLst>
-          </p:cNvPr>
-          <p:cNvCxnSpPr>
-            <a:stCxn id="9" idx="3"/>
-            <a:endCxn id="10" idx="1"/>
-          </p:cNvCxnSpPr>
-          <p:nvPr/>
-        </p:nvCxnSpPr>
-        <p:spPr>
-          <a:xfrm flipV="1">
-            <a:off x="7445375" y="3292475"/>
-            <a:ext cx="779145" cy="773112"/>
-          </a:xfrm>
-          <a:prstGeom prst="bentConnector3">
-            <a:avLst/>
-          </a:prstGeom>
-          <a:ln>
+            <a:off x="4394564" y="3890236"/>
+            <a:ext cx="0" cy="824821"/>
+          </a:xfrm>
+          <a:prstGeom prst="straightConnector1">
+            <a:avLst/>
+          </a:prstGeom>
+          <a:ln w="44450">
+            <a:solidFill>
+              <a:srgbClr val="FF0000"/>
+            </a:solidFill>
             <a:tailEnd type="triangle"/>
           </a:ln>
         </p:spPr>
@@ -5195,6 +8130,2542 @@
       </p:grpSpPr>
       <p:sp>
         <p:nvSpPr>
+          <p:cNvPr id="2" name="제목 1">
+            <a:extLst>
+              <a:ext uri="{FF2B5EF4-FFF2-40B4-BE49-F238E27FC236}">
+                <a16:creationId xmlns:a16="http://schemas.microsoft.com/office/drawing/2014/main" id="{07CB24A1-F560-440E-B9A7-23625C778C5C}"/>
+              </a:ext>
+            </a:extLst>
+          </p:cNvPr>
+          <p:cNvSpPr>
+            <a:spLocks noGrp="1"/>
+          </p:cNvSpPr>
+          <p:nvPr>
+            <p:ph type="title"/>
+          </p:nvPr>
+        </p:nvSpPr>
+        <p:spPr/>
+        <p:txBody>
+          <a:bodyPr/>
+          <a:lstStyle/>
+          <a:p>
+            <a:r>
+              <a:rPr lang="en-US" altLang="ko-KR" dirty="0"/>
+              <a:t>UI</a:t>
+            </a:r>
+            <a:endParaRPr lang="ko-KR" altLang="en-US" dirty="0"/>
+          </a:p>
+        </p:txBody>
+      </p:sp>
+      <p:sp>
+        <p:nvSpPr>
+          <p:cNvPr id="4" name="사각형: 둥근 모서리 3">
+            <a:extLst>
+              <a:ext uri="{FF2B5EF4-FFF2-40B4-BE49-F238E27FC236}">
+                <a16:creationId xmlns:a16="http://schemas.microsoft.com/office/drawing/2014/main" id="{18BFB9F7-119A-4E6F-A861-98B6EE5FAAB0}"/>
+              </a:ext>
+            </a:extLst>
+          </p:cNvPr>
+          <p:cNvSpPr/>
+          <p:nvPr/>
+        </p:nvSpPr>
+        <p:spPr>
+          <a:xfrm>
+            <a:off x="838200" y="1690687"/>
+            <a:ext cx="1071154" cy="600891"/>
+          </a:xfrm>
+          <a:prstGeom prst="roundRect">
+            <a:avLst/>
+          </a:prstGeom>
+        </p:spPr>
+        <p:style>
+          <a:lnRef idx="2">
+            <a:schemeClr val="accent1">
+              <a:shade val="50000"/>
+            </a:schemeClr>
+          </a:lnRef>
+          <a:fillRef idx="1">
+            <a:schemeClr val="accent1"/>
+          </a:fillRef>
+          <a:effectRef idx="0">
+            <a:schemeClr val="accent1"/>
+          </a:effectRef>
+          <a:fontRef idx="minor">
+            <a:schemeClr val="lt1"/>
+          </a:fontRef>
+        </p:style>
+        <p:txBody>
+          <a:bodyPr rtlCol="0" anchor="ctr"/>
+          <a:lstStyle/>
+          <a:p>
+            <a:pPr algn="ctr"/>
+            <a:r>
+              <a:rPr lang="en-US" altLang="ko-KR" dirty="0"/>
+              <a:t>Magic mirror</a:t>
+            </a:r>
+            <a:endParaRPr lang="ko-KR" altLang="en-US" dirty="0"/>
+          </a:p>
+        </p:txBody>
+      </p:sp>
+      <p:sp>
+        <p:nvSpPr>
+          <p:cNvPr id="5" name="사각형: 둥근 모서리 4">
+            <a:extLst>
+              <a:ext uri="{FF2B5EF4-FFF2-40B4-BE49-F238E27FC236}">
+                <a16:creationId xmlns:a16="http://schemas.microsoft.com/office/drawing/2014/main" id="{92A9491B-0DC7-4A89-8997-8DD130A9AA2A}"/>
+              </a:ext>
+            </a:extLst>
+          </p:cNvPr>
+          <p:cNvSpPr/>
+          <p:nvPr/>
+        </p:nvSpPr>
+        <p:spPr>
+          <a:xfrm>
+            <a:off x="2632166" y="1690688"/>
+            <a:ext cx="1071154" cy="600891"/>
+          </a:xfrm>
+          <a:prstGeom prst="roundRect">
+            <a:avLst/>
+          </a:prstGeom>
+        </p:spPr>
+        <p:style>
+          <a:lnRef idx="2">
+            <a:schemeClr val="accent1">
+              <a:shade val="50000"/>
+            </a:schemeClr>
+          </a:lnRef>
+          <a:fillRef idx="1">
+            <a:schemeClr val="accent1"/>
+          </a:fillRef>
+          <a:effectRef idx="0">
+            <a:schemeClr val="accent1"/>
+          </a:effectRef>
+          <a:fontRef idx="minor">
+            <a:schemeClr val="lt1"/>
+          </a:fontRef>
+        </p:style>
+        <p:txBody>
+          <a:bodyPr rtlCol="0" anchor="ctr"/>
+          <a:lstStyle/>
+          <a:p>
+            <a:pPr algn="ctr"/>
+            <a:r>
+              <a:rPr lang="en-US" altLang="ko-KR" dirty="0" err="1"/>
+              <a:t>UI_Start</a:t>
+            </a:r>
+            <a:endParaRPr lang="ko-KR" altLang="en-US" dirty="0"/>
+          </a:p>
+        </p:txBody>
+      </p:sp>
+      <p:sp>
+        <p:nvSpPr>
+          <p:cNvPr id="6" name="사각형: 둥근 모서리 5">
+            <a:extLst>
+              <a:ext uri="{FF2B5EF4-FFF2-40B4-BE49-F238E27FC236}">
+                <a16:creationId xmlns:a16="http://schemas.microsoft.com/office/drawing/2014/main" id="{517A80CB-DAD2-4EC9-9502-EAE25421D3EF}"/>
+              </a:ext>
+            </a:extLst>
+          </p:cNvPr>
+          <p:cNvSpPr/>
+          <p:nvPr/>
+        </p:nvSpPr>
+        <p:spPr>
+          <a:xfrm>
+            <a:off x="4426132" y="1690686"/>
+            <a:ext cx="1210490" cy="600891"/>
+          </a:xfrm>
+          <a:prstGeom prst="roundRect">
+            <a:avLst/>
+          </a:prstGeom>
+        </p:spPr>
+        <p:style>
+          <a:lnRef idx="2">
+            <a:schemeClr val="accent1">
+              <a:shade val="50000"/>
+            </a:schemeClr>
+          </a:lnRef>
+          <a:fillRef idx="1">
+            <a:schemeClr val="accent1"/>
+          </a:fillRef>
+          <a:effectRef idx="0">
+            <a:schemeClr val="accent1"/>
+          </a:effectRef>
+          <a:fontRef idx="minor">
+            <a:schemeClr val="lt1"/>
+          </a:fontRef>
+        </p:style>
+        <p:txBody>
+          <a:bodyPr rtlCol="0" anchor="ctr"/>
+          <a:lstStyle/>
+          <a:p>
+            <a:pPr algn="ctr"/>
+            <a:r>
+              <a:rPr lang="en-US" altLang="ko-KR" dirty="0" err="1"/>
+              <a:t>UI_Sub</a:t>
+            </a:r>
+            <a:endParaRPr lang="en-US" altLang="ko-KR" dirty="0"/>
+          </a:p>
+          <a:p>
+            <a:pPr algn="ctr"/>
+            <a:r>
+              <a:rPr lang="en-US" altLang="ko-KR" dirty="0"/>
+              <a:t>(hood-T)</a:t>
+            </a:r>
+            <a:endParaRPr lang="ko-KR" altLang="en-US" dirty="0"/>
+          </a:p>
+        </p:txBody>
+      </p:sp>
+      <p:sp>
+        <p:nvSpPr>
+          <p:cNvPr id="7" name="사각형: 둥근 모서리 6">
+            <a:extLst>
+              <a:ext uri="{FF2B5EF4-FFF2-40B4-BE49-F238E27FC236}">
+                <a16:creationId xmlns:a16="http://schemas.microsoft.com/office/drawing/2014/main" id="{CC159BB4-06C8-47DE-B76D-E4CA74AD83E9}"/>
+              </a:ext>
+            </a:extLst>
+          </p:cNvPr>
+          <p:cNvSpPr/>
+          <p:nvPr/>
+        </p:nvSpPr>
+        <p:spPr>
+          <a:xfrm>
+            <a:off x="4426132" y="2361246"/>
+            <a:ext cx="1210490" cy="600891"/>
+          </a:xfrm>
+          <a:prstGeom prst="roundRect">
+            <a:avLst/>
+          </a:prstGeom>
+        </p:spPr>
+        <p:style>
+          <a:lnRef idx="2">
+            <a:schemeClr val="accent1">
+              <a:shade val="50000"/>
+            </a:schemeClr>
+          </a:lnRef>
+          <a:fillRef idx="1">
+            <a:schemeClr val="accent1"/>
+          </a:fillRef>
+          <a:effectRef idx="0">
+            <a:schemeClr val="accent1"/>
+          </a:effectRef>
+          <a:fontRef idx="minor">
+            <a:schemeClr val="lt1"/>
+          </a:fontRef>
+        </p:style>
+        <p:txBody>
+          <a:bodyPr rtlCol="0" anchor="ctr"/>
+          <a:lstStyle/>
+          <a:p>
+            <a:pPr algn="ctr"/>
+            <a:r>
+              <a:rPr lang="en-US" altLang="ko-KR" dirty="0" err="1"/>
+              <a:t>UI_Sub</a:t>
+            </a:r>
+            <a:endParaRPr lang="en-US" altLang="ko-KR" dirty="0"/>
+          </a:p>
+          <a:p>
+            <a:pPr algn="ctr"/>
+            <a:r>
+              <a:rPr lang="en-US" altLang="ko-KR" dirty="0"/>
+              <a:t>(T-shirt)</a:t>
+            </a:r>
+            <a:endParaRPr lang="ko-KR" altLang="en-US" dirty="0"/>
+          </a:p>
+        </p:txBody>
+      </p:sp>
+      <p:sp>
+        <p:nvSpPr>
+          <p:cNvPr id="8" name="사각형: 둥근 모서리 7">
+            <a:extLst>
+              <a:ext uri="{FF2B5EF4-FFF2-40B4-BE49-F238E27FC236}">
+                <a16:creationId xmlns:a16="http://schemas.microsoft.com/office/drawing/2014/main" id="{73D67ACB-DB82-4064-953E-91E70AD8003B}"/>
+              </a:ext>
+            </a:extLst>
+          </p:cNvPr>
+          <p:cNvSpPr/>
+          <p:nvPr/>
+        </p:nvSpPr>
+        <p:spPr>
+          <a:xfrm>
+            <a:off x="4430486" y="3031806"/>
+            <a:ext cx="1210490" cy="600891"/>
+          </a:xfrm>
+          <a:prstGeom prst="roundRect">
+            <a:avLst/>
+          </a:prstGeom>
+        </p:spPr>
+        <p:style>
+          <a:lnRef idx="2">
+            <a:schemeClr val="accent1">
+              <a:shade val="50000"/>
+            </a:schemeClr>
+          </a:lnRef>
+          <a:fillRef idx="1">
+            <a:schemeClr val="accent1"/>
+          </a:fillRef>
+          <a:effectRef idx="0">
+            <a:schemeClr val="accent1"/>
+          </a:effectRef>
+          <a:fontRef idx="minor">
+            <a:schemeClr val="lt1"/>
+          </a:fontRef>
+        </p:style>
+        <p:txBody>
+          <a:bodyPr rtlCol="0" anchor="ctr"/>
+          <a:lstStyle/>
+          <a:p>
+            <a:pPr algn="ctr"/>
+            <a:r>
+              <a:rPr lang="en-US" altLang="ko-KR" dirty="0" err="1"/>
+              <a:t>UI_Sub</a:t>
+            </a:r>
+            <a:endParaRPr lang="en-US" altLang="ko-KR" dirty="0"/>
+          </a:p>
+          <a:p>
+            <a:pPr algn="ctr"/>
+            <a:r>
+              <a:rPr lang="en-US" altLang="ko-KR" dirty="0"/>
+              <a:t>(Y-shirt)</a:t>
+            </a:r>
+            <a:endParaRPr lang="ko-KR" altLang="en-US" dirty="0"/>
+          </a:p>
+        </p:txBody>
+      </p:sp>
+      <p:cxnSp>
+        <p:nvCxnSpPr>
+          <p:cNvPr id="10" name="연결선: 꺾임 9">
+            <a:extLst>
+              <a:ext uri="{FF2B5EF4-FFF2-40B4-BE49-F238E27FC236}">
+                <a16:creationId xmlns:a16="http://schemas.microsoft.com/office/drawing/2014/main" id="{2A21651A-7FBD-4207-8052-BBD6F0E18AEB}"/>
+              </a:ext>
+            </a:extLst>
+          </p:cNvPr>
+          <p:cNvCxnSpPr>
+            <a:stCxn id="4" idx="3"/>
+            <a:endCxn id="5" idx="1"/>
+          </p:cNvCxnSpPr>
+          <p:nvPr/>
+        </p:nvCxnSpPr>
+        <p:spPr>
+          <a:xfrm>
+            <a:off x="1909354" y="1991133"/>
+            <a:ext cx="722812" cy="1"/>
+          </a:xfrm>
+          <a:prstGeom prst="bentConnector3">
+            <a:avLst/>
+          </a:prstGeom>
+          <a:ln>
+            <a:tailEnd type="triangle"/>
+          </a:ln>
+        </p:spPr>
+        <p:style>
+          <a:lnRef idx="1">
+            <a:schemeClr val="accent1"/>
+          </a:lnRef>
+          <a:fillRef idx="0">
+            <a:schemeClr val="accent1"/>
+          </a:fillRef>
+          <a:effectRef idx="0">
+            <a:schemeClr val="accent1"/>
+          </a:effectRef>
+          <a:fontRef idx="minor">
+            <a:schemeClr val="tx1"/>
+          </a:fontRef>
+        </p:style>
+      </p:cxnSp>
+      <p:cxnSp>
+        <p:nvCxnSpPr>
+          <p:cNvPr id="13" name="연결선: 꺾임 12">
+            <a:extLst>
+              <a:ext uri="{FF2B5EF4-FFF2-40B4-BE49-F238E27FC236}">
+                <a16:creationId xmlns:a16="http://schemas.microsoft.com/office/drawing/2014/main" id="{F7928B5F-A575-4C3C-B7F9-2F2968E5E708}"/>
+              </a:ext>
+            </a:extLst>
+          </p:cNvPr>
+          <p:cNvCxnSpPr>
+            <a:stCxn id="5" idx="3"/>
+            <a:endCxn id="6" idx="1"/>
+          </p:cNvCxnSpPr>
+          <p:nvPr/>
+        </p:nvCxnSpPr>
+        <p:spPr>
+          <a:xfrm flipV="1">
+            <a:off x="3703320" y="1991132"/>
+            <a:ext cx="722812" cy="2"/>
+          </a:xfrm>
+          <a:prstGeom prst="bentConnector3">
+            <a:avLst/>
+          </a:prstGeom>
+          <a:ln>
+            <a:tailEnd type="triangle"/>
+          </a:ln>
+        </p:spPr>
+        <p:style>
+          <a:lnRef idx="1">
+            <a:schemeClr val="accent1"/>
+          </a:lnRef>
+          <a:fillRef idx="0">
+            <a:schemeClr val="accent1"/>
+          </a:fillRef>
+          <a:effectRef idx="0">
+            <a:schemeClr val="accent1"/>
+          </a:effectRef>
+          <a:fontRef idx="minor">
+            <a:schemeClr val="tx1"/>
+          </a:fontRef>
+        </p:style>
+      </p:cxnSp>
+      <p:cxnSp>
+        <p:nvCxnSpPr>
+          <p:cNvPr id="16" name="연결선: 꺾임 15">
+            <a:extLst>
+              <a:ext uri="{FF2B5EF4-FFF2-40B4-BE49-F238E27FC236}">
+                <a16:creationId xmlns:a16="http://schemas.microsoft.com/office/drawing/2014/main" id="{4C104D58-226C-48BB-A23E-351D4B2732E4}"/>
+              </a:ext>
+            </a:extLst>
+          </p:cNvPr>
+          <p:cNvCxnSpPr>
+            <a:stCxn id="5" idx="3"/>
+            <a:endCxn id="7" idx="1"/>
+          </p:cNvCxnSpPr>
+          <p:nvPr/>
+        </p:nvCxnSpPr>
+        <p:spPr>
+          <a:xfrm>
+            <a:off x="3703320" y="1991134"/>
+            <a:ext cx="722812" cy="670558"/>
+          </a:xfrm>
+          <a:prstGeom prst="bentConnector3">
+            <a:avLst/>
+          </a:prstGeom>
+          <a:ln>
+            <a:tailEnd type="triangle"/>
+          </a:ln>
+        </p:spPr>
+        <p:style>
+          <a:lnRef idx="1">
+            <a:schemeClr val="accent1"/>
+          </a:lnRef>
+          <a:fillRef idx="0">
+            <a:schemeClr val="accent1"/>
+          </a:fillRef>
+          <a:effectRef idx="0">
+            <a:schemeClr val="accent1"/>
+          </a:effectRef>
+          <a:fontRef idx="minor">
+            <a:schemeClr val="tx1"/>
+          </a:fontRef>
+        </p:style>
+      </p:cxnSp>
+      <p:cxnSp>
+        <p:nvCxnSpPr>
+          <p:cNvPr id="18" name="연결선: 꺾임 17">
+            <a:extLst>
+              <a:ext uri="{FF2B5EF4-FFF2-40B4-BE49-F238E27FC236}">
+                <a16:creationId xmlns:a16="http://schemas.microsoft.com/office/drawing/2014/main" id="{ABD3C426-60BE-49A2-8C13-FB1BFC5948C7}"/>
+              </a:ext>
+            </a:extLst>
+          </p:cNvPr>
+          <p:cNvCxnSpPr>
+            <a:stCxn id="5" idx="3"/>
+            <a:endCxn id="8" idx="1"/>
+          </p:cNvCxnSpPr>
+          <p:nvPr/>
+        </p:nvCxnSpPr>
+        <p:spPr>
+          <a:xfrm>
+            <a:off x="3703320" y="1991134"/>
+            <a:ext cx="727166" cy="1341118"/>
+          </a:xfrm>
+          <a:prstGeom prst="bentConnector3">
+            <a:avLst/>
+          </a:prstGeom>
+          <a:ln>
+            <a:tailEnd type="triangle"/>
+          </a:ln>
+        </p:spPr>
+        <p:style>
+          <a:lnRef idx="1">
+            <a:schemeClr val="accent1"/>
+          </a:lnRef>
+          <a:fillRef idx="0">
+            <a:schemeClr val="accent1"/>
+          </a:fillRef>
+          <a:effectRef idx="0">
+            <a:schemeClr val="accent1"/>
+          </a:effectRef>
+          <a:fontRef idx="minor">
+            <a:schemeClr val="tx1"/>
+          </a:fontRef>
+        </p:style>
+      </p:cxnSp>
+      <p:sp>
+        <p:nvSpPr>
+          <p:cNvPr id="19" name="타원 18">
+            <a:extLst>
+              <a:ext uri="{FF2B5EF4-FFF2-40B4-BE49-F238E27FC236}">
+                <a16:creationId xmlns:a16="http://schemas.microsoft.com/office/drawing/2014/main" id="{4929D585-4237-435F-8F6E-3D02C1E18040}"/>
+              </a:ext>
+            </a:extLst>
+          </p:cNvPr>
+          <p:cNvSpPr/>
+          <p:nvPr/>
+        </p:nvSpPr>
+        <p:spPr>
+          <a:xfrm>
+            <a:off x="6359434" y="1690685"/>
+            <a:ext cx="727166" cy="600891"/>
+          </a:xfrm>
+          <a:prstGeom prst="ellipse">
+            <a:avLst/>
+          </a:prstGeom>
+        </p:spPr>
+        <p:style>
+          <a:lnRef idx="2">
+            <a:schemeClr val="accent1">
+              <a:shade val="50000"/>
+            </a:schemeClr>
+          </a:lnRef>
+          <a:fillRef idx="1">
+            <a:schemeClr val="accent1"/>
+          </a:fillRef>
+          <a:effectRef idx="0">
+            <a:schemeClr val="accent1"/>
+          </a:effectRef>
+          <a:fontRef idx="minor">
+            <a:schemeClr val="lt1"/>
+          </a:fontRef>
+        </p:style>
+        <p:txBody>
+          <a:bodyPr rtlCol="0" anchor="ctr"/>
+          <a:lstStyle/>
+          <a:p>
+            <a:pPr algn="ctr"/>
+            <a:endParaRPr lang="ko-KR" altLang="en-US"/>
+          </a:p>
+        </p:txBody>
+      </p:sp>
+      <p:sp>
+        <p:nvSpPr>
+          <p:cNvPr id="20" name="타원 19">
+            <a:extLst>
+              <a:ext uri="{FF2B5EF4-FFF2-40B4-BE49-F238E27FC236}">
+                <a16:creationId xmlns:a16="http://schemas.microsoft.com/office/drawing/2014/main" id="{0831DEDF-3006-4722-884F-83C1E3A5C59D}"/>
+              </a:ext>
+            </a:extLst>
+          </p:cNvPr>
+          <p:cNvSpPr/>
+          <p:nvPr/>
+        </p:nvSpPr>
+        <p:spPr>
+          <a:xfrm>
+            <a:off x="6359434" y="2361246"/>
+            <a:ext cx="727166" cy="600891"/>
+          </a:xfrm>
+          <a:prstGeom prst="ellipse">
+            <a:avLst/>
+          </a:prstGeom>
+        </p:spPr>
+        <p:style>
+          <a:lnRef idx="2">
+            <a:schemeClr val="accent1">
+              <a:shade val="50000"/>
+            </a:schemeClr>
+          </a:lnRef>
+          <a:fillRef idx="1">
+            <a:schemeClr val="accent1"/>
+          </a:fillRef>
+          <a:effectRef idx="0">
+            <a:schemeClr val="accent1"/>
+          </a:effectRef>
+          <a:fontRef idx="minor">
+            <a:schemeClr val="lt1"/>
+          </a:fontRef>
+        </p:style>
+        <p:txBody>
+          <a:bodyPr rtlCol="0" anchor="ctr"/>
+          <a:lstStyle/>
+          <a:p>
+            <a:pPr algn="ctr"/>
+            <a:endParaRPr lang="ko-KR" altLang="en-US"/>
+          </a:p>
+        </p:txBody>
+      </p:sp>
+      <p:sp>
+        <p:nvSpPr>
+          <p:cNvPr id="21" name="타원 20">
+            <a:extLst>
+              <a:ext uri="{FF2B5EF4-FFF2-40B4-BE49-F238E27FC236}">
+                <a16:creationId xmlns:a16="http://schemas.microsoft.com/office/drawing/2014/main" id="{7CD3613B-231C-4A83-9C27-77EF137B9D3A}"/>
+              </a:ext>
+            </a:extLst>
+          </p:cNvPr>
+          <p:cNvSpPr/>
+          <p:nvPr/>
+        </p:nvSpPr>
+        <p:spPr>
+          <a:xfrm>
+            <a:off x="6359434" y="3031805"/>
+            <a:ext cx="727166" cy="600891"/>
+          </a:xfrm>
+          <a:prstGeom prst="ellipse">
+            <a:avLst/>
+          </a:prstGeom>
+        </p:spPr>
+        <p:style>
+          <a:lnRef idx="2">
+            <a:schemeClr val="accent1">
+              <a:shade val="50000"/>
+            </a:schemeClr>
+          </a:lnRef>
+          <a:fillRef idx="1">
+            <a:schemeClr val="accent1"/>
+          </a:fillRef>
+          <a:effectRef idx="0">
+            <a:schemeClr val="accent1"/>
+          </a:effectRef>
+          <a:fontRef idx="minor">
+            <a:schemeClr val="lt1"/>
+          </a:fontRef>
+        </p:style>
+        <p:txBody>
+          <a:bodyPr rtlCol="0" anchor="ctr"/>
+          <a:lstStyle/>
+          <a:p>
+            <a:pPr algn="ctr"/>
+            <a:endParaRPr lang="ko-KR" altLang="en-US"/>
+          </a:p>
+        </p:txBody>
+      </p:sp>
+      <p:cxnSp>
+        <p:nvCxnSpPr>
+          <p:cNvPr id="23" name="직선 화살표 연결선 22">
+            <a:extLst>
+              <a:ext uri="{FF2B5EF4-FFF2-40B4-BE49-F238E27FC236}">
+                <a16:creationId xmlns:a16="http://schemas.microsoft.com/office/drawing/2014/main" id="{B29F9802-9CBA-40EF-B019-CDCBA5B08915}"/>
+              </a:ext>
+            </a:extLst>
+          </p:cNvPr>
+          <p:cNvCxnSpPr>
+            <a:stCxn id="6" idx="3"/>
+            <a:endCxn id="19" idx="2"/>
+          </p:cNvCxnSpPr>
+          <p:nvPr/>
+        </p:nvCxnSpPr>
+        <p:spPr>
+          <a:xfrm flipV="1">
+            <a:off x="5636622" y="1991131"/>
+            <a:ext cx="722812" cy="1"/>
+          </a:xfrm>
+          <a:prstGeom prst="straightConnector1">
+            <a:avLst/>
+          </a:prstGeom>
+          <a:ln>
+            <a:tailEnd type="triangle"/>
+          </a:ln>
+        </p:spPr>
+        <p:style>
+          <a:lnRef idx="1">
+            <a:schemeClr val="accent1"/>
+          </a:lnRef>
+          <a:fillRef idx="0">
+            <a:schemeClr val="accent1"/>
+          </a:fillRef>
+          <a:effectRef idx="0">
+            <a:schemeClr val="accent1"/>
+          </a:effectRef>
+          <a:fontRef idx="minor">
+            <a:schemeClr val="tx1"/>
+          </a:fontRef>
+        </p:style>
+      </p:cxnSp>
+      <p:cxnSp>
+        <p:nvCxnSpPr>
+          <p:cNvPr id="25" name="직선 화살표 연결선 24">
+            <a:extLst>
+              <a:ext uri="{FF2B5EF4-FFF2-40B4-BE49-F238E27FC236}">
+                <a16:creationId xmlns:a16="http://schemas.microsoft.com/office/drawing/2014/main" id="{CDBCF678-C1D7-48D0-AEDC-F49FE1F9A002}"/>
+              </a:ext>
+            </a:extLst>
+          </p:cNvPr>
+          <p:cNvCxnSpPr>
+            <a:stCxn id="7" idx="3"/>
+            <a:endCxn id="20" idx="2"/>
+          </p:cNvCxnSpPr>
+          <p:nvPr/>
+        </p:nvCxnSpPr>
+        <p:spPr>
+          <a:xfrm>
+            <a:off x="5636622" y="2661692"/>
+            <a:ext cx="722812" cy="0"/>
+          </a:xfrm>
+          <a:prstGeom prst="straightConnector1">
+            <a:avLst/>
+          </a:prstGeom>
+          <a:ln>
+            <a:tailEnd type="triangle"/>
+          </a:ln>
+        </p:spPr>
+        <p:style>
+          <a:lnRef idx="1">
+            <a:schemeClr val="accent1"/>
+          </a:lnRef>
+          <a:fillRef idx="0">
+            <a:schemeClr val="accent1"/>
+          </a:fillRef>
+          <a:effectRef idx="0">
+            <a:schemeClr val="accent1"/>
+          </a:effectRef>
+          <a:fontRef idx="minor">
+            <a:schemeClr val="tx1"/>
+          </a:fontRef>
+        </p:style>
+      </p:cxnSp>
+      <p:cxnSp>
+        <p:nvCxnSpPr>
+          <p:cNvPr id="27" name="직선 화살표 연결선 26">
+            <a:extLst>
+              <a:ext uri="{FF2B5EF4-FFF2-40B4-BE49-F238E27FC236}">
+                <a16:creationId xmlns:a16="http://schemas.microsoft.com/office/drawing/2014/main" id="{80E2D9FA-7E49-4F64-928A-5C5919877905}"/>
+              </a:ext>
+            </a:extLst>
+          </p:cNvPr>
+          <p:cNvCxnSpPr>
+            <a:stCxn id="8" idx="3"/>
+            <a:endCxn id="21" idx="2"/>
+          </p:cNvCxnSpPr>
+          <p:nvPr/>
+        </p:nvCxnSpPr>
+        <p:spPr>
+          <a:xfrm flipV="1">
+            <a:off x="5640976" y="3332251"/>
+            <a:ext cx="718458" cy="1"/>
+          </a:xfrm>
+          <a:prstGeom prst="straightConnector1">
+            <a:avLst/>
+          </a:prstGeom>
+          <a:ln>
+            <a:tailEnd type="triangle"/>
+          </a:ln>
+        </p:spPr>
+        <p:style>
+          <a:lnRef idx="1">
+            <a:schemeClr val="accent1"/>
+          </a:lnRef>
+          <a:fillRef idx="0">
+            <a:schemeClr val="accent1"/>
+          </a:fillRef>
+          <a:effectRef idx="0">
+            <a:schemeClr val="accent1"/>
+          </a:effectRef>
+          <a:fontRef idx="minor">
+            <a:schemeClr val="tx1"/>
+          </a:fontRef>
+        </p:style>
+      </p:cxnSp>
+      <p:sp>
+        <p:nvSpPr>
+          <p:cNvPr id="30" name="타원 29">
+            <a:extLst>
+              <a:ext uri="{FF2B5EF4-FFF2-40B4-BE49-F238E27FC236}">
+                <a16:creationId xmlns:a16="http://schemas.microsoft.com/office/drawing/2014/main" id="{17B94F8B-231C-4AFF-A507-575D22FA83C7}"/>
+              </a:ext>
+            </a:extLst>
+          </p:cNvPr>
+          <p:cNvSpPr/>
+          <p:nvPr/>
+        </p:nvSpPr>
+        <p:spPr>
+          <a:xfrm>
+            <a:off x="838200" y="4124730"/>
+            <a:ext cx="727166" cy="600891"/>
+          </a:xfrm>
+          <a:prstGeom prst="ellipse">
+            <a:avLst/>
+          </a:prstGeom>
+        </p:spPr>
+        <p:style>
+          <a:lnRef idx="2">
+            <a:schemeClr val="accent1">
+              <a:shade val="50000"/>
+            </a:schemeClr>
+          </a:lnRef>
+          <a:fillRef idx="1">
+            <a:schemeClr val="accent1"/>
+          </a:fillRef>
+          <a:effectRef idx="0">
+            <a:schemeClr val="accent1"/>
+          </a:effectRef>
+          <a:fontRef idx="minor">
+            <a:schemeClr val="lt1"/>
+          </a:fontRef>
+        </p:style>
+        <p:txBody>
+          <a:bodyPr rtlCol="0" anchor="ctr"/>
+          <a:lstStyle/>
+          <a:p>
+            <a:pPr algn="ctr"/>
+            <a:endParaRPr lang="ko-KR" altLang="en-US"/>
+          </a:p>
+        </p:txBody>
+      </p:sp>
+      <p:sp>
+        <p:nvSpPr>
+          <p:cNvPr id="31" name="사각형: 둥근 모서리 30">
+            <a:extLst>
+              <a:ext uri="{FF2B5EF4-FFF2-40B4-BE49-F238E27FC236}">
+                <a16:creationId xmlns:a16="http://schemas.microsoft.com/office/drawing/2014/main" id="{5A971F9B-378A-46B8-ABD3-CDCF5A80170A}"/>
+              </a:ext>
+            </a:extLst>
+          </p:cNvPr>
+          <p:cNvSpPr/>
+          <p:nvPr/>
+        </p:nvSpPr>
+        <p:spPr>
+          <a:xfrm>
+            <a:off x="2314305" y="4124730"/>
+            <a:ext cx="1210490" cy="600891"/>
+          </a:xfrm>
+          <a:prstGeom prst="roundRect">
+            <a:avLst/>
+          </a:prstGeom>
+        </p:spPr>
+        <p:style>
+          <a:lnRef idx="2">
+            <a:schemeClr val="accent1">
+              <a:shade val="50000"/>
+            </a:schemeClr>
+          </a:lnRef>
+          <a:fillRef idx="1">
+            <a:schemeClr val="accent1"/>
+          </a:fillRef>
+          <a:effectRef idx="0">
+            <a:schemeClr val="accent1"/>
+          </a:effectRef>
+          <a:fontRef idx="minor">
+            <a:schemeClr val="lt1"/>
+          </a:fontRef>
+        </p:style>
+        <p:txBody>
+          <a:bodyPr rtlCol="0" anchor="ctr"/>
+          <a:lstStyle/>
+          <a:p>
+            <a:pPr algn="ctr"/>
+            <a:r>
+              <a:rPr lang="en-US" altLang="ko-KR" dirty="0" err="1"/>
+              <a:t>UI_Recommend</a:t>
+            </a:r>
+            <a:endParaRPr lang="ko-KR" altLang="en-US" dirty="0"/>
+          </a:p>
+        </p:txBody>
+      </p:sp>
+      <p:sp>
+        <p:nvSpPr>
+          <p:cNvPr id="32" name="사각형: 둥근 모서리 31">
+            <a:extLst>
+              <a:ext uri="{FF2B5EF4-FFF2-40B4-BE49-F238E27FC236}">
+                <a16:creationId xmlns:a16="http://schemas.microsoft.com/office/drawing/2014/main" id="{A1C0BD1C-8487-4FB0-84E1-39F04C0122D2}"/>
+              </a:ext>
+            </a:extLst>
+          </p:cNvPr>
+          <p:cNvSpPr/>
+          <p:nvPr/>
+        </p:nvSpPr>
+        <p:spPr>
+          <a:xfrm>
+            <a:off x="2314305" y="4795290"/>
+            <a:ext cx="1210490" cy="600891"/>
+          </a:xfrm>
+          <a:prstGeom prst="roundRect">
+            <a:avLst/>
+          </a:prstGeom>
+        </p:spPr>
+        <p:style>
+          <a:lnRef idx="2">
+            <a:schemeClr val="accent1">
+              <a:shade val="50000"/>
+            </a:schemeClr>
+          </a:lnRef>
+          <a:fillRef idx="1">
+            <a:schemeClr val="accent1"/>
+          </a:fillRef>
+          <a:effectRef idx="0">
+            <a:schemeClr val="accent1"/>
+          </a:effectRef>
+          <a:fontRef idx="minor">
+            <a:schemeClr val="lt1"/>
+          </a:fontRef>
+        </p:style>
+        <p:txBody>
+          <a:bodyPr rtlCol="0" anchor="ctr"/>
+          <a:lstStyle/>
+          <a:p>
+            <a:pPr algn="ctr"/>
+            <a:r>
+              <a:rPr lang="en-US" altLang="ko-KR" dirty="0" err="1"/>
+              <a:t>SelectClothes</a:t>
+            </a:r>
+            <a:endParaRPr lang="en-US" altLang="ko-KR" dirty="0"/>
+          </a:p>
+        </p:txBody>
+      </p:sp>
+      <p:sp>
+        <p:nvSpPr>
+          <p:cNvPr id="33" name="사각형: 둥근 모서리 32">
+            <a:extLst>
+              <a:ext uri="{FF2B5EF4-FFF2-40B4-BE49-F238E27FC236}">
+                <a16:creationId xmlns:a16="http://schemas.microsoft.com/office/drawing/2014/main" id="{24156A96-2DA6-4D1D-942A-00E50D14C54D}"/>
+              </a:ext>
+            </a:extLst>
+          </p:cNvPr>
+          <p:cNvSpPr/>
+          <p:nvPr/>
+        </p:nvSpPr>
+        <p:spPr>
+          <a:xfrm>
+            <a:off x="2318659" y="5465850"/>
+            <a:ext cx="1210490" cy="600891"/>
+          </a:xfrm>
+          <a:prstGeom prst="roundRect">
+            <a:avLst/>
+          </a:prstGeom>
+        </p:spPr>
+        <p:style>
+          <a:lnRef idx="2">
+            <a:schemeClr val="accent1">
+              <a:shade val="50000"/>
+            </a:schemeClr>
+          </a:lnRef>
+          <a:fillRef idx="1">
+            <a:schemeClr val="accent1"/>
+          </a:fillRef>
+          <a:effectRef idx="0">
+            <a:schemeClr val="accent1"/>
+          </a:effectRef>
+          <a:fontRef idx="minor">
+            <a:schemeClr val="lt1"/>
+          </a:fontRef>
+        </p:style>
+        <p:txBody>
+          <a:bodyPr rtlCol="0" anchor="ctr"/>
+          <a:lstStyle/>
+          <a:p>
+            <a:pPr algn="ctr"/>
+            <a:r>
+              <a:rPr lang="en-US" altLang="ko-KR" dirty="0" err="1"/>
+              <a:t>UI_Start</a:t>
+            </a:r>
+            <a:endParaRPr lang="en-US" altLang="ko-KR" dirty="0"/>
+          </a:p>
+        </p:txBody>
+      </p:sp>
+      <p:cxnSp>
+        <p:nvCxnSpPr>
+          <p:cNvPr id="34" name="연결선: 꺾임 33">
+            <a:extLst>
+              <a:ext uri="{FF2B5EF4-FFF2-40B4-BE49-F238E27FC236}">
+                <a16:creationId xmlns:a16="http://schemas.microsoft.com/office/drawing/2014/main" id="{7EB4F615-A3E7-4FED-BD22-8219EA7EB331}"/>
+              </a:ext>
+            </a:extLst>
+          </p:cNvPr>
+          <p:cNvCxnSpPr>
+            <a:endCxn id="31" idx="1"/>
+          </p:cNvCxnSpPr>
+          <p:nvPr/>
+        </p:nvCxnSpPr>
+        <p:spPr>
+          <a:xfrm flipV="1">
+            <a:off x="1591493" y="4425176"/>
+            <a:ext cx="722812" cy="2"/>
+          </a:xfrm>
+          <a:prstGeom prst="bentConnector3">
+            <a:avLst/>
+          </a:prstGeom>
+          <a:ln>
+            <a:tailEnd type="triangle"/>
+          </a:ln>
+        </p:spPr>
+        <p:style>
+          <a:lnRef idx="1">
+            <a:schemeClr val="accent1"/>
+          </a:lnRef>
+          <a:fillRef idx="0">
+            <a:schemeClr val="accent1"/>
+          </a:fillRef>
+          <a:effectRef idx="0">
+            <a:schemeClr val="accent1"/>
+          </a:effectRef>
+          <a:fontRef idx="minor">
+            <a:schemeClr val="tx1"/>
+          </a:fontRef>
+        </p:style>
+      </p:cxnSp>
+      <p:cxnSp>
+        <p:nvCxnSpPr>
+          <p:cNvPr id="35" name="연결선: 꺾임 34">
+            <a:extLst>
+              <a:ext uri="{FF2B5EF4-FFF2-40B4-BE49-F238E27FC236}">
+                <a16:creationId xmlns:a16="http://schemas.microsoft.com/office/drawing/2014/main" id="{803213FC-C4F7-46B7-BC87-F1E5A5313173}"/>
+              </a:ext>
+            </a:extLst>
+          </p:cNvPr>
+          <p:cNvCxnSpPr>
+            <a:endCxn id="32" idx="1"/>
+          </p:cNvCxnSpPr>
+          <p:nvPr/>
+        </p:nvCxnSpPr>
+        <p:spPr>
+          <a:xfrm>
+            <a:off x="1591493" y="4425178"/>
+            <a:ext cx="722812" cy="670558"/>
+          </a:xfrm>
+          <a:prstGeom prst="bentConnector3">
+            <a:avLst/>
+          </a:prstGeom>
+          <a:ln>
+            <a:tailEnd type="triangle"/>
+          </a:ln>
+        </p:spPr>
+        <p:style>
+          <a:lnRef idx="1">
+            <a:schemeClr val="accent1"/>
+          </a:lnRef>
+          <a:fillRef idx="0">
+            <a:schemeClr val="accent1"/>
+          </a:fillRef>
+          <a:effectRef idx="0">
+            <a:schemeClr val="accent1"/>
+          </a:effectRef>
+          <a:fontRef idx="minor">
+            <a:schemeClr val="tx1"/>
+          </a:fontRef>
+        </p:style>
+      </p:cxnSp>
+      <p:cxnSp>
+        <p:nvCxnSpPr>
+          <p:cNvPr id="36" name="연결선: 꺾임 35">
+            <a:extLst>
+              <a:ext uri="{FF2B5EF4-FFF2-40B4-BE49-F238E27FC236}">
+                <a16:creationId xmlns:a16="http://schemas.microsoft.com/office/drawing/2014/main" id="{6872A8FD-57CD-4B29-BE93-97A0B557EE1E}"/>
+              </a:ext>
+            </a:extLst>
+          </p:cNvPr>
+          <p:cNvCxnSpPr>
+            <a:endCxn id="33" idx="1"/>
+          </p:cNvCxnSpPr>
+          <p:nvPr/>
+        </p:nvCxnSpPr>
+        <p:spPr>
+          <a:xfrm>
+            <a:off x="1591493" y="4425178"/>
+            <a:ext cx="727166" cy="1341118"/>
+          </a:xfrm>
+          <a:prstGeom prst="bentConnector3">
+            <a:avLst/>
+          </a:prstGeom>
+          <a:ln>
+            <a:tailEnd type="triangle"/>
+          </a:ln>
+        </p:spPr>
+        <p:style>
+          <a:lnRef idx="1">
+            <a:schemeClr val="accent1"/>
+          </a:lnRef>
+          <a:fillRef idx="0">
+            <a:schemeClr val="accent1"/>
+          </a:fillRef>
+          <a:effectRef idx="0">
+            <a:schemeClr val="accent1"/>
+          </a:effectRef>
+          <a:fontRef idx="minor">
+            <a:schemeClr val="tx1"/>
+          </a:fontRef>
+        </p:style>
+      </p:cxnSp>
+      <p:sp>
+        <p:nvSpPr>
+          <p:cNvPr id="37" name="사각형: 둥근 모서리 36">
+            <a:extLst>
+              <a:ext uri="{FF2B5EF4-FFF2-40B4-BE49-F238E27FC236}">
+                <a16:creationId xmlns:a16="http://schemas.microsoft.com/office/drawing/2014/main" id="{7ECE9F1E-A675-4D1E-A4ED-0E07C7CF0682}"/>
+              </a:ext>
+            </a:extLst>
+          </p:cNvPr>
+          <p:cNvSpPr/>
+          <p:nvPr/>
+        </p:nvSpPr>
+        <p:spPr>
+          <a:xfrm>
+            <a:off x="4273734" y="4124729"/>
+            <a:ext cx="1071154" cy="600891"/>
+          </a:xfrm>
+          <a:prstGeom prst="roundRect">
+            <a:avLst/>
+          </a:prstGeom>
+        </p:spPr>
+        <p:style>
+          <a:lnRef idx="2">
+            <a:schemeClr val="accent1">
+              <a:shade val="50000"/>
+            </a:schemeClr>
+          </a:lnRef>
+          <a:fillRef idx="1">
+            <a:schemeClr val="accent1"/>
+          </a:fillRef>
+          <a:effectRef idx="0">
+            <a:schemeClr val="accent1"/>
+          </a:effectRef>
+          <a:fontRef idx="minor">
+            <a:schemeClr val="lt1"/>
+          </a:fontRef>
+        </p:style>
+        <p:txBody>
+          <a:bodyPr rtlCol="0" anchor="ctr"/>
+          <a:lstStyle/>
+          <a:p>
+            <a:pPr algn="ctr"/>
+            <a:r>
+              <a:rPr lang="en-US" altLang="ko-KR" dirty="0"/>
+              <a:t>overlay</a:t>
+            </a:r>
+            <a:endParaRPr lang="ko-KR" altLang="en-US" dirty="0"/>
+          </a:p>
+        </p:txBody>
+      </p:sp>
+      <p:sp>
+        <p:nvSpPr>
+          <p:cNvPr id="38" name="사각형: 둥근 모서리 37">
+            <a:extLst>
+              <a:ext uri="{FF2B5EF4-FFF2-40B4-BE49-F238E27FC236}">
+                <a16:creationId xmlns:a16="http://schemas.microsoft.com/office/drawing/2014/main" id="{E96CA2E0-A4E8-4E13-B58F-23A8106A50D3}"/>
+              </a:ext>
+            </a:extLst>
+          </p:cNvPr>
+          <p:cNvSpPr/>
+          <p:nvPr/>
+        </p:nvSpPr>
+        <p:spPr>
+          <a:xfrm>
+            <a:off x="4273734" y="4795290"/>
+            <a:ext cx="1071154" cy="600891"/>
+          </a:xfrm>
+          <a:prstGeom prst="roundRect">
+            <a:avLst/>
+          </a:prstGeom>
+        </p:spPr>
+        <p:style>
+          <a:lnRef idx="2">
+            <a:schemeClr val="accent1">
+              <a:shade val="50000"/>
+            </a:schemeClr>
+          </a:lnRef>
+          <a:fillRef idx="1">
+            <a:schemeClr val="accent1"/>
+          </a:fillRef>
+          <a:effectRef idx="0">
+            <a:schemeClr val="accent1"/>
+          </a:effectRef>
+          <a:fontRef idx="minor">
+            <a:schemeClr val="lt1"/>
+          </a:fontRef>
+        </p:style>
+        <p:txBody>
+          <a:bodyPr rtlCol="0" anchor="ctr"/>
+          <a:lstStyle/>
+          <a:p>
+            <a:pPr algn="ctr"/>
+            <a:r>
+              <a:rPr lang="en-US" altLang="ko-KR" dirty="0"/>
+              <a:t>overlay</a:t>
+            </a:r>
+            <a:endParaRPr lang="ko-KR" altLang="en-US" dirty="0"/>
+          </a:p>
+        </p:txBody>
+      </p:sp>
+      <p:cxnSp>
+        <p:nvCxnSpPr>
+          <p:cNvPr id="40" name="직선 화살표 연결선 39">
+            <a:extLst>
+              <a:ext uri="{FF2B5EF4-FFF2-40B4-BE49-F238E27FC236}">
+                <a16:creationId xmlns:a16="http://schemas.microsoft.com/office/drawing/2014/main" id="{9670067C-8E0C-444D-A248-64338D4852EB}"/>
+              </a:ext>
+            </a:extLst>
+          </p:cNvPr>
+          <p:cNvCxnSpPr>
+            <a:stCxn id="31" idx="3"/>
+            <a:endCxn id="37" idx="1"/>
+          </p:cNvCxnSpPr>
+          <p:nvPr/>
+        </p:nvCxnSpPr>
+        <p:spPr>
+          <a:xfrm flipV="1">
+            <a:off x="3524795" y="4425175"/>
+            <a:ext cx="748939" cy="1"/>
+          </a:xfrm>
+          <a:prstGeom prst="straightConnector1">
+            <a:avLst/>
+          </a:prstGeom>
+          <a:ln>
+            <a:tailEnd type="triangle"/>
+          </a:ln>
+        </p:spPr>
+        <p:style>
+          <a:lnRef idx="1">
+            <a:schemeClr val="accent1"/>
+          </a:lnRef>
+          <a:fillRef idx="0">
+            <a:schemeClr val="accent1"/>
+          </a:fillRef>
+          <a:effectRef idx="0">
+            <a:schemeClr val="accent1"/>
+          </a:effectRef>
+          <a:fontRef idx="minor">
+            <a:schemeClr val="tx1"/>
+          </a:fontRef>
+        </p:style>
+      </p:cxnSp>
+      <p:cxnSp>
+        <p:nvCxnSpPr>
+          <p:cNvPr id="42" name="직선 화살표 연결선 41">
+            <a:extLst>
+              <a:ext uri="{FF2B5EF4-FFF2-40B4-BE49-F238E27FC236}">
+                <a16:creationId xmlns:a16="http://schemas.microsoft.com/office/drawing/2014/main" id="{9BBF1BCF-A60B-4AF6-9E2E-53F9715F67C7}"/>
+              </a:ext>
+            </a:extLst>
+          </p:cNvPr>
+          <p:cNvCxnSpPr>
+            <a:stCxn id="32" idx="3"/>
+            <a:endCxn id="38" idx="1"/>
+          </p:cNvCxnSpPr>
+          <p:nvPr/>
+        </p:nvCxnSpPr>
+        <p:spPr>
+          <a:xfrm>
+            <a:off x="3524795" y="5095736"/>
+            <a:ext cx="748939" cy="0"/>
+          </a:xfrm>
+          <a:prstGeom prst="straightConnector1">
+            <a:avLst/>
+          </a:prstGeom>
+          <a:ln>
+            <a:tailEnd type="triangle"/>
+          </a:ln>
+        </p:spPr>
+        <p:style>
+          <a:lnRef idx="1">
+            <a:schemeClr val="accent1"/>
+          </a:lnRef>
+          <a:fillRef idx="0">
+            <a:schemeClr val="accent1"/>
+          </a:fillRef>
+          <a:effectRef idx="0">
+            <a:schemeClr val="accent1"/>
+          </a:effectRef>
+          <a:fontRef idx="minor">
+            <a:schemeClr val="tx1"/>
+          </a:fontRef>
+        </p:style>
+      </p:cxnSp>
+    </p:spTree>
+    <p:extLst>
+      <p:ext uri="{BB962C8B-B14F-4D97-AF65-F5344CB8AC3E}">
+        <p14:creationId xmlns:p14="http://schemas.microsoft.com/office/powerpoint/2010/main" val="1176223303"/>
+      </p:ext>
+    </p:extLst>
+  </p:cSld>
+  <p:clrMapOvr>
+    <a:masterClrMapping/>
+  </p:clrMapOvr>
+</p:sld>
+</file>
+
+<file path=ppt/slides/slide4.xml><?xml version="1.0" encoding="utf-8"?>
+<p:sld xmlns:a="http://schemas.openxmlformats.org/drawingml/2006/main" xmlns:r="http://schemas.openxmlformats.org/officeDocument/2006/relationships" xmlns:p="http://schemas.openxmlformats.org/presentationml/2006/main">
+  <p:cSld>
+    <p:spTree>
+      <p:nvGrpSpPr>
+        <p:cNvPr id="1" name=""/>
+        <p:cNvGrpSpPr/>
+        <p:nvPr/>
+      </p:nvGrpSpPr>
+      <p:grpSpPr>
+        <a:xfrm>
+          <a:off x="0" y="0"/>
+          <a:ext cx="0" cy="0"/>
+          <a:chOff x="0" y="0"/>
+          <a:chExt cx="0" cy="0"/>
+        </a:xfrm>
+      </p:grpSpPr>
+      <p:sp>
+        <p:nvSpPr>
+          <p:cNvPr id="2" name="제목 1">
+            <a:extLst>
+              <a:ext uri="{FF2B5EF4-FFF2-40B4-BE49-F238E27FC236}">
+                <a16:creationId xmlns:a16="http://schemas.microsoft.com/office/drawing/2014/main" id="{38F6ED04-C631-4EA2-8CF1-4E8F2337FD97}"/>
+              </a:ext>
+            </a:extLst>
+          </p:cNvPr>
+          <p:cNvSpPr>
+            <a:spLocks noGrp="1"/>
+          </p:cNvSpPr>
+          <p:nvPr>
+            <p:ph type="title"/>
+          </p:nvPr>
+        </p:nvSpPr>
+        <p:spPr/>
+        <p:txBody>
+          <a:bodyPr/>
+          <a:lstStyle/>
+          <a:p>
+            <a:r>
+              <a:rPr lang="en-US" altLang="ko-KR" dirty="0"/>
+              <a:t>UIC</a:t>
+            </a:r>
+            <a:endParaRPr lang="ko-KR" altLang="en-US" dirty="0"/>
+          </a:p>
+        </p:txBody>
+      </p:sp>
+      <p:sp>
+        <p:nvSpPr>
+          <p:cNvPr id="4" name="사각형: 둥근 모서리 3">
+            <a:extLst>
+              <a:ext uri="{FF2B5EF4-FFF2-40B4-BE49-F238E27FC236}">
+                <a16:creationId xmlns:a16="http://schemas.microsoft.com/office/drawing/2014/main" id="{FCC3E736-0E1B-485F-8A10-4EA6E4DBC93E}"/>
+              </a:ext>
+            </a:extLst>
+          </p:cNvPr>
+          <p:cNvSpPr/>
+          <p:nvPr/>
+        </p:nvSpPr>
+        <p:spPr>
+          <a:xfrm>
+            <a:off x="1062446" y="2185851"/>
+            <a:ext cx="1524000" cy="722812"/>
+          </a:xfrm>
+          <a:prstGeom prst="roundRect">
+            <a:avLst/>
+          </a:prstGeom>
+        </p:spPr>
+        <p:style>
+          <a:lnRef idx="2">
+            <a:schemeClr val="accent1">
+              <a:shade val="50000"/>
+            </a:schemeClr>
+          </a:lnRef>
+          <a:fillRef idx="1">
+            <a:schemeClr val="accent1"/>
+          </a:fillRef>
+          <a:effectRef idx="0">
+            <a:schemeClr val="accent1"/>
+          </a:effectRef>
+          <a:fontRef idx="minor">
+            <a:schemeClr val="lt1"/>
+          </a:fontRef>
+        </p:style>
+        <p:txBody>
+          <a:bodyPr rtlCol="0" anchor="ctr"/>
+          <a:lstStyle/>
+          <a:p>
+            <a:pPr algn="ctr"/>
+            <a:r>
+              <a:rPr lang="en-US" altLang="ko-KR" dirty="0" err="1"/>
+              <a:t>Click_Operation</a:t>
+            </a:r>
+            <a:endParaRPr lang="ko-KR" altLang="en-US" dirty="0"/>
+          </a:p>
+        </p:txBody>
+      </p:sp>
+      <p:sp>
+        <p:nvSpPr>
+          <p:cNvPr id="5" name="다이아몬드 4">
+            <a:extLst>
+              <a:ext uri="{FF2B5EF4-FFF2-40B4-BE49-F238E27FC236}">
+                <a16:creationId xmlns:a16="http://schemas.microsoft.com/office/drawing/2014/main" id="{8C93DF80-34B5-41C5-B121-3F402123191A}"/>
+              </a:ext>
+            </a:extLst>
+          </p:cNvPr>
+          <p:cNvSpPr/>
+          <p:nvPr/>
+        </p:nvSpPr>
+        <p:spPr>
+          <a:xfrm>
+            <a:off x="3814354" y="2229394"/>
+            <a:ext cx="2098766" cy="635726"/>
+          </a:xfrm>
+          <a:prstGeom prst="diamond">
+            <a:avLst/>
+          </a:prstGeom>
+        </p:spPr>
+        <p:style>
+          <a:lnRef idx="2">
+            <a:schemeClr val="accent1">
+              <a:shade val="50000"/>
+            </a:schemeClr>
+          </a:lnRef>
+          <a:fillRef idx="1">
+            <a:schemeClr val="accent1"/>
+          </a:fillRef>
+          <a:effectRef idx="0">
+            <a:schemeClr val="accent1"/>
+          </a:effectRef>
+          <a:fontRef idx="minor">
+            <a:schemeClr val="lt1"/>
+          </a:fontRef>
+        </p:style>
+        <p:txBody>
+          <a:bodyPr rtlCol="0" anchor="ctr"/>
+          <a:lstStyle/>
+          <a:p>
+            <a:pPr algn="ctr"/>
+            <a:r>
+              <a:rPr lang="en-US" altLang="ko-KR" dirty="0"/>
+              <a:t>Count1&gt;20</a:t>
+            </a:r>
+            <a:endParaRPr lang="ko-KR" altLang="en-US" dirty="0"/>
+          </a:p>
+        </p:txBody>
+      </p:sp>
+      <p:sp>
+        <p:nvSpPr>
+          <p:cNvPr id="6" name="다이아몬드 5">
+            <a:extLst>
+              <a:ext uri="{FF2B5EF4-FFF2-40B4-BE49-F238E27FC236}">
+                <a16:creationId xmlns:a16="http://schemas.microsoft.com/office/drawing/2014/main" id="{BD106D1C-C9BA-45B2-9E1C-3CA77E72159A}"/>
+              </a:ext>
+            </a:extLst>
+          </p:cNvPr>
+          <p:cNvSpPr/>
+          <p:nvPr/>
+        </p:nvSpPr>
+        <p:spPr>
+          <a:xfrm>
+            <a:off x="8743410" y="2225040"/>
+            <a:ext cx="2098766" cy="635726"/>
+          </a:xfrm>
+          <a:prstGeom prst="diamond">
+            <a:avLst/>
+          </a:prstGeom>
+        </p:spPr>
+        <p:style>
+          <a:lnRef idx="2">
+            <a:schemeClr val="accent1">
+              <a:shade val="50000"/>
+            </a:schemeClr>
+          </a:lnRef>
+          <a:fillRef idx="1">
+            <a:schemeClr val="accent1"/>
+          </a:fillRef>
+          <a:effectRef idx="0">
+            <a:schemeClr val="accent1"/>
+          </a:effectRef>
+          <a:fontRef idx="minor">
+            <a:schemeClr val="lt1"/>
+          </a:fontRef>
+        </p:style>
+        <p:txBody>
+          <a:bodyPr rtlCol="0" anchor="ctr"/>
+          <a:lstStyle/>
+          <a:p>
+            <a:pPr algn="ctr"/>
+            <a:r>
+              <a:rPr lang="en-US" altLang="ko-KR" dirty="0"/>
+              <a:t>Count3&gt;20</a:t>
+            </a:r>
+            <a:endParaRPr lang="ko-KR" altLang="en-US" dirty="0"/>
+          </a:p>
+        </p:txBody>
+      </p:sp>
+      <p:sp>
+        <p:nvSpPr>
+          <p:cNvPr id="7" name="다이아몬드 6">
+            <a:extLst>
+              <a:ext uri="{FF2B5EF4-FFF2-40B4-BE49-F238E27FC236}">
+                <a16:creationId xmlns:a16="http://schemas.microsoft.com/office/drawing/2014/main" id="{F5F0A169-8723-4128-A338-E52ED6A7D34A}"/>
+              </a:ext>
+            </a:extLst>
+          </p:cNvPr>
+          <p:cNvSpPr/>
+          <p:nvPr/>
+        </p:nvSpPr>
+        <p:spPr>
+          <a:xfrm>
+            <a:off x="6278882" y="2225040"/>
+            <a:ext cx="2098766" cy="635726"/>
+          </a:xfrm>
+          <a:prstGeom prst="diamond">
+            <a:avLst/>
+          </a:prstGeom>
+        </p:spPr>
+        <p:style>
+          <a:lnRef idx="2">
+            <a:schemeClr val="accent1">
+              <a:shade val="50000"/>
+            </a:schemeClr>
+          </a:lnRef>
+          <a:fillRef idx="1">
+            <a:schemeClr val="accent1"/>
+          </a:fillRef>
+          <a:effectRef idx="0">
+            <a:schemeClr val="accent1"/>
+          </a:effectRef>
+          <a:fontRef idx="minor">
+            <a:schemeClr val="lt1"/>
+          </a:fontRef>
+        </p:style>
+        <p:txBody>
+          <a:bodyPr rtlCol="0" anchor="ctr"/>
+          <a:lstStyle/>
+          <a:p>
+            <a:pPr algn="ctr"/>
+            <a:r>
+              <a:rPr lang="en-US" altLang="ko-KR" dirty="0"/>
+              <a:t>Count2&gt;20</a:t>
+            </a:r>
+            <a:endParaRPr lang="ko-KR" altLang="en-US" dirty="0"/>
+          </a:p>
+        </p:txBody>
+      </p:sp>
+      <p:cxnSp>
+        <p:nvCxnSpPr>
+          <p:cNvPr id="9" name="직선 화살표 연결선 8">
+            <a:extLst>
+              <a:ext uri="{FF2B5EF4-FFF2-40B4-BE49-F238E27FC236}">
+                <a16:creationId xmlns:a16="http://schemas.microsoft.com/office/drawing/2014/main" id="{23361EBB-EA19-4723-A9DD-D5F66DD7F868}"/>
+              </a:ext>
+            </a:extLst>
+          </p:cNvPr>
+          <p:cNvCxnSpPr>
+            <a:stCxn id="4" idx="3"/>
+            <a:endCxn id="5" idx="1"/>
+          </p:cNvCxnSpPr>
+          <p:nvPr/>
+        </p:nvCxnSpPr>
+        <p:spPr>
+          <a:xfrm>
+            <a:off x="2586446" y="2547257"/>
+            <a:ext cx="1227908" cy="0"/>
+          </a:xfrm>
+          <a:prstGeom prst="straightConnector1">
+            <a:avLst/>
+          </a:prstGeom>
+          <a:ln>
+            <a:tailEnd type="triangle"/>
+          </a:ln>
+        </p:spPr>
+        <p:style>
+          <a:lnRef idx="1">
+            <a:schemeClr val="accent1"/>
+          </a:lnRef>
+          <a:fillRef idx="0">
+            <a:schemeClr val="accent1"/>
+          </a:fillRef>
+          <a:effectRef idx="0">
+            <a:schemeClr val="accent1"/>
+          </a:effectRef>
+          <a:fontRef idx="minor">
+            <a:schemeClr val="tx1"/>
+          </a:fontRef>
+        </p:style>
+      </p:cxnSp>
+      <p:cxnSp>
+        <p:nvCxnSpPr>
+          <p:cNvPr id="11" name="직선 화살표 연결선 10">
+            <a:extLst>
+              <a:ext uri="{FF2B5EF4-FFF2-40B4-BE49-F238E27FC236}">
+                <a16:creationId xmlns:a16="http://schemas.microsoft.com/office/drawing/2014/main" id="{8655C8FE-08F4-47AD-841C-5854A287EA86}"/>
+              </a:ext>
+            </a:extLst>
+          </p:cNvPr>
+          <p:cNvCxnSpPr>
+            <a:stCxn id="5" idx="3"/>
+            <a:endCxn id="7" idx="1"/>
+          </p:cNvCxnSpPr>
+          <p:nvPr/>
+        </p:nvCxnSpPr>
+        <p:spPr>
+          <a:xfrm flipV="1">
+            <a:off x="5913120" y="2542903"/>
+            <a:ext cx="365762" cy="4354"/>
+          </a:xfrm>
+          <a:prstGeom prst="straightConnector1">
+            <a:avLst/>
+          </a:prstGeom>
+          <a:ln>
+            <a:tailEnd type="triangle"/>
+          </a:ln>
+        </p:spPr>
+        <p:style>
+          <a:lnRef idx="1">
+            <a:schemeClr val="accent1"/>
+          </a:lnRef>
+          <a:fillRef idx="0">
+            <a:schemeClr val="accent1"/>
+          </a:fillRef>
+          <a:effectRef idx="0">
+            <a:schemeClr val="accent1"/>
+          </a:effectRef>
+          <a:fontRef idx="minor">
+            <a:schemeClr val="tx1"/>
+          </a:fontRef>
+        </p:style>
+      </p:cxnSp>
+      <p:cxnSp>
+        <p:nvCxnSpPr>
+          <p:cNvPr id="13" name="직선 화살표 연결선 12">
+            <a:extLst>
+              <a:ext uri="{FF2B5EF4-FFF2-40B4-BE49-F238E27FC236}">
+                <a16:creationId xmlns:a16="http://schemas.microsoft.com/office/drawing/2014/main" id="{414AE272-789B-4B4D-B00F-B004B9ED241D}"/>
+              </a:ext>
+            </a:extLst>
+          </p:cNvPr>
+          <p:cNvCxnSpPr>
+            <a:stCxn id="7" idx="3"/>
+            <a:endCxn id="6" idx="1"/>
+          </p:cNvCxnSpPr>
+          <p:nvPr/>
+        </p:nvCxnSpPr>
+        <p:spPr>
+          <a:xfrm>
+            <a:off x="8377648" y="2542903"/>
+            <a:ext cx="365762" cy="0"/>
+          </a:xfrm>
+          <a:prstGeom prst="straightConnector1">
+            <a:avLst/>
+          </a:prstGeom>
+          <a:ln>
+            <a:tailEnd type="triangle"/>
+          </a:ln>
+        </p:spPr>
+        <p:style>
+          <a:lnRef idx="1">
+            <a:schemeClr val="accent1"/>
+          </a:lnRef>
+          <a:fillRef idx="0">
+            <a:schemeClr val="accent1"/>
+          </a:fillRef>
+          <a:effectRef idx="0">
+            <a:schemeClr val="accent1"/>
+          </a:effectRef>
+          <a:fontRef idx="minor">
+            <a:schemeClr val="tx1"/>
+          </a:fontRef>
+        </p:style>
+      </p:cxnSp>
+      <p:cxnSp>
+        <p:nvCxnSpPr>
+          <p:cNvPr id="15" name="연결선: 꺾임 14">
+            <a:extLst>
+              <a:ext uri="{FF2B5EF4-FFF2-40B4-BE49-F238E27FC236}">
+                <a16:creationId xmlns:a16="http://schemas.microsoft.com/office/drawing/2014/main" id="{3A498185-30EE-46BA-A007-DAE53C80A90B}"/>
+              </a:ext>
+            </a:extLst>
+          </p:cNvPr>
+          <p:cNvCxnSpPr>
+            <a:stCxn id="6" idx="3"/>
+            <a:endCxn id="5" idx="1"/>
+          </p:cNvCxnSpPr>
+          <p:nvPr/>
+        </p:nvCxnSpPr>
+        <p:spPr>
+          <a:xfrm flipH="1">
+            <a:off x="3814354" y="2542903"/>
+            <a:ext cx="7027822" cy="4354"/>
+          </a:xfrm>
+          <a:prstGeom prst="bentConnector5">
+            <a:avLst>
+              <a:gd name="adj1" fmla="val -3253"/>
+              <a:gd name="adj2" fmla="val -18151194"/>
+              <a:gd name="adj3" fmla="val 103253"/>
+            </a:avLst>
+          </a:prstGeom>
+          <a:ln>
+            <a:tailEnd type="triangle"/>
+          </a:ln>
+        </p:spPr>
+        <p:style>
+          <a:lnRef idx="1">
+            <a:schemeClr val="accent1"/>
+          </a:lnRef>
+          <a:fillRef idx="0">
+            <a:schemeClr val="accent1"/>
+          </a:fillRef>
+          <a:effectRef idx="0">
+            <a:schemeClr val="accent1"/>
+          </a:effectRef>
+          <a:fontRef idx="minor">
+            <a:schemeClr val="tx1"/>
+          </a:fontRef>
+        </p:style>
+      </p:cxnSp>
+      <p:sp>
+        <p:nvSpPr>
+          <p:cNvPr id="17" name="사각형: 둥근 모서리 16">
+            <a:extLst>
+              <a:ext uri="{FF2B5EF4-FFF2-40B4-BE49-F238E27FC236}">
+                <a16:creationId xmlns:a16="http://schemas.microsoft.com/office/drawing/2014/main" id="{4BC20FE7-646F-4C75-8479-938CEBE19AE4}"/>
+              </a:ext>
+            </a:extLst>
+          </p:cNvPr>
+          <p:cNvSpPr/>
+          <p:nvPr/>
+        </p:nvSpPr>
+        <p:spPr>
+          <a:xfrm>
+            <a:off x="4241074" y="3429000"/>
+            <a:ext cx="1271452" cy="635726"/>
+          </a:xfrm>
+          <a:prstGeom prst="roundRect">
+            <a:avLst/>
+          </a:prstGeom>
+        </p:spPr>
+        <p:style>
+          <a:lnRef idx="2">
+            <a:schemeClr val="accent1">
+              <a:shade val="50000"/>
+            </a:schemeClr>
+          </a:lnRef>
+          <a:fillRef idx="1">
+            <a:schemeClr val="accent1"/>
+          </a:fillRef>
+          <a:effectRef idx="0">
+            <a:schemeClr val="accent1"/>
+          </a:effectRef>
+          <a:fontRef idx="minor">
+            <a:schemeClr val="lt1"/>
+          </a:fontRef>
+        </p:style>
+        <p:txBody>
+          <a:bodyPr rtlCol="0" anchor="ctr"/>
+          <a:lstStyle/>
+          <a:p>
+            <a:pPr algn="ctr"/>
+            <a:r>
+              <a:rPr lang="en-US" altLang="ko-KR" dirty="0"/>
+              <a:t>1</a:t>
+            </a:r>
+            <a:r>
+              <a:rPr lang="ko-KR" altLang="en-US" dirty="0"/>
+              <a:t>번 버튼</a:t>
+            </a:r>
+          </a:p>
+        </p:txBody>
+      </p:sp>
+      <p:sp>
+        <p:nvSpPr>
+          <p:cNvPr id="18" name="사각형: 둥근 모서리 17">
+            <a:extLst>
+              <a:ext uri="{FF2B5EF4-FFF2-40B4-BE49-F238E27FC236}">
+                <a16:creationId xmlns:a16="http://schemas.microsoft.com/office/drawing/2014/main" id="{2D44E105-1B2E-4305-AA43-AC83958EE639}"/>
+              </a:ext>
+            </a:extLst>
+          </p:cNvPr>
+          <p:cNvSpPr/>
+          <p:nvPr/>
+        </p:nvSpPr>
+        <p:spPr>
+          <a:xfrm>
+            <a:off x="6699070" y="3429000"/>
+            <a:ext cx="1271452" cy="635726"/>
+          </a:xfrm>
+          <a:prstGeom prst="roundRect">
+            <a:avLst/>
+          </a:prstGeom>
+        </p:spPr>
+        <p:style>
+          <a:lnRef idx="2">
+            <a:schemeClr val="accent1">
+              <a:shade val="50000"/>
+            </a:schemeClr>
+          </a:lnRef>
+          <a:fillRef idx="1">
+            <a:schemeClr val="accent1"/>
+          </a:fillRef>
+          <a:effectRef idx="0">
+            <a:schemeClr val="accent1"/>
+          </a:effectRef>
+          <a:fontRef idx="minor">
+            <a:schemeClr val="lt1"/>
+          </a:fontRef>
+        </p:style>
+        <p:txBody>
+          <a:bodyPr rtlCol="0" anchor="ctr"/>
+          <a:lstStyle/>
+          <a:p>
+            <a:pPr algn="ctr"/>
+            <a:r>
+              <a:rPr lang="en-US" altLang="ko-KR" dirty="0"/>
+              <a:t>2</a:t>
+            </a:r>
+            <a:r>
+              <a:rPr lang="ko-KR" altLang="en-US" dirty="0"/>
+              <a:t>번 버튼</a:t>
+            </a:r>
+          </a:p>
+        </p:txBody>
+      </p:sp>
+      <p:sp>
+        <p:nvSpPr>
+          <p:cNvPr id="19" name="사각형: 둥근 모서리 18">
+            <a:extLst>
+              <a:ext uri="{FF2B5EF4-FFF2-40B4-BE49-F238E27FC236}">
+                <a16:creationId xmlns:a16="http://schemas.microsoft.com/office/drawing/2014/main" id="{EC5291AE-7F28-4EC3-909E-31574B689B1D}"/>
+              </a:ext>
+            </a:extLst>
+          </p:cNvPr>
+          <p:cNvSpPr/>
+          <p:nvPr/>
+        </p:nvSpPr>
+        <p:spPr>
+          <a:xfrm>
+            <a:off x="9157067" y="3429000"/>
+            <a:ext cx="1271452" cy="635726"/>
+          </a:xfrm>
+          <a:prstGeom prst="roundRect">
+            <a:avLst/>
+          </a:prstGeom>
+        </p:spPr>
+        <p:style>
+          <a:lnRef idx="2">
+            <a:schemeClr val="accent1">
+              <a:shade val="50000"/>
+            </a:schemeClr>
+          </a:lnRef>
+          <a:fillRef idx="1">
+            <a:schemeClr val="accent1"/>
+          </a:fillRef>
+          <a:effectRef idx="0">
+            <a:schemeClr val="accent1"/>
+          </a:effectRef>
+          <a:fontRef idx="minor">
+            <a:schemeClr val="lt1"/>
+          </a:fontRef>
+        </p:style>
+        <p:txBody>
+          <a:bodyPr rtlCol="0" anchor="ctr"/>
+          <a:lstStyle/>
+          <a:p>
+            <a:pPr algn="ctr"/>
+            <a:r>
+              <a:rPr lang="en-US" altLang="ko-KR" dirty="0"/>
+              <a:t>3</a:t>
+            </a:r>
+            <a:r>
+              <a:rPr lang="ko-KR" altLang="en-US" dirty="0"/>
+              <a:t>번 버튼</a:t>
+            </a:r>
+          </a:p>
+        </p:txBody>
+      </p:sp>
+      <p:cxnSp>
+        <p:nvCxnSpPr>
+          <p:cNvPr id="21" name="직선 화살표 연결선 20">
+            <a:extLst>
+              <a:ext uri="{FF2B5EF4-FFF2-40B4-BE49-F238E27FC236}">
+                <a16:creationId xmlns:a16="http://schemas.microsoft.com/office/drawing/2014/main" id="{40B8952A-146C-4EB7-8276-3747FFB82C7F}"/>
+              </a:ext>
+            </a:extLst>
+          </p:cNvPr>
+          <p:cNvCxnSpPr>
+            <a:stCxn id="5" idx="2"/>
+            <a:endCxn id="17" idx="0"/>
+          </p:cNvCxnSpPr>
+          <p:nvPr/>
+        </p:nvCxnSpPr>
+        <p:spPr>
+          <a:xfrm>
+            <a:off x="4863737" y="2865120"/>
+            <a:ext cx="13063" cy="563880"/>
+          </a:xfrm>
+          <a:prstGeom prst="straightConnector1">
+            <a:avLst/>
+          </a:prstGeom>
+          <a:ln>
+            <a:tailEnd type="triangle"/>
+          </a:ln>
+        </p:spPr>
+        <p:style>
+          <a:lnRef idx="1">
+            <a:schemeClr val="accent1"/>
+          </a:lnRef>
+          <a:fillRef idx="0">
+            <a:schemeClr val="accent1"/>
+          </a:fillRef>
+          <a:effectRef idx="0">
+            <a:schemeClr val="accent1"/>
+          </a:effectRef>
+          <a:fontRef idx="minor">
+            <a:schemeClr val="tx1"/>
+          </a:fontRef>
+        </p:style>
+      </p:cxnSp>
+      <p:cxnSp>
+        <p:nvCxnSpPr>
+          <p:cNvPr id="23" name="직선 화살표 연결선 22">
+            <a:extLst>
+              <a:ext uri="{FF2B5EF4-FFF2-40B4-BE49-F238E27FC236}">
+                <a16:creationId xmlns:a16="http://schemas.microsoft.com/office/drawing/2014/main" id="{5FC0CDA3-3939-4A09-9014-99CC15EF6AB7}"/>
+              </a:ext>
+            </a:extLst>
+          </p:cNvPr>
+          <p:cNvCxnSpPr>
+            <a:stCxn id="7" idx="2"/>
+            <a:endCxn id="18" idx="0"/>
+          </p:cNvCxnSpPr>
+          <p:nvPr/>
+        </p:nvCxnSpPr>
+        <p:spPr>
+          <a:xfrm>
+            <a:off x="7328265" y="2860766"/>
+            <a:ext cx="6531" cy="568234"/>
+          </a:xfrm>
+          <a:prstGeom prst="straightConnector1">
+            <a:avLst/>
+          </a:prstGeom>
+          <a:ln>
+            <a:tailEnd type="triangle"/>
+          </a:ln>
+        </p:spPr>
+        <p:style>
+          <a:lnRef idx="1">
+            <a:schemeClr val="accent1"/>
+          </a:lnRef>
+          <a:fillRef idx="0">
+            <a:schemeClr val="accent1"/>
+          </a:fillRef>
+          <a:effectRef idx="0">
+            <a:schemeClr val="accent1"/>
+          </a:effectRef>
+          <a:fontRef idx="minor">
+            <a:schemeClr val="tx1"/>
+          </a:fontRef>
+        </p:style>
+      </p:cxnSp>
+      <p:cxnSp>
+        <p:nvCxnSpPr>
+          <p:cNvPr id="25" name="직선 화살표 연결선 24">
+            <a:extLst>
+              <a:ext uri="{FF2B5EF4-FFF2-40B4-BE49-F238E27FC236}">
+                <a16:creationId xmlns:a16="http://schemas.microsoft.com/office/drawing/2014/main" id="{97454600-A3E9-4534-8638-3603BE4DD2EC}"/>
+              </a:ext>
+            </a:extLst>
+          </p:cNvPr>
+          <p:cNvCxnSpPr>
+            <a:stCxn id="6" idx="2"/>
+            <a:endCxn id="19" idx="0"/>
+          </p:cNvCxnSpPr>
+          <p:nvPr/>
+        </p:nvCxnSpPr>
+        <p:spPr>
+          <a:xfrm>
+            <a:off x="9792793" y="2860766"/>
+            <a:ext cx="0" cy="568234"/>
+          </a:xfrm>
+          <a:prstGeom prst="straightConnector1">
+            <a:avLst/>
+          </a:prstGeom>
+          <a:ln>
+            <a:tailEnd type="triangle"/>
+          </a:ln>
+        </p:spPr>
+        <p:style>
+          <a:lnRef idx="1">
+            <a:schemeClr val="accent1"/>
+          </a:lnRef>
+          <a:fillRef idx="0">
+            <a:schemeClr val="accent1"/>
+          </a:fillRef>
+          <a:effectRef idx="0">
+            <a:schemeClr val="accent1"/>
+          </a:effectRef>
+          <a:fontRef idx="minor">
+            <a:schemeClr val="tx1"/>
+          </a:fontRef>
+        </p:style>
+      </p:cxnSp>
+    </p:spTree>
+    <p:extLst>
+      <p:ext uri="{BB962C8B-B14F-4D97-AF65-F5344CB8AC3E}">
+        <p14:creationId xmlns:p14="http://schemas.microsoft.com/office/powerpoint/2010/main" val="882955999"/>
+      </p:ext>
+    </p:extLst>
+  </p:cSld>
+  <p:clrMapOvr>
+    <a:masterClrMapping/>
+  </p:clrMapOvr>
+</p:sld>
+</file>
+
+<file path=ppt/slides/slide5.xml><?xml version="1.0" encoding="utf-8"?>
+<p:sld xmlns:a="http://schemas.openxmlformats.org/drawingml/2006/main" xmlns:r="http://schemas.openxmlformats.org/officeDocument/2006/relationships" xmlns:p="http://schemas.openxmlformats.org/presentationml/2006/main">
+  <p:cSld>
+    <p:spTree>
+      <p:nvGrpSpPr>
+        <p:cNvPr id="1" name=""/>
+        <p:cNvGrpSpPr/>
+        <p:nvPr/>
+      </p:nvGrpSpPr>
+      <p:grpSpPr>
+        <a:xfrm>
+          <a:off x="0" y="0"/>
+          <a:ext cx="0" cy="0"/>
+          <a:chOff x="0" y="0"/>
+          <a:chExt cx="0" cy="0"/>
+        </a:xfrm>
+      </p:grpSpPr>
+      <p:sp>
+        <p:nvSpPr>
+          <p:cNvPr id="2" name="제목 1">
+            <a:extLst>
+              <a:ext uri="{FF2B5EF4-FFF2-40B4-BE49-F238E27FC236}">
+                <a16:creationId xmlns:a16="http://schemas.microsoft.com/office/drawing/2014/main" id="{3BCFE9E5-D96A-4694-A237-C3B0785AE423}"/>
+              </a:ext>
+            </a:extLst>
+          </p:cNvPr>
+          <p:cNvSpPr>
+            <a:spLocks noGrp="1"/>
+          </p:cNvSpPr>
+          <p:nvPr>
+            <p:ph type="title"/>
+          </p:nvPr>
+        </p:nvSpPr>
+        <p:spPr/>
+        <p:txBody>
+          <a:bodyPr/>
+          <a:lstStyle/>
+          <a:p>
+            <a:r>
+              <a:rPr lang="en-US" altLang="ko-KR" dirty="0"/>
+              <a:t>Function</a:t>
+            </a:r>
+            <a:endParaRPr lang="ko-KR" altLang="en-US" dirty="0"/>
+          </a:p>
+        </p:txBody>
+      </p:sp>
+      <p:sp>
+        <p:nvSpPr>
+          <p:cNvPr id="3" name="내용 개체 틀 2">
+            <a:extLst>
+              <a:ext uri="{FF2B5EF4-FFF2-40B4-BE49-F238E27FC236}">
+                <a16:creationId xmlns:a16="http://schemas.microsoft.com/office/drawing/2014/main" id="{E9A6A0D7-E3B7-42F3-847A-E625C6146FD6}"/>
+              </a:ext>
+            </a:extLst>
+          </p:cNvPr>
+          <p:cNvSpPr>
+            <a:spLocks noGrp="1"/>
+          </p:cNvSpPr>
+          <p:nvPr>
+            <p:ph idx="1"/>
+          </p:nvPr>
+        </p:nvSpPr>
+        <p:spPr>
+          <a:xfrm>
+            <a:off x="838200" y="1825625"/>
+            <a:ext cx="10515600" cy="1325563"/>
+          </a:xfrm>
+        </p:spPr>
+        <p:txBody>
+          <a:bodyPr/>
+          <a:lstStyle/>
+          <a:p>
+            <a:pPr marL="0" indent="0">
+              <a:buNone/>
+            </a:pPr>
+            <a:r>
+              <a:rPr lang="en-US" altLang="ko-KR" dirty="0"/>
+              <a:t>UIC -&gt; </a:t>
+            </a:r>
+            <a:r>
+              <a:rPr lang="en-US" altLang="ko-KR" dirty="0" err="1"/>
+              <a:t>resetCount</a:t>
+            </a:r>
+            <a:r>
+              <a:rPr lang="en-US" altLang="ko-KR" dirty="0"/>
+              <a:t>, </a:t>
+            </a:r>
+            <a:r>
+              <a:rPr lang="en-US" altLang="ko-KR" dirty="0" err="1"/>
+              <a:t>make_Roi</a:t>
+            </a:r>
+            <a:r>
+              <a:rPr lang="en-US" altLang="ko-KR" dirty="0"/>
+              <a:t>, </a:t>
+            </a:r>
+            <a:r>
+              <a:rPr lang="en-US" altLang="ko-KR" dirty="0" err="1"/>
+              <a:t>Click_Operation</a:t>
+            </a:r>
+            <a:endParaRPr lang="en-US" altLang="ko-KR" dirty="0"/>
+          </a:p>
+          <a:p>
+            <a:pPr marL="0" indent="0">
+              <a:buNone/>
+            </a:pPr>
+            <a:r>
+              <a:rPr lang="en-US" altLang="ko-KR" dirty="0"/>
+              <a:t>UI -&gt; </a:t>
+            </a:r>
+            <a:r>
+              <a:rPr lang="en-US" altLang="ko-KR" dirty="0" err="1"/>
+              <a:t>draw_Click</a:t>
+            </a:r>
+            <a:endParaRPr lang="en-US" altLang="ko-KR" dirty="0"/>
+          </a:p>
+          <a:p>
+            <a:endParaRPr lang="ko-KR" altLang="en-US" dirty="0"/>
+          </a:p>
+        </p:txBody>
+      </p:sp>
+      <p:sp>
+        <p:nvSpPr>
+          <p:cNvPr id="4" name="제목 1">
+            <a:extLst>
+              <a:ext uri="{FF2B5EF4-FFF2-40B4-BE49-F238E27FC236}">
+                <a16:creationId xmlns:a16="http://schemas.microsoft.com/office/drawing/2014/main" id="{93E03BFA-6664-40E0-8C40-458FD102B485}"/>
+              </a:ext>
+            </a:extLst>
+          </p:cNvPr>
+          <p:cNvSpPr txBox="1">
+            <a:spLocks/>
+          </p:cNvSpPr>
+          <p:nvPr/>
+        </p:nvSpPr>
+        <p:spPr>
+          <a:xfrm>
+            <a:off x="838200" y="2950759"/>
+            <a:ext cx="10515600" cy="1325563"/>
+          </a:xfrm>
+          <a:prstGeom prst="rect">
+            <a:avLst/>
+          </a:prstGeom>
+        </p:spPr>
+        <p:txBody>
+          <a:bodyPr vert="horz" lIns="91440" tIns="45720" rIns="91440" bIns="45720" rtlCol="0" anchor="ctr">
+            <a:normAutofit/>
+          </a:bodyPr>
+          <a:lstStyle>
+            <a:lvl1pPr algn="l" defTabSz="914400" rtl="0" eaLnBrk="1" latinLnBrk="1" hangingPunct="1">
+              <a:lnSpc>
+                <a:spcPct val="90000"/>
+              </a:lnSpc>
+              <a:spcBef>
+                <a:spcPct val="0"/>
+              </a:spcBef>
+              <a:buNone/>
+              <a:defRPr sz="4400" kern="1200">
+                <a:solidFill>
+                  <a:schemeClr val="tx1"/>
+                </a:solidFill>
+                <a:latin typeface="+mj-lt"/>
+                <a:ea typeface="+mj-ea"/>
+                <a:cs typeface="+mj-cs"/>
+              </a:defRPr>
+            </a:lvl1pPr>
+          </a:lstStyle>
+          <a:p>
+            <a:r>
+              <a:rPr lang="en-US" altLang="ko-KR" dirty="0" err="1"/>
+              <a:t>AnimationCall</a:t>
+            </a:r>
+            <a:endParaRPr lang="ko-KR" altLang="en-US" dirty="0"/>
+          </a:p>
+        </p:txBody>
+      </p:sp>
+      <p:sp>
+        <p:nvSpPr>
+          <p:cNvPr id="5" name="내용 개체 틀 2">
+            <a:extLst>
+              <a:ext uri="{FF2B5EF4-FFF2-40B4-BE49-F238E27FC236}">
+                <a16:creationId xmlns:a16="http://schemas.microsoft.com/office/drawing/2014/main" id="{F50AA3CC-4878-4925-84D3-37C846144E92}"/>
+              </a:ext>
+            </a:extLst>
+          </p:cNvPr>
+          <p:cNvSpPr txBox="1">
+            <a:spLocks/>
+          </p:cNvSpPr>
+          <p:nvPr/>
+        </p:nvSpPr>
+        <p:spPr>
+          <a:xfrm>
+            <a:off x="838200" y="4301561"/>
+            <a:ext cx="10515600" cy="1325563"/>
+          </a:xfrm>
+          <a:prstGeom prst="rect">
+            <a:avLst/>
+          </a:prstGeom>
+        </p:spPr>
+        <p:txBody>
+          <a:bodyPr vert="horz" lIns="91440" tIns="45720" rIns="91440" bIns="45720" rtlCol="0">
+            <a:normAutofit fontScale="92500" lnSpcReduction="10000"/>
+          </a:bodyPr>
+          <a:lstStyle>
+            <a:lvl1pPr marL="228600" indent="-228600" algn="l" defTabSz="914400" rtl="0" eaLnBrk="1" latinLnBrk="1" hangingPunct="1">
+              <a:lnSpc>
+                <a:spcPct val="90000"/>
+              </a:lnSpc>
+              <a:spcBef>
+                <a:spcPts val="1000"/>
+              </a:spcBef>
+              <a:buFont typeface="Arial" panose="020B0604020202020204" pitchFamily="34" charset="0"/>
+              <a:buChar char="•"/>
+              <a:defRPr sz="2800" kern="1200">
+                <a:solidFill>
+                  <a:schemeClr val="tx1"/>
+                </a:solidFill>
+                <a:latin typeface="+mn-lt"/>
+                <a:ea typeface="+mn-ea"/>
+                <a:cs typeface="+mn-cs"/>
+              </a:defRPr>
+            </a:lvl1pPr>
+            <a:lvl2pPr marL="685800" indent="-228600" algn="l" defTabSz="914400" rtl="0" eaLnBrk="1" latinLnBrk="1" hangingPunct="1">
+              <a:lnSpc>
+                <a:spcPct val="90000"/>
+              </a:lnSpc>
+              <a:spcBef>
+                <a:spcPts val="500"/>
+              </a:spcBef>
+              <a:buFont typeface="Arial" panose="020B0604020202020204" pitchFamily="34" charset="0"/>
+              <a:buChar char="•"/>
+              <a:defRPr sz="2400" kern="1200">
+                <a:solidFill>
+                  <a:schemeClr val="tx1"/>
+                </a:solidFill>
+                <a:latin typeface="+mn-lt"/>
+                <a:ea typeface="+mn-ea"/>
+                <a:cs typeface="+mn-cs"/>
+              </a:defRPr>
+            </a:lvl2pPr>
+            <a:lvl3pPr marL="1143000" indent="-228600" algn="l" defTabSz="914400" rtl="0" eaLnBrk="1" latinLnBrk="1" hangingPunct="1">
+              <a:lnSpc>
+                <a:spcPct val="90000"/>
+              </a:lnSpc>
+              <a:spcBef>
+                <a:spcPts val="500"/>
+              </a:spcBef>
+              <a:buFont typeface="Arial" panose="020B0604020202020204" pitchFamily="34" charset="0"/>
+              <a:buChar char="•"/>
+              <a:defRPr sz="2000" kern="1200">
+                <a:solidFill>
+                  <a:schemeClr val="tx1"/>
+                </a:solidFill>
+                <a:latin typeface="+mn-lt"/>
+                <a:ea typeface="+mn-ea"/>
+                <a:cs typeface="+mn-cs"/>
+              </a:defRPr>
+            </a:lvl3pPr>
+            <a:lvl4pPr marL="1600200" indent="-228600" algn="l" defTabSz="914400" rtl="0" eaLnBrk="1" latinLnBrk="1" hangingPunct="1">
+              <a:lnSpc>
+                <a:spcPct val="90000"/>
+              </a:lnSpc>
+              <a:spcBef>
+                <a:spcPts val="500"/>
+              </a:spcBef>
+              <a:buFont typeface="Arial" panose="020B0604020202020204" pitchFamily="34" charset="0"/>
+              <a:buChar char="•"/>
+              <a:defRPr sz="1800" kern="1200">
+                <a:solidFill>
+                  <a:schemeClr val="tx1"/>
+                </a:solidFill>
+                <a:latin typeface="+mn-lt"/>
+                <a:ea typeface="+mn-ea"/>
+                <a:cs typeface="+mn-cs"/>
+              </a:defRPr>
+            </a:lvl4pPr>
+            <a:lvl5pPr marL="2057400" indent="-228600" algn="l" defTabSz="914400" rtl="0" eaLnBrk="1" latinLnBrk="1" hangingPunct="1">
+              <a:lnSpc>
+                <a:spcPct val="90000"/>
+              </a:lnSpc>
+              <a:spcBef>
+                <a:spcPts val="500"/>
+              </a:spcBef>
+              <a:buFont typeface="Arial" panose="020B0604020202020204" pitchFamily="34" charset="0"/>
+              <a:buChar char="•"/>
+              <a:defRPr sz="1800" kern="1200">
+                <a:solidFill>
+                  <a:schemeClr val="tx1"/>
+                </a:solidFill>
+                <a:latin typeface="+mn-lt"/>
+                <a:ea typeface="+mn-ea"/>
+                <a:cs typeface="+mn-cs"/>
+              </a:defRPr>
+            </a:lvl5pPr>
+            <a:lvl6pPr marL="2514600" indent="-228600" algn="l" defTabSz="914400" rtl="0" eaLnBrk="1" latinLnBrk="1" hangingPunct="1">
+              <a:lnSpc>
+                <a:spcPct val="90000"/>
+              </a:lnSpc>
+              <a:spcBef>
+                <a:spcPts val="500"/>
+              </a:spcBef>
+              <a:buFont typeface="Arial" panose="020B0604020202020204" pitchFamily="34" charset="0"/>
+              <a:buChar char="•"/>
+              <a:defRPr sz="1800" kern="1200">
+                <a:solidFill>
+                  <a:schemeClr val="tx1"/>
+                </a:solidFill>
+                <a:latin typeface="+mn-lt"/>
+                <a:ea typeface="+mn-ea"/>
+                <a:cs typeface="+mn-cs"/>
+              </a:defRPr>
+            </a:lvl6pPr>
+            <a:lvl7pPr marL="2971800" indent="-228600" algn="l" defTabSz="914400" rtl="0" eaLnBrk="1" latinLnBrk="1" hangingPunct="1">
+              <a:lnSpc>
+                <a:spcPct val="90000"/>
+              </a:lnSpc>
+              <a:spcBef>
+                <a:spcPts val="500"/>
+              </a:spcBef>
+              <a:buFont typeface="Arial" panose="020B0604020202020204" pitchFamily="34" charset="0"/>
+              <a:buChar char="•"/>
+              <a:defRPr sz="1800" kern="1200">
+                <a:solidFill>
+                  <a:schemeClr val="tx1"/>
+                </a:solidFill>
+                <a:latin typeface="+mn-lt"/>
+                <a:ea typeface="+mn-ea"/>
+                <a:cs typeface="+mn-cs"/>
+              </a:defRPr>
+            </a:lvl7pPr>
+            <a:lvl8pPr marL="3429000" indent="-228600" algn="l" defTabSz="914400" rtl="0" eaLnBrk="1" latinLnBrk="1" hangingPunct="1">
+              <a:lnSpc>
+                <a:spcPct val="90000"/>
+              </a:lnSpc>
+              <a:spcBef>
+                <a:spcPts val="500"/>
+              </a:spcBef>
+              <a:buFont typeface="Arial" panose="020B0604020202020204" pitchFamily="34" charset="0"/>
+              <a:buChar char="•"/>
+              <a:defRPr sz="1800" kern="1200">
+                <a:solidFill>
+                  <a:schemeClr val="tx1"/>
+                </a:solidFill>
+                <a:latin typeface="+mn-lt"/>
+                <a:ea typeface="+mn-ea"/>
+                <a:cs typeface="+mn-cs"/>
+              </a:defRPr>
+            </a:lvl8pPr>
+            <a:lvl9pPr marL="3886200" indent="-228600" algn="l" defTabSz="914400" rtl="0" eaLnBrk="1" latinLnBrk="1" hangingPunct="1">
+              <a:lnSpc>
+                <a:spcPct val="90000"/>
+              </a:lnSpc>
+              <a:spcBef>
+                <a:spcPts val="500"/>
+              </a:spcBef>
+              <a:buFont typeface="Arial" panose="020B0604020202020204" pitchFamily="34" charset="0"/>
+              <a:buChar char="•"/>
+              <a:defRPr sz="1800" kern="1200">
+                <a:solidFill>
+                  <a:schemeClr val="tx1"/>
+                </a:solidFill>
+                <a:latin typeface="+mn-lt"/>
+                <a:ea typeface="+mn-ea"/>
+                <a:cs typeface="+mn-cs"/>
+              </a:defRPr>
+            </a:lvl9pPr>
+          </a:lstStyle>
+          <a:p>
+            <a:pPr marL="0" indent="0">
+              <a:buFont typeface="Arial" panose="020B0604020202020204" pitchFamily="34" charset="0"/>
+              <a:buNone/>
+            </a:pPr>
+            <a:r>
+              <a:rPr lang="en-US" altLang="ko-KR" dirty="0"/>
+              <a:t>UI -&gt; </a:t>
+            </a:r>
+            <a:r>
+              <a:rPr lang="en-US" altLang="ko-KR" dirty="0" err="1"/>
+              <a:t>AnimationLeftCall</a:t>
+            </a:r>
+            <a:r>
+              <a:rPr lang="en-US" altLang="ko-KR" dirty="0"/>
+              <a:t>, </a:t>
+            </a:r>
+            <a:r>
+              <a:rPr lang="en-US" altLang="ko-KR" dirty="0" err="1"/>
+              <a:t>AnimationRightCall</a:t>
+            </a:r>
+            <a:endParaRPr lang="en-US" altLang="ko-KR" dirty="0"/>
+          </a:p>
+          <a:p>
+            <a:pPr marL="0" indent="0">
+              <a:buFont typeface="Arial" panose="020B0604020202020204" pitchFamily="34" charset="0"/>
+              <a:buNone/>
+            </a:pPr>
+            <a:r>
+              <a:rPr lang="en-US" altLang="ko-KR" dirty="0"/>
+              <a:t> </a:t>
+            </a:r>
+            <a:r>
+              <a:rPr lang="en-US" altLang="ko-KR" dirty="0" err="1"/>
+              <a:t>AnimationLeftCall</a:t>
+            </a:r>
+            <a:r>
+              <a:rPr lang="en-US" altLang="ko-KR" dirty="0"/>
+              <a:t> -&gt; </a:t>
+            </a:r>
+            <a:r>
+              <a:rPr lang="en-US" altLang="ko-KR" dirty="0" err="1"/>
+              <a:t>Make_Clothes_Image</a:t>
+            </a:r>
+            <a:endParaRPr lang="en-US" altLang="ko-KR" dirty="0"/>
+          </a:p>
+          <a:p>
+            <a:pPr marL="0" indent="0">
+              <a:buNone/>
+            </a:pPr>
+            <a:r>
+              <a:rPr lang="en-US" altLang="ko-KR" dirty="0"/>
+              <a:t> </a:t>
+            </a:r>
+            <a:r>
+              <a:rPr lang="en-US" altLang="ko-KR" dirty="0" err="1"/>
+              <a:t>AnimationRightCall</a:t>
+            </a:r>
+            <a:r>
+              <a:rPr lang="en-US" altLang="ko-KR" dirty="0"/>
+              <a:t> -&gt; </a:t>
+            </a:r>
+            <a:r>
+              <a:rPr lang="en-US" altLang="ko-KR" dirty="0" err="1"/>
+              <a:t>Make_Clothes_Image</a:t>
+            </a:r>
+            <a:endParaRPr lang="ko-KR" altLang="en-US" dirty="0"/>
+          </a:p>
+          <a:p>
+            <a:pPr marL="0" indent="0">
+              <a:buFont typeface="Arial" panose="020B0604020202020204" pitchFamily="34" charset="0"/>
+              <a:buNone/>
+            </a:pPr>
+            <a:endParaRPr lang="ko-KR" altLang="en-US" dirty="0"/>
+          </a:p>
+        </p:txBody>
+      </p:sp>
+    </p:spTree>
+    <p:extLst>
+      <p:ext uri="{BB962C8B-B14F-4D97-AF65-F5344CB8AC3E}">
+        <p14:creationId xmlns:p14="http://schemas.microsoft.com/office/powerpoint/2010/main" val="104444323"/>
+      </p:ext>
+    </p:extLst>
+  </p:cSld>
+  <p:clrMapOvr>
+    <a:masterClrMapping/>
+  </p:clrMapOvr>
+</p:sld>
+</file>
+
+<file path=ppt/slides/slide6.xml><?xml version="1.0" encoding="utf-8"?>
+<p:sld xmlns:a="http://schemas.openxmlformats.org/drawingml/2006/main" xmlns:r="http://schemas.openxmlformats.org/officeDocument/2006/relationships" xmlns:p="http://schemas.openxmlformats.org/presentationml/2006/main">
+  <p:cSld>
+    <p:spTree>
+      <p:nvGrpSpPr>
+        <p:cNvPr id="1" name=""/>
+        <p:cNvGrpSpPr/>
+        <p:nvPr/>
+      </p:nvGrpSpPr>
+      <p:grpSpPr>
+        <a:xfrm>
+          <a:off x="0" y="0"/>
+          <a:ext cx="0" cy="0"/>
+          <a:chOff x="0" y="0"/>
+          <a:chExt cx="0" cy="0"/>
+        </a:xfrm>
+      </p:grpSpPr>
+      <p:sp>
+        <p:nvSpPr>
+          <p:cNvPr id="2" name="제목 1">
+            <a:extLst>
+              <a:ext uri="{FF2B5EF4-FFF2-40B4-BE49-F238E27FC236}">
+                <a16:creationId xmlns:a16="http://schemas.microsoft.com/office/drawing/2014/main" id="{B380F201-AF1E-481E-B4F4-EBFF63E18498}"/>
+              </a:ext>
+            </a:extLst>
+          </p:cNvPr>
+          <p:cNvSpPr>
+            <a:spLocks noGrp="1"/>
+          </p:cNvSpPr>
+          <p:nvPr>
+            <p:ph type="title"/>
+          </p:nvPr>
+        </p:nvSpPr>
+        <p:spPr/>
+        <p:txBody>
+          <a:bodyPr/>
+          <a:lstStyle/>
+          <a:p>
+            <a:r>
+              <a:rPr lang="en-US" altLang="ko-KR" dirty="0"/>
+              <a:t>Clothes</a:t>
+            </a:r>
+            <a:endParaRPr lang="ko-KR" altLang="en-US" dirty="0"/>
+          </a:p>
+        </p:txBody>
+      </p:sp>
+      <p:sp>
+        <p:nvSpPr>
+          <p:cNvPr id="3" name="내용 개체 틀 2">
+            <a:extLst>
+              <a:ext uri="{FF2B5EF4-FFF2-40B4-BE49-F238E27FC236}">
+                <a16:creationId xmlns:a16="http://schemas.microsoft.com/office/drawing/2014/main" id="{A280A6BB-940A-49C6-A73D-2A9F5AF3C2EE}"/>
+              </a:ext>
+            </a:extLst>
+          </p:cNvPr>
+          <p:cNvSpPr>
+            <a:spLocks noGrp="1"/>
+          </p:cNvSpPr>
+          <p:nvPr>
+            <p:ph idx="1"/>
+          </p:nvPr>
+        </p:nvSpPr>
+        <p:spPr/>
+        <p:txBody>
+          <a:bodyPr/>
+          <a:lstStyle/>
+          <a:p>
+            <a:r>
+              <a:rPr lang="en-US" altLang="ko-KR" dirty="0"/>
+              <a:t>Clothes</a:t>
+            </a:r>
+            <a:r>
+              <a:rPr lang="ko-KR" altLang="en-US" dirty="0"/>
+              <a:t>는 옷 이미지 데이터들을 저장한 배열이다</a:t>
+            </a:r>
+            <a:r>
+              <a:rPr lang="en-US" altLang="ko-KR" dirty="0"/>
+              <a:t>.</a:t>
+            </a:r>
+            <a:endParaRPr lang="ko-KR" altLang="en-US" dirty="0"/>
+          </a:p>
+        </p:txBody>
+      </p:sp>
+    </p:spTree>
+    <p:extLst>
+      <p:ext uri="{BB962C8B-B14F-4D97-AF65-F5344CB8AC3E}">
+        <p14:creationId xmlns:p14="http://schemas.microsoft.com/office/powerpoint/2010/main" val="1048916935"/>
+      </p:ext>
+    </p:extLst>
+  </p:cSld>
+  <p:clrMapOvr>
+    <a:masterClrMapping/>
+  </p:clrMapOvr>
+</p:sld>
+</file>
+
+<file path=ppt/slides/slide7.xml><?xml version="1.0" encoding="utf-8"?>
+<p:sld xmlns:a="http://schemas.openxmlformats.org/drawingml/2006/main" xmlns:r="http://schemas.openxmlformats.org/officeDocument/2006/relationships" xmlns:p="http://schemas.openxmlformats.org/presentationml/2006/main">
+  <p:cSld>
+    <p:spTree>
+      <p:nvGrpSpPr>
+        <p:cNvPr id="1" name=""/>
+        <p:cNvGrpSpPr/>
+        <p:nvPr/>
+      </p:nvGrpSpPr>
+      <p:grpSpPr>
+        <a:xfrm>
+          <a:off x="0" y="0"/>
+          <a:ext cx="0" cy="0"/>
+          <a:chOff x="0" y="0"/>
+          <a:chExt cx="0" cy="0"/>
+        </a:xfrm>
+      </p:grpSpPr>
+      <p:sp>
+        <p:nvSpPr>
           <p:cNvPr id="18" name="순서도: 처리 17">
             <a:extLst>
               <a:ext uri="{FF2B5EF4-FFF2-40B4-BE49-F238E27FC236}">
@@ -7612,7 +13083,7 @@
 </p:sld>
 </file>
 
-<file path=ppt/slides/slide4.xml><?xml version="1.0" encoding="utf-8"?>
+<file path=ppt/slides/slide8.xml><?xml version="1.0" encoding="utf-8"?>
 <p:sld xmlns:a="http://schemas.openxmlformats.org/drawingml/2006/main" xmlns:r="http://schemas.openxmlformats.org/officeDocument/2006/relationships" xmlns:p="http://schemas.openxmlformats.org/presentationml/2006/main">
   <p:cSld>
     <p:spTree>
@@ -8179,2091 +13650,6 @@
 </p:sld>
 </file>
 
-<file path=ppt/slides/slide5.xml><?xml version="1.0" encoding="utf-8"?>
-<p:sld xmlns:a="http://schemas.openxmlformats.org/drawingml/2006/main" xmlns:r="http://schemas.openxmlformats.org/officeDocument/2006/relationships" xmlns:p="http://schemas.openxmlformats.org/presentationml/2006/main">
-  <p:cSld>
-    <p:spTree>
-      <p:nvGrpSpPr>
-        <p:cNvPr id="1" name=""/>
-        <p:cNvGrpSpPr/>
-        <p:nvPr/>
-      </p:nvGrpSpPr>
-      <p:grpSpPr>
-        <a:xfrm>
-          <a:off x="0" y="0"/>
-          <a:ext cx="0" cy="0"/>
-          <a:chOff x="0" y="0"/>
-          <a:chExt cx="0" cy="0"/>
-        </a:xfrm>
-      </p:grpSpPr>
-      <p:sp>
-        <p:nvSpPr>
-          <p:cNvPr id="2" name="제목 1">
-            <a:extLst>
-              <a:ext uri="{FF2B5EF4-FFF2-40B4-BE49-F238E27FC236}">
-                <a16:creationId xmlns:a16="http://schemas.microsoft.com/office/drawing/2014/main" id="{B0497BC4-A30D-4F53-AAD3-9B51EBF97CAB}"/>
-              </a:ext>
-            </a:extLst>
-          </p:cNvPr>
-          <p:cNvSpPr>
-            <a:spLocks noGrp="1"/>
-          </p:cNvSpPr>
-          <p:nvPr>
-            <p:ph type="title"/>
-          </p:nvPr>
-        </p:nvSpPr>
-        <p:spPr/>
-        <p:txBody>
-          <a:bodyPr/>
-          <a:lstStyle/>
-          <a:p>
-            <a:r>
-              <a:rPr lang="ko-KR" altLang="en-US" dirty="0"/>
-              <a:t>초기화면 </a:t>
-            </a:r>
-            <a:r>
-              <a:rPr lang="en-US" altLang="ko-KR" dirty="0"/>
-              <a:t>2</a:t>
-            </a:r>
-            <a:endParaRPr lang="ko-KR" altLang="en-US" dirty="0"/>
-          </a:p>
-        </p:txBody>
-      </p:sp>
-      <p:pic>
-        <p:nvPicPr>
-          <p:cNvPr id="4" name="내용 개체 틀 3">
-            <a:extLst>
-              <a:ext uri="{FF2B5EF4-FFF2-40B4-BE49-F238E27FC236}">
-                <a16:creationId xmlns:a16="http://schemas.microsoft.com/office/drawing/2014/main" id="{1FE717B5-C397-4D21-BBF9-00CDBF9C50B6}"/>
-              </a:ext>
-            </a:extLst>
-          </p:cNvPr>
-          <p:cNvPicPr>
-            <a:picLocks noGrp="1" noChangeAspect="1"/>
-          </p:cNvPicPr>
-          <p:nvPr>
-            <p:ph idx="1"/>
-          </p:nvPr>
-        </p:nvPicPr>
-        <p:blipFill>
-          <a:blip r:embed="rId2"/>
-          <a:stretch>
-            <a:fillRect/>
-          </a:stretch>
-        </p:blipFill>
-        <p:spPr>
-          <a:xfrm>
-            <a:off x="838200" y="1690688"/>
-            <a:ext cx="4894707" cy="4351338"/>
-          </a:xfrm>
-          <a:prstGeom prst="rect">
-            <a:avLst/>
-          </a:prstGeom>
-        </p:spPr>
-      </p:pic>
-      <p:sp>
-        <p:nvSpPr>
-          <p:cNvPr id="5" name="직사각형 4">
-            <a:extLst>
-              <a:ext uri="{FF2B5EF4-FFF2-40B4-BE49-F238E27FC236}">
-                <a16:creationId xmlns:a16="http://schemas.microsoft.com/office/drawing/2014/main" id="{2A399D5F-01B0-4F20-BEA7-D16EBAB26132}"/>
-              </a:ext>
-            </a:extLst>
-          </p:cNvPr>
-          <p:cNvSpPr/>
-          <p:nvPr/>
-        </p:nvSpPr>
-        <p:spPr>
-          <a:xfrm>
-            <a:off x="933450" y="1800225"/>
-            <a:ext cx="904875" cy="352425"/>
-          </a:xfrm>
-          <a:prstGeom prst="rect">
-            <a:avLst/>
-          </a:prstGeom>
-        </p:spPr>
-        <p:style>
-          <a:lnRef idx="2">
-            <a:schemeClr val="accent1">
-              <a:shade val="50000"/>
-            </a:schemeClr>
-          </a:lnRef>
-          <a:fillRef idx="1">
-            <a:schemeClr val="accent1"/>
-          </a:fillRef>
-          <a:effectRef idx="0">
-            <a:schemeClr val="accent1"/>
-          </a:effectRef>
-          <a:fontRef idx="minor">
-            <a:schemeClr val="lt1"/>
-          </a:fontRef>
-        </p:style>
-        <p:txBody>
-          <a:bodyPr rtlCol="0" anchor="ctr"/>
-          <a:lstStyle/>
-          <a:p>
-            <a:pPr algn="ctr"/>
-            <a:r>
-              <a:rPr lang="en-US" altLang="ko-KR" dirty="0"/>
-              <a:t>T-</a:t>
-            </a:r>
-            <a:r>
-              <a:rPr lang="en-US" altLang="ko-KR" dirty="0" err="1"/>
-              <a:t>shrit</a:t>
-            </a:r>
-            <a:endParaRPr lang="ko-KR" altLang="en-US" dirty="0"/>
-          </a:p>
-        </p:txBody>
-      </p:sp>
-      <p:sp>
-        <p:nvSpPr>
-          <p:cNvPr id="6" name="직사각형 5">
-            <a:extLst>
-              <a:ext uri="{FF2B5EF4-FFF2-40B4-BE49-F238E27FC236}">
-                <a16:creationId xmlns:a16="http://schemas.microsoft.com/office/drawing/2014/main" id="{4355B051-452D-4CF3-A855-0A9016B26D01}"/>
-              </a:ext>
-            </a:extLst>
-          </p:cNvPr>
-          <p:cNvSpPr/>
-          <p:nvPr/>
-        </p:nvSpPr>
-        <p:spPr>
-          <a:xfrm>
-            <a:off x="4438650" y="2505075"/>
-            <a:ext cx="914400" cy="511176"/>
-          </a:xfrm>
-          <a:prstGeom prst="rect">
-            <a:avLst/>
-          </a:prstGeom>
-        </p:spPr>
-        <p:style>
-          <a:lnRef idx="2">
-            <a:schemeClr val="accent1">
-              <a:shade val="50000"/>
-            </a:schemeClr>
-          </a:lnRef>
-          <a:fillRef idx="1">
-            <a:schemeClr val="accent1"/>
-          </a:fillRef>
-          <a:effectRef idx="0">
-            <a:schemeClr val="accent1"/>
-          </a:effectRef>
-          <a:fontRef idx="minor">
-            <a:schemeClr val="lt1"/>
-          </a:fontRef>
-        </p:style>
-        <p:txBody>
-          <a:bodyPr rtlCol="0" anchor="ctr"/>
-          <a:lstStyle/>
-          <a:p>
-            <a:pPr algn="ctr"/>
-            <a:r>
-              <a:rPr lang="ko-KR" altLang="en-US" dirty="0"/>
-              <a:t>추천</a:t>
-            </a:r>
-          </a:p>
-        </p:txBody>
-      </p:sp>
-      <p:sp>
-        <p:nvSpPr>
-          <p:cNvPr id="7" name="직사각형 6">
-            <a:extLst>
-              <a:ext uri="{FF2B5EF4-FFF2-40B4-BE49-F238E27FC236}">
-                <a16:creationId xmlns:a16="http://schemas.microsoft.com/office/drawing/2014/main" id="{9A487E40-8904-4F36-ACDC-87A5C8C3C1AA}"/>
-              </a:ext>
-            </a:extLst>
-          </p:cNvPr>
-          <p:cNvSpPr/>
-          <p:nvPr/>
-        </p:nvSpPr>
-        <p:spPr>
-          <a:xfrm>
-            <a:off x="4438650" y="3319462"/>
-            <a:ext cx="914400" cy="511176"/>
-          </a:xfrm>
-          <a:prstGeom prst="rect">
-            <a:avLst/>
-          </a:prstGeom>
-        </p:spPr>
-        <p:style>
-          <a:lnRef idx="2">
-            <a:schemeClr val="accent1">
-              <a:shade val="50000"/>
-            </a:schemeClr>
-          </a:lnRef>
-          <a:fillRef idx="1">
-            <a:schemeClr val="accent1"/>
-          </a:fillRef>
-          <a:effectRef idx="0">
-            <a:schemeClr val="accent1"/>
-          </a:effectRef>
-          <a:fontRef idx="minor">
-            <a:schemeClr val="lt1"/>
-          </a:fontRef>
-        </p:style>
-        <p:txBody>
-          <a:bodyPr rtlCol="0" anchor="ctr"/>
-          <a:lstStyle/>
-          <a:p>
-            <a:pPr algn="ctr"/>
-            <a:r>
-              <a:rPr lang="ko-KR" altLang="en-US" dirty="0"/>
-              <a:t>목록</a:t>
-            </a:r>
-          </a:p>
-        </p:txBody>
-      </p:sp>
-      <p:sp>
-        <p:nvSpPr>
-          <p:cNvPr id="8" name="TextBox 7">
-            <a:extLst>
-              <a:ext uri="{FF2B5EF4-FFF2-40B4-BE49-F238E27FC236}">
-                <a16:creationId xmlns:a16="http://schemas.microsoft.com/office/drawing/2014/main" id="{63E8E266-182F-4435-8EF5-DDB6533D26C4}"/>
-              </a:ext>
-            </a:extLst>
-          </p:cNvPr>
-          <p:cNvSpPr txBox="1"/>
-          <p:nvPr/>
-        </p:nvSpPr>
-        <p:spPr>
-          <a:xfrm>
-            <a:off x="6459095" y="2551113"/>
-            <a:ext cx="3594254" cy="2031325"/>
-          </a:xfrm>
-          <a:prstGeom prst="rect">
-            <a:avLst/>
-          </a:prstGeom>
-          <a:noFill/>
-        </p:spPr>
-        <p:txBody>
-          <a:bodyPr wrap="none" rtlCol="0">
-            <a:spAutoFit/>
-          </a:bodyPr>
-          <a:lstStyle/>
-          <a:p>
-            <a:r>
-              <a:rPr lang="ko-KR" altLang="en-US" dirty="0"/>
-              <a:t>추천 클릭 시 추천 화면으로 이동</a:t>
-            </a:r>
-            <a:endParaRPr lang="en-US" altLang="ko-KR" dirty="0"/>
-          </a:p>
-          <a:p>
-            <a:endParaRPr lang="en-US" altLang="ko-KR" dirty="0"/>
-          </a:p>
-          <a:p>
-            <a:endParaRPr lang="en-US" altLang="ko-KR" dirty="0"/>
-          </a:p>
-          <a:p>
-            <a:r>
-              <a:rPr lang="ko-KR" altLang="en-US" dirty="0"/>
-              <a:t>목록 클릭 시 목록 화면으로 이동</a:t>
-            </a:r>
-            <a:endParaRPr lang="en-US" altLang="ko-KR" dirty="0"/>
-          </a:p>
-          <a:p>
-            <a:endParaRPr lang="en-US" altLang="ko-KR" dirty="0"/>
-          </a:p>
-          <a:p>
-            <a:endParaRPr lang="en-US" altLang="ko-KR" dirty="0"/>
-          </a:p>
-          <a:p>
-            <a:r>
-              <a:rPr lang="ko-KR" altLang="en-US" dirty="0"/>
-              <a:t>뒤로 클릭 시 초기화면 </a:t>
-            </a:r>
-            <a:r>
-              <a:rPr lang="en-US" altLang="ko-KR" dirty="0"/>
-              <a:t>1</a:t>
-            </a:r>
-            <a:r>
-              <a:rPr lang="ko-KR" altLang="en-US" dirty="0"/>
-              <a:t>로 이동</a:t>
-            </a:r>
-          </a:p>
-        </p:txBody>
-      </p:sp>
-      <p:sp>
-        <p:nvSpPr>
-          <p:cNvPr id="10" name="직사각형 9">
-            <a:extLst>
-              <a:ext uri="{FF2B5EF4-FFF2-40B4-BE49-F238E27FC236}">
-                <a16:creationId xmlns:a16="http://schemas.microsoft.com/office/drawing/2014/main" id="{67167894-2ACE-4D2F-97E4-F2320D033EEE}"/>
-              </a:ext>
-            </a:extLst>
-          </p:cNvPr>
-          <p:cNvSpPr/>
-          <p:nvPr/>
-        </p:nvSpPr>
-        <p:spPr>
-          <a:xfrm>
-            <a:off x="4438650" y="4133849"/>
-            <a:ext cx="914400" cy="511176"/>
-          </a:xfrm>
-          <a:prstGeom prst="rect">
-            <a:avLst/>
-          </a:prstGeom>
-        </p:spPr>
-        <p:style>
-          <a:lnRef idx="2">
-            <a:schemeClr val="accent1">
-              <a:shade val="50000"/>
-            </a:schemeClr>
-          </a:lnRef>
-          <a:fillRef idx="1">
-            <a:schemeClr val="accent1"/>
-          </a:fillRef>
-          <a:effectRef idx="0">
-            <a:schemeClr val="accent1"/>
-          </a:effectRef>
-          <a:fontRef idx="minor">
-            <a:schemeClr val="lt1"/>
-          </a:fontRef>
-        </p:style>
-        <p:txBody>
-          <a:bodyPr rtlCol="0" anchor="ctr"/>
-          <a:lstStyle/>
-          <a:p>
-            <a:pPr algn="ctr"/>
-            <a:r>
-              <a:rPr lang="ko-KR" altLang="en-US" dirty="0"/>
-              <a:t>뒤로</a:t>
-            </a:r>
-          </a:p>
-        </p:txBody>
-      </p:sp>
-      <p:sp>
-        <p:nvSpPr>
-          <p:cNvPr id="11" name="TextBox 10">
-            <a:extLst>
-              <a:ext uri="{FF2B5EF4-FFF2-40B4-BE49-F238E27FC236}">
-                <a16:creationId xmlns:a16="http://schemas.microsoft.com/office/drawing/2014/main" id="{BD46B30C-E848-423C-AA38-62346A38FD1C}"/>
-              </a:ext>
-            </a:extLst>
-          </p:cNvPr>
-          <p:cNvSpPr txBox="1"/>
-          <p:nvPr/>
-        </p:nvSpPr>
-        <p:spPr>
-          <a:xfrm>
-            <a:off x="6459095" y="1783318"/>
-            <a:ext cx="3512500" cy="369332"/>
-          </a:xfrm>
-          <a:prstGeom prst="rect">
-            <a:avLst/>
-          </a:prstGeom>
-          <a:noFill/>
-        </p:spPr>
-        <p:txBody>
-          <a:bodyPr wrap="none" rtlCol="0">
-            <a:spAutoFit/>
-          </a:bodyPr>
-          <a:lstStyle/>
-          <a:p>
-            <a:r>
-              <a:rPr lang="ko-KR" altLang="en-US" dirty="0"/>
-              <a:t>어떤 옷 종류를 클릭했는지 표시</a:t>
-            </a:r>
-          </a:p>
-        </p:txBody>
-      </p:sp>
-    </p:spTree>
-    <p:extLst>
-      <p:ext uri="{BB962C8B-B14F-4D97-AF65-F5344CB8AC3E}">
-        <p14:creationId xmlns:p14="http://schemas.microsoft.com/office/powerpoint/2010/main" val="4059620248"/>
-      </p:ext>
-    </p:extLst>
-  </p:cSld>
-  <p:clrMapOvr>
-    <a:masterClrMapping/>
-  </p:clrMapOvr>
-</p:sld>
-</file>
-
-<file path=ppt/slides/slide6.xml><?xml version="1.0" encoding="utf-8"?>
-<p:sld xmlns:a="http://schemas.openxmlformats.org/drawingml/2006/main" xmlns:r="http://schemas.openxmlformats.org/officeDocument/2006/relationships" xmlns:p="http://schemas.openxmlformats.org/presentationml/2006/main">
-  <p:cSld>
-    <p:spTree>
-      <p:nvGrpSpPr>
-        <p:cNvPr id="1" name=""/>
-        <p:cNvGrpSpPr/>
-        <p:nvPr/>
-      </p:nvGrpSpPr>
-      <p:grpSpPr>
-        <a:xfrm>
-          <a:off x="0" y="0"/>
-          <a:ext cx="0" cy="0"/>
-          <a:chOff x="0" y="0"/>
-          <a:chExt cx="0" cy="0"/>
-        </a:xfrm>
-      </p:grpSpPr>
-      <p:sp>
-        <p:nvSpPr>
-          <p:cNvPr id="2" name="제목 1">
-            <a:extLst>
-              <a:ext uri="{FF2B5EF4-FFF2-40B4-BE49-F238E27FC236}">
-                <a16:creationId xmlns:a16="http://schemas.microsoft.com/office/drawing/2014/main" id="{B04E45A7-D351-48AD-880F-200B6627552D}"/>
-              </a:ext>
-            </a:extLst>
-          </p:cNvPr>
-          <p:cNvSpPr>
-            <a:spLocks noGrp="1"/>
-          </p:cNvSpPr>
-          <p:nvPr>
-            <p:ph type="title"/>
-          </p:nvPr>
-        </p:nvSpPr>
-        <p:spPr/>
-        <p:txBody>
-          <a:bodyPr/>
-          <a:lstStyle/>
-          <a:p>
-            <a:r>
-              <a:rPr lang="ko-KR" altLang="en-US" dirty="0"/>
-              <a:t>추천화면</a:t>
-            </a:r>
-          </a:p>
-        </p:txBody>
-      </p:sp>
-      <p:pic>
-        <p:nvPicPr>
-          <p:cNvPr id="4" name="내용 개체 틀 3">
-            <a:extLst>
-              <a:ext uri="{FF2B5EF4-FFF2-40B4-BE49-F238E27FC236}">
-                <a16:creationId xmlns:a16="http://schemas.microsoft.com/office/drawing/2014/main" id="{3912487D-4762-4AD2-9264-BB76B79BD7F4}"/>
-              </a:ext>
-            </a:extLst>
-          </p:cNvPr>
-          <p:cNvPicPr>
-            <a:picLocks noGrp="1" noChangeAspect="1"/>
-          </p:cNvPicPr>
-          <p:nvPr>
-            <p:ph idx="1"/>
-          </p:nvPr>
-        </p:nvPicPr>
-        <p:blipFill>
-          <a:blip r:embed="rId2"/>
-          <a:stretch>
-            <a:fillRect/>
-          </a:stretch>
-        </p:blipFill>
-        <p:spPr>
-          <a:xfrm>
-            <a:off x="838200" y="1690688"/>
-            <a:ext cx="4894707" cy="4351338"/>
-          </a:xfrm>
-          <a:prstGeom prst="rect">
-            <a:avLst/>
-          </a:prstGeom>
-        </p:spPr>
-      </p:pic>
-      <p:pic>
-        <p:nvPicPr>
-          <p:cNvPr id="5" name="그림 4">
-            <a:extLst>
-              <a:ext uri="{FF2B5EF4-FFF2-40B4-BE49-F238E27FC236}">
-                <a16:creationId xmlns:a16="http://schemas.microsoft.com/office/drawing/2014/main" id="{23E5B027-2DAC-4E0C-BD5D-393D71219AD9}"/>
-              </a:ext>
-            </a:extLst>
-          </p:cNvPr>
-          <p:cNvPicPr>
-            <a:picLocks noChangeAspect="1"/>
-          </p:cNvPicPr>
-          <p:nvPr/>
-        </p:nvPicPr>
-        <p:blipFill>
-          <a:blip r:embed="rId3"/>
-          <a:stretch>
-            <a:fillRect/>
-          </a:stretch>
-        </p:blipFill>
-        <p:spPr>
-          <a:xfrm>
-            <a:off x="4351955" y="2443163"/>
-            <a:ext cx="1380952" cy="2428571"/>
-          </a:xfrm>
-          <a:prstGeom prst="rect">
-            <a:avLst/>
-          </a:prstGeom>
-        </p:spPr>
-      </p:pic>
-      <p:sp>
-        <p:nvSpPr>
-          <p:cNvPr id="6" name="직사각형 5">
-            <a:extLst>
-              <a:ext uri="{FF2B5EF4-FFF2-40B4-BE49-F238E27FC236}">
-                <a16:creationId xmlns:a16="http://schemas.microsoft.com/office/drawing/2014/main" id="{E233E353-9391-46C0-A53C-004D829D9F65}"/>
-              </a:ext>
-            </a:extLst>
-          </p:cNvPr>
-          <p:cNvSpPr/>
-          <p:nvPr/>
-        </p:nvSpPr>
-        <p:spPr>
-          <a:xfrm>
-            <a:off x="1114425" y="2682874"/>
-            <a:ext cx="1057275" cy="590550"/>
-          </a:xfrm>
-          <a:prstGeom prst="rect">
-            <a:avLst/>
-          </a:prstGeom>
-        </p:spPr>
-        <p:style>
-          <a:lnRef idx="2">
-            <a:schemeClr val="accent1">
-              <a:shade val="50000"/>
-            </a:schemeClr>
-          </a:lnRef>
-          <a:fillRef idx="1">
-            <a:schemeClr val="accent1"/>
-          </a:fillRef>
-          <a:effectRef idx="0">
-            <a:schemeClr val="accent1"/>
-          </a:effectRef>
-          <a:fontRef idx="minor">
-            <a:schemeClr val="lt1"/>
-          </a:fontRef>
-        </p:style>
-        <p:txBody>
-          <a:bodyPr rtlCol="0" anchor="ctr"/>
-          <a:lstStyle/>
-          <a:p>
-            <a:pPr algn="ctr"/>
-            <a:r>
-              <a:rPr lang="ko-KR" altLang="en-US"/>
-              <a:t>착용</a:t>
-            </a:r>
-          </a:p>
-        </p:txBody>
-      </p:sp>
-      <p:sp>
-        <p:nvSpPr>
-          <p:cNvPr id="7" name="직사각형 6">
-            <a:extLst>
-              <a:ext uri="{FF2B5EF4-FFF2-40B4-BE49-F238E27FC236}">
-                <a16:creationId xmlns:a16="http://schemas.microsoft.com/office/drawing/2014/main" id="{CC0DEA45-42E9-4178-ACF7-8FF3A960C2AC}"/>
-              </a:ext>
-            </a:extLst>
-          </p:cNvPr>
-          <p:cNvSpPr/>
-          <p:nvPr/>
-        </p:nvSpPr>
-        <p:spPr>
-          <a:xfrm>
-            <a:off x="1114425" y="4362450"/>
-            <a:ext cx="1057275" cy="590550"/>
-          </a:xfrm>
-          <a:prstGeom prst="rect">
-            <a:avLst/>
-          </a:prstGeom>
-        </p:spPr>
-        <p:style>
-          <a:lnRef idx="2">
-            <a:schemeClr val="accent1">
-              <a:shade val="50000"/>
-            </a:schemeClr>
-          </a:lnRef>
-          <a:fillRef idx="1">
-            <a:schemeClr val="accent1"/>
-          </a:fillRef>
-          <a:effectRef idx="0">
-            <a:schemeClr val="accent1"/>
-          </a:effectRef>
-          <a:fontRef idx="minor">
-            <a:schemeClr val="lt1"/>
-          </a:fontRef>
-        </p:style>
-        <p:txBody>
-          <a:bodyPr rtlCol="0" anchor="ctr"/>
-          <a:lstStyle/>
-          <a:p>
-            <a:pPr algn="ctr"/>
-            <a:r>
-              <a:rPr lang="ko-KR" altLang="en-US" dirty="0"/>
-              <a:t>뒤로</a:t>
-            </a:r>
-          </a:p>
-        </p:txBody>
-      </p:sp>
-      <p:sp>
-        <p:nvSpPr>
-          <p:cNvPr id="8" name="직사각형 7">
-            <a:extLst>
-              <a:ext uri="{FF2B5EF4-FFF2-40B4-BE49-F238E27FC236}">
-                <a16:creationId xmlns:a16="http://schemas.microsoft.com/office/drawing/2014/main" id="{0A392887-527F-4A59-AB25-93786BE92509}"/>
-              </a:ext>
-            </a:extLst>
-          </p:cNvPr>
-          <p:cNvSpPr/>
-          <p:nvPr/>
-        </p:nvSpPr>
-        <p:spPr>
-          <a:xfrm>
-            <a:off x="1114425" y="3522662"/>
-            <a:ext cx="1057275" cy="590550"/>
-          </a:xfrm>
-          <a:prstGeom prst="rect">
-            <a:avLst/>
-          </a:prstGeom>
-        </p:spPr>
-        <p:style>
-          <a:lnRef idx="2">
-            <a:schemeClr val="accent1">
-              <a:shade val="50000"/>
-            </a:schemeClr>
-          </a:lnRef>
-          <a:fillRef idx="1">
-            <a:schemeClr val="accent1"/>
-          </a:fillRef>
-          <a:effectRef idx="0">
-            <a:schemeClr val="accent1"/>
-          </a:effectRef>
-          <a:fontRef idx="minor">
-            <a:schemeClr val="lt1"/>
-          </a:fontRef>
-        </p:style>
-        <p:txBody>
-          <a:bodyPr rtlCol="0" anchor="ctr"/>
-          <a:lstStyle/>
-          <a:p>
-            <a:pPr algn="ctr"/>
-            <a:r>
-              <a:rPr lang="ko-KR" altLang="en-US" dirty="0"/>
-              <a:t>다음</a:t>
-            </a:r>
-          </a:p>
-        </p:txBody>
-      </p:sp>
-      <p:sp>
-        <p:nvSpPr>
-          <p:cNvPr id="3" name="TextBox 2">
-            <a:extLst>
-              <a:ext uri="{FF2B5EF4-FFF2-40B4-BE49-F238E27FC236}">
-                <a16:creationId xmlns:a16="http://schemas.microsoft.com/office/drawing/2014/main" id="{CB9EC69E-7152-4308-B931-320EC17F22E7}"/>
-              </a:ext>
-            </a:extLst>
-          </p:cNvPr>
-          <p:cNvSpPr txBox="1"/>
-          <p:nvPr/>
-        </p:nvSpPr>
-        <p:spPr>
-          <a:xfrm>
-            <a:off x="6267450" y="1914525"/>
-            <a:ext cx="5522666" cy="2308324"/>
-          </a:xfrm>
-          <a:prstGeom prst="rect">
-            <a:avLst/>
-          </a:prstGeom>
-          <a:noFill/>
-        </p:spPr>
-        <p:txBody>
-          <a:bodyPr wrap="none" rtlCol="0">
-            <a:spAutoFit/>
-          </a:bodyPr>
-          <a:lstStyle/>
-          <a:p>
-            <a:r>
-              <a:rPr lang="ko-KR" altLang="en-US" dirty="0"/>
-              <a:t>옷의 정보를 화면 오른쪽에 띄워준다</a:t>
-            </a:r>
-            <a:endParaRPr lang="en-US" altLang="ko-KR" dirty="0"/>
-          </a:p>
-          <a:p>
-            <a:endParaRPr lang="en-US" altLang="ko-KR" dirty="0"/>
-          </a:p>
-          <a:p>
-            <a:r>
-              <a:rPr lang="ko-KR" altLang="en-US" dirty="0"/>
-              <a:t>보고 괜찮으면 착용을 클릭하여 오버레이 화면으로 </a:t>
-            </a:r>
-            <a:endParaRPr lang="en-US" altLang="ko-KR" dirty="0"/>
-          </a:p>
-          <a:p>
-            <a:r>
-              <a:rPr lang="ko-KR" altLang="en-US" dirty="0"/>
-              <a:t>넘어간다</a:t>
-            </a:r>
-            <a:endParaRPr lang="en-US" altLang="ko-KR" dirty="0"/>
-          </a:p>
-          <a:p>
-            <a:endParaRPr lang="en-US" altLang="ko-KR" dirty="0"/>
-          </a:p>
-          <a:p>
-            <a:r>
-              <a:rPr lang="ko-KR" altLang="en-US" dirty="0"/>
-              <a:t>다른 추천을 보고 싶으면 다음을 클릭한다</a:t>
-            </a:r>
-            <a:endParaRPr lang="en-US" altLang="ko-KR" dirty="0"/>
-          </a:p>
-          <a:p>
-            <a:endParaRPr lang="en-US" altLang="ko-KR" dirty="0"/>
-          </a:p>
-          <a:p>
-            <a:r>
-              <a:rPr lang="ko-KR" altLang="en-US" dirty="0"/>
-              <a:t>이전 화면으로 돌아가고 싶으면 </a:t>
-            </a:r>
-            <a:r>
-              <a:rPr lang="ko-KR" altLang="en-US" dirty="0" err="1"/>
-              <a:t>뒤로를</a:t>
-            </a:r>
-            <a:r>
-              <a:rPr lang="ko-KR" altLang="en-US" dirty="0"/>
-              <a:t> 클릭한다</a:t>
-            </a:r>
-          </a:p>
-        </p:txBody>
-      </p:sp>
-    </p:spTree>
-    <p:extLst>
-      <p:ext uri="{BB962C8B-B14F-4D97-AF65-F5344CB8AC3E}">
-        <p14:creationId xmlns:p14="http://schemas.microsoft.com/office/powerpoint/2010/main" val="455297187"/>
-      </p:ext>
-    </p:extLst>
-  </p:cSld>
-  <p:clrMapOvr>
-    <a:masterClrMapping/>
-  </p:clrMapOvr>
-</p:sld>
-</file>
-
-<file path=ppt/slides/slide7.xml><?xml version="1.0" encoding="utf-8"?>
-<p:sld xmlns:a="http://schemas.openxmlformats.org/drawingml/2006/main" xmlns:r="http://schemas.openxmlformats.org/officeDocument/2006/relationships" xmlns:p="http://schemas.openxmlformats.org/presentationml/2006/main">
-  <p:cSld>
-    <p:spTree>
-      <p:nvGrpSpPr>
-        <p:cNvPr id="1" name=""/>
-        <p:cNvGrpSpPr/>
-        <p:nvPr/>
-      </p:nvGrpSpPr>
-      <p:grpSpPr>
-        <a:xfrm>
-          <a:off x="0" y="0"/>
-          <a:ext cx="0" cy="0"/>
-          <a:chOff x="0" y="0"/>
-          <a:chExt cx="0" cy="0"/>
-        </a:xfrm>
-      </p:grpSpPr>
-      <p:sp>
-        <p:nvSpPr>
-          <p:cNvPr id="2" name="제목 1">
-            <a:extLst>
-              <a:ext uri="{FF2B5EF4-FFF2-40B4-BE49-F238E27FC236}">
-                <a16:creationId xmlns:a16="http://schemas.microsoft.com/office/drawing/2014/main" id="{EB5F4D01-9872-49D1-81E1-648F5588808B}"/>
-              </a:ext>
-            </a:extLst>
-          </p:cNvPr>
-          <p:cNvSpPr>
-            <a:spLocks noGrp="1"/>
-          </p:cNvSpPr>
-          <p:nvPr>
-            <p:ph type="title"/>
-          </p:nvPr>
-        </p:nvSpPr>
-        <p:spPr/>
-        <p:txBody>
-          <a:bodyPr/>
-          <a:lstStyle/>
-          <a:p>
-            <a:r>
-              <a:rPr lang="ko-KR" altLang="en-US" dirty="0"/>
-              <a:t>목록화면</a:t>
-            </a:r>
-            <a:r>
-              <a:rPr lang="en-US" altLang="ko-KR" dirty="0"/>
-              <a:t>(1)</a:t>
-            </a:r>
-            <a:endParaRPr lang="ko-KR" altLang="en-US" dirty="0"/>
-          </a:p>
-        </p:txBody>
-      </p:sp>
-      <p:pic>
-        <p:nvPicPr>
-          <p:cNvPr id="5" name="내용 개체 틀 3">
-            <a:extLst>
-              <a:ext uri="{FF2B5EF4-FFF2-40B4-BE49-F238E27FC236}">
-                <a16:creationId xmlns:a16="http://schemas.microsoft.com/office/drawing/2014/main" id="{DD87A239-C3E0-46B6-BDDD-A59B295952BE}"/>
-              </a:ext>
-            </a:extLst>
-          </p:cNvPr>
-          <p:cNvPicPr>
-            <a:picLocks noGrp="1" noChangeAspect="1"/>
-          </p:cNvPicPr>
-          <p:nvPr>
-            <p:ph idx="1"/>
-          </p:nvPr>
-        </p:nvPicPr>
-        <p:blipFill>
-          <a:blip r:embed="rId2"/>
-          <a:stretch>
-            <a:fillRect/>
-          </a:stretch>
-        </p:blipFill>
-        <p:spPr>
-          <a:xfrm>
-            <a:off x="838200" y="1690688"/>
-            <a:ext cx="4894707" cy="4351338"/>
-          </a:xfrm>
-          <a:prstGeom prst="rect">
-            <a:avLst/>
-          </a:prstGeom>
-        </p:spPr>
-      </p:pic>
-      <p:sp>
-        <p:nvSpPr>
-          <p:cNvPr id="12" name="직사각형 11">
-            <a:extLst>
-              <a:ext uri="{FF2B5EF4-FFF2-40B4-BE49-F238E27FC236}">
-                <a16:creationId xmlns:a16="http://schemas.microsoft.com/office/drawing/2014/main" id="{9E739080-653D-4A24-AF53-A669BBA776A5}"/>
-              </a:ext>
-            </a:extLst>
-          </p:cNvPr>
-          <p:cNvSpPr/>
-          <p:nvPr/>
-        </p:nvSpPr>
-        <p:spPr>
-          <a:xfrm>
-            <a:off x="2245009" y="1881506"/>
-            <a:ext cx="1273988" cy="1336040"/>
-          </a:xfrm>
-          <a:prstGeom prst="rect">
-            <a:avLst/>
-          </a:prstGeom>
-          <a:blipFill dpi="0" rotWithShape="1">
-            <a:blip r:embed="rId3">
-              <a:alphaModFix amt="70000"/>
-            </a:blip>
-            <a:srcRect/>
-            <a:stretch>
-              <a:fillRect/>
-            </a:stretch>
-          </a:blipFill>
-          <a:ln>
-            <a:noFill/>
-          </a:ln>
-        </p:spPr>
-        <p:style>
-          <a:lnRef idx="2">
-            <a:schemeClr val="accent1">
-              <a:shade val="50000"/>
-            </a:schemeClr>
-          </a:lnRef>
-          <a:fillRef idx="1">
-            <a:schemeClr val="accent1"/>
-          </a:fillRef>
-          <a:effectRef idx="0">
-            <a:schemeClr val="accent1"/>
-          </a:effectRef>
-          <a:fontRef idx="minor">
-            <a:schemeClr val="lt1"/>
-          </a:fontRef>
-        </p:style>
-        <p:txBody>
-          <a:bodyPr rtlCol="0" anchor="ctr"/>
-          <a:lstStyle/>
-          <a:p>
-            <a:pPr algn="ctr"/>
-            <a:endParaRPr lang="ko-KR" altLang="en-US"/>
-          </a:p>
-        </p:txBody>
-      </p:sp>
-      <p:sp>
-        <p:nvSpPr>
-          <p:cNvPr id="20" name="직사각형 19">
-            <a:extLst>
-              <a:ext uri="{FF2B5EF4-FFF2-40B4-BE49-F238E27FC236}">
-                <a16:creationId xmlns:a16="http://schemas.microsoft.com/office/drawing/2014/main" id="{501CE7CF-D015-4856-900A-3D70DD072E6F}"/>
-              </a:ext>
-            </a:extLst>
-          </p:cNvPr>
-          <p:cNvSpPr/>
-          <p:nvPr/>
-        </p:nvSpPr>
-        <p:spPr>
-          <a:xfrm>
-            <a:off x="2242995" y="4935222"/>
-            <a:ext cx="1273988" cy="1336040"/>
-          </a:xfrm>
-          <a:prstGeom prst="rect">
-            <a:avLst/>
-          </a:prstGeom>
-          <a:blipFill dpi="0" rotWithShape="1">
-            <a:blip r:embed="rId3">
-              <a:alphaModFix amt="70000"/>
-            </a:blip>
-            <a:srcRect/>
-            <a:stretch>
-              <a:fillRect/>
-            </a:stretch>
-          </a:blipFill>
-          <a:ln>
-            <a:noFill/>
-          </a:ln>
-        </p:spPr>
-        <p:style>
-          <a:lnRef idx="2">
-            <a:schemeClr val="accent1">
-              <a:shade val="50000"/>
-            </a:schemeClr>
-          </a:lnRef>
-          <a:fillRef idx="1">
-            <a:schemeClr val="accent1"/>
-          </a:fillRef>
-          <a:effectRef idx="0">
-            <a:schemeClr val="accent1"/>
-          </a:effectRef>
-          <a:fontRef idx="minor">
-            <a:schemeClr val="lt1"/>
-          </a:fontRef>
-        </p:style>
-        <p:txBody>
-          <a:bodyPr rtlCol="0" anchor="ctr"/>
-          <a:lstStyle/>
-          <a:p>
-            <a:pPr algn="ctr"/>
-            <a:endParaRPr lang="ko-KR" altLang="en-US"/>
-          </a:p>
-        </p:txBody>
-      </p:sp>
-      <p:sp>
-        <p:nvSpPr>
-          <p:cNvPr id="21" name="직사각형 20">
-            <a:extLst>
-              <a:ext uri="{FF2B5EF4-FFF2-40B4-BE49-F238E27FC236}">
-                <a16:creationId xmlns:a16="http://schemas.microsoft.com/office/drawing/2014/main" id="{BAF13379-D48A-4989-B5A9-701D4311E2C7}"/>
-              </a:ext>
-            </a:extLst>
-          </p:cNvPr>
-          <p:cNvSpPr/>
-          <p:nvPr/>
-        </p:nvSpPr>
-        <p:spPr>
-          <a:xfrm>
-            <a:off x="974803" y="4935222"/>
-            <a:ext cx="1128626" cy="1336040"/>
-          </a:xfrm>
-          <a:prstGeom prst="rect">
-            <a:avLst/>
-          </a:prstGeom>
-          <a:blipFill dpi="0" rotWithShape="1">
-            <a:blip r:embed="rId4">
-              <a:alphaModFix amt="70000"/>
-            </a:blip>
-            <a:srcRect/>
-            <a:stretch>
-              <a:fillRect/>
-            </a:stretch>
-          </a:blipFill>
-          <a:ln>
-            <a:noFill/>
-          </a:ln>
-        </p:spPr>
-        <p:style>
-          <a:lnRef idx="2">
-            <a:schemeClr val="accent1">
-              <a:shade val="50000"/>
-            </a:schemeClr>
-          </a:lnRef>
-          <a:fillRef idx="1">
-            <a:schemeClr val="accent1"/>
-          </a:fillRef>
-          <a:effectRef idx="0">
-            <a:schemeClr val="accent1"/>
-          </a:effectRef>
-          <a:fontRef idx="minor">
-            <a:schemeClr val="lt1"/>
-          </a:fontRef>
-        </p:style>
-        <p:txBody>
-          <a:bodyPr rtlCol="0" anchor="ctr"/>
-          <a:lstStyle/>
-          <a:p>
-            <a:pPr algn="ctr"/>
-            <a:endParaRPr lang="ko-KR" altLang="en-US"/>
-          </a:p>
-        </p:txBody>
-      </p:sp>
-      <p:sp>
-        <p:nvSpPr>
-          <p:cNvPr id="22" name="직사각형 21">
-            <a:extLst>
-              <a:ext uri="{FF2B5EF4-FFF2-40B4-BE49-F238E27FC236}">
-                <a16:creationId xmlns:a16="http://schemas.microsoft.com/office/drawing/2014/main" id="{CA3240FE-D196-41C9-8310-0D7D91FDE6B8}"/>
-              </a:ext>
-            </a:extLst>
-          </p:cNvPr>
-          <p:cNvSpPr/>
-          <p:nvPr/>
-        </p:nvSpPr>
-        <p:spPr>
-          <a:xfrm>
-            <a:off x="2260243" y="3408364"/>
-            <a:ext cx="1273988" cy="1336040"/>
-          </a:xfrm>
-          <a:prstGeom prst="rect">
-            <a:avLst/>
-          </a:prstGeom>
-          <a:blipFill dpi="0" rotWithShape="1">
-            <a:blip r:embed="rId4">
-              <a:alphaModFix amt="70000"/>
-            </a:blip>
-            <a:srcRect/>
-            <a:stretch>
-              <a:fillRect/>
-            </a:stretch>
-          </a:blipFill>
-          <a:ln>
-            <a:noFill/>
-          </a:ln>
-        </p:spPr>
-        <p:style>
-          <a:lnRef idx="2">
-            <a:schemeClr val="accent1">
-              <a:shade val="50000"/>
-            </a:schemeClr>
-          </a:lnRef>
-          <a:fillRef idx="1">
-            <a:schemeClr val="accent1"/>
-          </a:fillRef>
-          <a:effectRef idx="0">
-            <a:schemeClr val="accent1"/>
-          </a:effectRef>
-          <a:fontRef idx="minor">
-            <a:schemeClr val="lt1"/>
-          </a:fontRef>
-        </p:style>
-        <p:txBody>
-          <a:bodyPr rtlCol="0" anchor="ctr"/>
-          <a:lstStyle/>
-          <a:p>
-            <a:pPr algn="ctr"/>
-            <a:endParaRPr lang="ko-KR" altLang="en-US"/>
-          </a:p>
-        </p:txBody>
-      </p:sp>
-      <p:sp>
-        <p:nvSpPr>
-          <p:cNvPr id="23" name="직사각형 22">
-            <a:extLst>
-              <a:ext uri="{FF2B5EF4-FFF2-40B4-BE49-F238E27FC236}">
-                <a16:creationId xmlns:a16="http://schemas.microsoft.com/office/drawing/2014/main" id="{DAF3C5F9-C0B1-401B-99F6-B4BEBECED633}"/>
-              </a:ext>
-            </a:extLst>
-          </p:cNvPr>
-          <p:cNvSpPr/>
-          <p:nvPr/>
-        </p:nvSpPr>
-        <p:spPr>
-          <a:xfrm>
-            <a:off x="974803" y="3408364"/>
-            <a:ext cx="1128626" cy="1336040"/>
-          </a:xfrm>
-          <a:prstGeom prst="rect">
-            <a:avLst/>
-          </a:prstGeom>
-          <a:blipFill dpi="0" rotWithShape="1">
-            <a:blip r:embed="rId3">
-              <a:alphaModFix amt="70000"/>
-            </a:blip>
-            <a:srcRect/>
-            <a:stretch>
-              <a:fillRect/>
-            </a:stretch>
-          </a:blipFill>
-          <a:ln>
-            <a:noFill/>
-          </a:ln>
-        </p:spPr>
-        <p:style>
-          <a:lnRef idx="2">
-            <a:schemeClr val="accent1">
-              <a:shade val="50000"/>
-            </a:schemeClr>
-          </a:lnRef>
-          <a:fillRef idx="1">
-            <a:schemeClr val="accent1"/>
-          </a:fillRef>
-          <a:effectRef idx="0">
-            <a:schemeClr val="accent1"/>
-          </a:effectRef>
-          <a:fontRef idx="minor">
-            <a:schemeClr val="lt1"/>
-          </a:fontRef>
-        </p:style>
-        <p:txBody>
-          <a:bodyPr rtlCol="0" anchor="ctr"/>
-          <a:lstStyle/>
-          <a:p>
-            <a:pPr algn="ctr"/>
-            <a:endParaRPr lang="ko-KR" altLang="en-US"/>
-          </a:p>
-        </p:txBody>
-      </p:sp>
-      <p:sp>
-        <p:nvSpPr>
-          <p:cNvPr id="24" name="직사각형 23">
-            <a:extLst>
-              <a:ext uri="{FF2B5EF4-FFF2-40B4-BE49-F238E27FC236}">
-                <a16:creationId xmlns:a16="http://schemas.microsoft.com/office/drawing/2014/main" id="{FB9EAE7C-FFD4-480A-896A-70FDD791E296}"/>
-              </a:ext>
-            </a:extLst>
-          </p:cNvPr>
-          <p:cNvSpPr/>
-          <p:nvPr/>
-        </p:nvSpPr>
-        <p:spPr>
-          <a:xfrm>
-            <a:off x="974803" y="1881506"/>
-            <a:ext cx="1133603" cy="1336040"/>
-          </a:xfrm>
-          <a:prstGeom prst="rect">
-            <a:avLst/>
-          </a:prstGeom>
-          <a:blipFill dpi="0" rotWithShape="1">
-            <a:blip r:embed="rId4">
-              <a:alphaModFix amt="70000"/>
-            </a:blip>
-            <a:srcRect/>
-            <a:stretch>
-              <a:fillRect/>
-            </a:stretch>
-          </a:blipFill>
-          <a:ln>
-            <a:noFill/>
-          </a:ln>
-        </p:spPr>
-        <p:style>
-          <a:lnRef idx="2">
-            <a:schemeClr val="accent1">
-              <a:shade val="50000"/>
-            </a:schemeClr>
-          </a:lnRef>
-          <a:fillRef idx="1">
-            <a:schemeClr val="accent1"/>
-          </a:fillRef>
-          <a:effectRef idx="0">
-            <a:schemeClr val="accent1"/>
-          </a:effectRef>
-          <a:fontRef idx="minor">
-            <a:schemeClr val="lt1"/>
-          </a:fontRef>
-        </p:style>
-        <p:txBody>
-          <a:bodyPr rtlCol="0" anchor="ctr"/>
-          <a:lstStyle/>
-          <a:p>
-            <a:pPr algn="ctr"/>
-            <a:endParaRPr lang="ko-KR" altLang="en-US"/>
-          </a:p>
-        </p:txBody>
-      </p:sp>
-      <p:sp>
-        <p:nvSpPr>
-          <p:cNvPr id="25" name="TextBox 24">
-            <a:extLst>
-              <a:ext uri="{FF2B5EF4-FFF2-40B4-BE49-F238E27FC236}">
-                <a16:creationId xmlns:a16="http://schemas.microsoft.com/office/drawing/2014/main" id="{F394ACC3-1090-4441-B7D7-8F107EF46302}"/>
-              </a:ext>
-            </a:extLst>
-          </p:cNvPr>
-          <p:cNvSpPr txBox="1"/>
-          <p:nvPr/>
-        </p:nvSpPr>
-        <p:spPr>
-          <a:xfrm>
-            <a:off x="6547527" y="1690688"/>
-            <a:ext cx="5402441" cy="4247317"/>
-          </a:xfrm>
-          <a:prstGeom prst="rect">
-            <a:avLst/>
-          </a:prstGeom>
-          <a:noFill/>
-        </p:spPr>
-        <p:txBody>
-          <a:bodyPr wrap="none" rtlCol="0">
-            <a:spAutoFit/>
-          </a:bodyPr>
-          <a:lstStyle/>
-          <a:p>
-            <a:endParaRPr lang="en-US" altLang="ko-KR" dirty="0"/>
-          </a:p>
-          <a:p>
-            <a:r>
-              <a:rPr lang="ko-KR" altLang="en-US" dirty="0"/>
-              <a:t>화면 전체에 옷들이 보이게 한다</a:t>
-            </a:r>
-            <a:endParaRPr lang="en-US" altLang="ko-KR" dirty="0"/>
-          </a:p>
-          <a:p>
-            <a:endParaRPr lang="en-US" altLang="ko-KR" dirty="0"/>
-          </a:p>
-          <a:p>
-            <a:r>
-              <a:rPr lang="ko-KR" altLang="en-US" dirty="0"/>
-              <a:t>화살표를 이용하여 위아래로 스크롤 할 수 있다</a:t>
-            </a:r>
-            <a:endParaRPr lang="en-US" altLang="ko-KR" dirty="0"/>
-          </a:p>
-          <a:p>
-            <a:r>
-              <a:rPr lang="en-US" altLang="ko-KR" dirty="0"/>
-              <a:t>Or </a:t>
-            </a:r>
-            <a:r>
-              <a:rPr lang="ko-KR" altLang="en-US" dirty="0"/>
-              <a:t>손을 아래에서 위로 하면 옷들이 위로 이동하고</a:t>
-            </a:r>
-            <a:endParaRPr lang="en-US" altLang="ko-KR" dirty="0"/>
-          </a:p>
-          <a:p>
-            <a:r>
-              <a:rPr lang="ko-KR" altLang="en-US" dirty="0"/>
-              <a:t>위에서 아래로 </a:t>
-            </a:r>
-            <a:r>
-              <a:rPr lang="ko-KR" altLang="en-US"/>
-              <a:t>하면 옷들이 아래로 이동한다</a:t>
-            </a:r>
-            <a:endParaRPr lang="en-US" altLang="ko-KR" dirty="0"/>
-          </a:p>
-          <a:p>
-            <a:r>
-              <a:rPr lang="ko-KR" altLang="en-US" dirty="0"/>
-              <a:t> </a:t>
-            </a:r>
-            <a:endParaRPr lang="en-US" altLang="ko-KR" dirty="0"/>
-          </a:p>
-          <a:p>
-            <a:r>
-              <a:rPr lang="ko-KR" altLang="en-US" dirty="0"/>
-              <a:t>손으로 조작해야 하기 때문에 옷을 살짝 투명하게</a:t>
-            </a:r>
-            <a:endParaRPr lang="en-US" altLang="ko-KR" dirty="0"/>
-          </a:p>
-          <a:p>
-            <a:r>
-              <a:rPr lang="ko-KR" altLang="en-US" dirty="0"/>
-              <a:t>해서 자신의 손이 어디 있는지 보이도록 하였다</a:t>
-            </a:r>
-            <a:endParaRPr lang="en-US" altLang="ko-KR" dirty="0"/>
-          </a:p>
-          <a:p>
-            <a:endParaRPr lang="en-US" altLang="ko-KR" dirty="0"/>
-          </a:p>
-          <a:p>
-            <a:r>
-              <a:rPr lang="ko-KR" altLang="en-US" dirty="0"/>
-              <a:t>장점 </a:t>
-            </a:r>
-            <a:r>
-              <a:rPr lang="en-US" altLang="ko-KR" dirty="0"/>
-              <a:t>- </a:t>
-            </a:r>
-            <a:r>
-              <a:rPr lang="ko-KR" altLang="en-US" dirty="0"/>
-              <a:t>한번에 많은 옷들을 보여줄 수 있다</a:t>
-            </a:r>
-            <a:endParaRPr lang="en-US" altLang="ko-KR" dirty="0"/>
-          </a:p>
-          <a:p>
-            <a:r>
-              <a:rPr lang="ko-KR" altLang="en-US" dirty="0"/>
-              <a:t>단점 </a:t>
-            </a:r>
-            <a:r>
-              <a:rPr lang="en-US" altLang="ko-KR" dirty="0"/>
-              <a:t>- </a:t>
-            </a:r>
-            <a:r>
-              <a:rPr lang="ko-KR" altLang="en-US" dirty="0"/>
-              <a:t>옷의 투명도를 조작하였기에 </a:t>
-            </a:r>
-            <a:endParaRPr lang="en-US" altLang="ko-KR" dirty="0"/>
-          </a:p>
-          <a:p>
-            <a:r>
-              <a:rPr lang="en-US" altLang="ko-KR" dirty="0"/>
-              <a:t>         </a:t>
-            </a:r>
-            <a:r>
-              <a:rPr lang="ko-KR" altLang="en-US" dirty="0"/>
-              <a:t>실제 옷과 차이가 있다</a:t>
-            </a:r>
-            <a:endParaRPr lang="en-US" altLang="ko-KR" dirty="0"/>
-          </a:p>
-          <a:p>
-            <a:r>
-              <a:rPr lang="en-US" altLang="ko-KR" dirty="0"/>
-              <a:t>         </a:t>
-            </a:r>
-            <a:r>
-              <a:rPr lang="ko-KR" altLang="en-US" dirty="0"/>
-              <a:t>디자인이 조잡해 보일 수 있다</a:t>
-            </a:r>
-            <a:endParaRPr lang="en-US" altLang="ko-KR" dirty="0"/>
-          </a:p>
-          <a:p>
-            <a:endParaRPr lang="en-US" altLang="ko-KR" dirty="0"/>
-          </a:p>
-        </p:txBody>
-      </p:sp>
-      <p:sp>
-        <p:nvSpPr>
-          <p:cNvPr id="26" name="직사각형 25">
-            <a:extLst>
-              <a:ext uri="{FF2B5EF4-FFF2-40B4-BE49-F238E27FC236}">
-                <a16:creationId xmlns:a16="http://schemas.microsoft.com/office/drawing/2014/main" id="{3F45730B-F2E1-42A3-852A-A9DDF2CCFF9F}"/>
-              </a:ext>
-            </a:extLst>
-          </p:cNvPr>
-          <p:cNvSpPr/>
-          <p:nvPr/>
-        </p:nvSpPr>
-        <p:spPr>
-          <a:xfrm>
-            <a:off x="3655600" y="3408364"/>
-            <a:ext cx="1273988" cy="1336040"/>
-          </a:xfrm>
-          <a:prstGeom prst="rect">
-            <a:avLst/>
-          </a:prstGeom>
-          <a:blipFill dpi="0" rotWithShape="1">
-            <a:blip r:embed="rId3">
-              <a:alphaModFix amt="70000"/>
-            </a:blip>
-            <a:srcRect/>
-            <a:stretch>
-              <a:fillRect/>
-            </a:stretch>
-          </a:blipFill>
-          <a:ln>
-            <a:noFill/>
-          </a:ln>
-        </p:spPr>
-        <p:style>
-          <a:lnRef idx="2">
-            <a:schemeClr val="accent1">
-              <a:shade val="50000"/>
-            </a:schemeClr>
-          </a:lnRef>
-          <a:fillRef idx="1">
-            <a:schemeClr val="accent1"/>
-          </a:fillRef>
-          <a:effectRef idx="0">
-            <a:schemeClr val="accent1"/>
-          </a:effectRef>
-          <a:fontRef idx="minor">
-            <a:schemeClr val="lt1"/>
-          </a:fontRef>
-        </p:style>
-        <p:txBody>
-          <a:bodyPr rtlCol="0" anchor="ctr"/>
-          <a:lstStyle/>
-          <a:p>
-            <a:pPr algn="ctr"/>
-            <a:endParaRPr lang="ko-KR" altLang="en-US"/>
-          </a:p>
-        </p:txBody>
-      </p:sp>
-      <p:sp>
-        <p:nvSpPr>
-          <p:cNvPr id="27" name="직사각형 26">
-            <a:extLst>
-              <a:ext uri="{FF2B5EF4-FFF2-40B4-BE49-F238E27FC236}">
-                <a16:creationId xmlns:a16="http://schemas.microsoft.com/office/drawing/2014/main" id="{96A454B5-D595-491D-AF2F-9807A51C88B7}"/>
-              </a:ext>
-            </a:extLst>
-          </p:cNvPr>
-          <p:cNvSpPr/>
-          <p:nvPr/>
-        </p:nvSpPr>
-        <p:spPr>
-          <a:xfrm>
-            <a:off x="3655600" y="1881506"/>
-            <a:ext cx="1273988" cy="1336040"/>
-          </a:xfrm>
-          <a:prstGeom prst="rect">
-            <a:avLst/>
-          </a:prstGeom>
-          <a:blipFill dpi="0" rotWithShape="1">
-            <a:blip r:embed="rId4">
-              <a:alphaModFix amt="70000"/>
-            </a:blip>
-            <a:srcRect/>
-            <a:stretch>
-              <a:fillRect/>
-            </a:stretch>
-          </a:blipFill>
-          <a:ln>
-            <a:noFill/>
-          </a:ln>
-        </p:spPr>
-        <p:style>
-          <a:lnRef idx="2">
-            <a:schemeClr val="accent1">
-              <a:shade val="50000"/>
-            </a:schemeClr>
-          </a:lnRef>
-          <a:fillRef idx="1">
-            <a:schemeClr val="accent1"/>
-          </a:fillRef>
-          <a:effectRef idx="0">
-            <a:schemeClr val="accent1"/>
-          </a:effectRef>
-          <a:fontRef idx="minor">
-            <a:schemeClr val="lt1"/>
-          </a:fontRef>
-        </p:style>
-        <p:txBody>
-          <a:bodyPr rtlCol="0" anchor="ctr"/>
-          <a:lstStyle/>
-          <a:p>
-            <a:pPr algn="ctr"/>
-            <a:endParaRPr lang="ko-KR" altLang="en-US"/>
-          </a:p>
-        </p:txBody>
-      </p:sp>
-      <p:sp>
-        <p:nvSpPr>
-          <p:cNvPr id="28" name="직사각형 27">
-            <a:extLst>
-              <a:ext uri="{FF2B5EF4-FFF2-40B4-BE49-F238E27FC236}">
-                <a16:creationId xmlns:a16="http://schemas.microsoft.com/office/drawing/2014/main" id="{C0EA6BD9-45DF-4263-BC06-B27AD246AA48}"/>
-              </a:ext>
-            </a:extLst>
-          </p:cNvPr>
-          <p:cNvSpPr/>
-          <p:nvPr/>
-        </p:nvSpPr>
-        <p:spPr>
-          <a:xfrm>
-            <a:off x="3655600" y="4935222"/>
-            <a:ext cx="1273988" cy="1336040"/>
-          </a:xfrm>
-          <a:prstGeom prst="rect">
-            <a:avLst/>
-          </a:prstGeom>
-          <a:blipFill dpi="0" rotWithShape="1">
-            <a:blip r:embed="rId4">
-              <a:alphaModFix amt="70000"/>
-            </a:blip>
-            <a:srcRect/>
-            <a:stretch>
-              <a:fillRect/>
-            </a:stretch>
-          </a:blipFill>
-          <a:ln>
-            <a:noFill/>
-          </a:ln>
-        </p:spPr>
-        <p:style>
-          <a:lnRef idx="2">
-            <a:schemeClr val="accent1">
-              <a:shade val="50000"/>
-            </a:schemeClr>
-          </a:lnRef>
-          <a:fillRef idx="1">
-            <a:schemeClr val="accent1"/>
-          </a:fillRef>
-          <a:effectRef idx="0">
-            <a:schemeClr val="accent1"/>
-          </a:effectRef>
-          <a:fontRef idx="minor">
-            <a:schemeClr val="lt1"/>
-          </a:fontRef>
-        </p:style>
-        <p:txBody>
-          <a:bodyPr rtlCol="0" anchor="ctr"/>
-          <a:lstStyle/>
-          <a:p>
-            <a:pPr algn="ctr"/>
-            <a:endParaRPr lang="ko-KR" altLang="en-US"/>
-          </a:p>
-        </p:txBody>
-      </p:sp>
-      <p:sp>
-        <p:nvSpPr>
-          <p:cNvPr id="29" name="이등변 삼각형 28">
-            <a:extLst>
-              <a:ext uri="{FF2B5EF4-FFF2-40B4-BE49-F238E27FC236}">
-                <a16:creationId xmlns:a16="http://schemas.microsoft.com/office/drawing/2014/main" id="{19FDE23D-C599-4963-BAB9-70C361F18577}"/>
-              </a:ext>
-            </a:extLst>
-          </p:cNvPr>
-          <p:cNvSpPr/>
-          <p:nvPr/>
-        </p:nvSpPr>
-        <p:spPr>
-          <a:xfrm>
-            <a:off x="5314950" y="2085975"/>
-            <a:ext cx="295275" cy="800100"/>
-          </a:xfrm>
-          <a:prstGeom prst="triangle">
-            <a:avLst/>
-          </a:prstGeom>
-          <a:noFill/>
-          <a:ln w="25400"/>
-        </p:spPr>
-        <p:style>
-          <a:lnRef idx="2">
-            <a:schemeClr val="accent1">
-              <a:shade val="50000"/>
-            </a:schemeClr>
-          </a:lnRef>
-          <a:fillRef idx="1">
-            <a:schemeClr val="accent1"/>
-          </a:fillRef>
-          <a:effectRef idx="0">
-            <a:schemeClr val="accent1"/>
-          </a:effectRef>
-          <a:fontRef idx="minor">
-            <a:schemeClr val="lt1"/>
-          </a:fontRef>
-        </p:style>
-        <p:txBody>
-          <a:bodyPr rtlCol="0" anchor="ctr"/>
-          <a:lstStyle/>
-          <a:p>
-            <a:pPr algn="ctr"/>
-            <a:endParaRPr lang="ko-KR" altLang="en-US" dirty="0"/>
-          </a:p>
-        </p:txBody>
-      </p:sp>
-      <p:sp>
-        <p:nvSpPr>
-          <p:cNvPr id="16" name="이등변 삼각형 15">
-            <a:extLst>
-              <a:ext uri="{FF2B5EF4-FFF2-40B4-BE49-F238E27FC236}">
-                <a16:creationId xmlns:a16="http://schemas.microsoft.com/office/drawing/2014/main" id="{5948595C-0AC5-4573-B59A-97740C99B486}"/>
-              </a:ext>
-            </a:extLst>
-          </p:cNvPr>
-          <p:cNvSpPr/>
-          <p:nvPr/>
-        </p:nvSpPr>
-        <p:spPr>
-          <a:xfrm rot="10800000">
-            <a:off x="5318253" y="3811588"/>
-            <a:ext cx="295275" cy="800100"/>
-          </a:xfrm>
-          <a:prstGeom prst="triangle">
-            <a:avLst/>
-          </a:prstGeom>
-          <a:noFill/>
-          <a:ln w="25400"/>
-        </p:spPr>
-        <p:style>
-          <a:lnRef idx="2">
-            <a:schemeClr val="accent1">
-              <a:shade val="50000"/>
-            </a:schemeClr>
-          </a:lnRef>
-          <a:fillRef idx="1">
-            <a:schemeClr val="accent1"/>
-          </a:fillRef>
-          <a:effectRef idx="0">
-            <a:schemeClr val="accent1"/>
-          </a:effectRef>
-          <a:fontRef idx="minor">
-            <a:schemeClr val="lt1"/>
-          </a:fontRef>
-        </p:style>
-        <p:txBody>
-          <a:bodyPr rtlCol="0" anchor="ctr"/>
-          <a:lstStyle/>
-          <a:p>
-            <a:pPr algn="ctr"/>
-            <a:endParaRPr lang="ko-KR" altLang="en-US" dirty="0"/>
-          </a:p>
-        </p:txBody>
-      </p:sp>
-    </p:spTree>
-    <p:extLst>
-      <p:ext uri="{BB962C8B-B14F-4D97-AF65-F5344CB8AC3E}">
-        <p14:creationId xmlns:p14="http://schemas.microsoft.com/office/powerpoint/2010/main" val="2976786995"/>
-      </p:ext>
-    </p:extLst>
-  </p:cSld>
-  <p:clrMapOvr>
-    <a:masterClrMapping/>
-  </p:clrMapOvr>
-</p:sld>
-</file>
-
-<file path=ppt/slides/slide8.xml><?xml version="1.0" encoding="utf-8"?>
-<p:sld xmlns:a="http://schemas.openxmlformats.org/drawingml/2006/main" xmlns:r="http://schemas.openxmlformats.org/officeDocument/2006/relationships" xmlns:p="http://schemas.openxmlformats.org/presentationml/2006/main">
-  <p:cSld>
-    <p:spTree>
-      <p:nvGrpSpPr>
-        <p:cNvPr id="1" name=""/>
-        <p:cNvGrpSpPr/>
-        <p:nvPr/>
-      </p:nvGrpSpPr>
-      <p:grpSpPr>
-        <a:xfrm>
-          <a:off x="0" y="0"/>
-          <a:ext cx="0" cy="0"/>
-          <a:chOff x="0" y="0"/>
-          <a:chExt cx="0" cy="0"/>
-        </a:xfrm>
-      </p:grpSpPr>
-      <p:sp>
-        <p:nvSpPr>
-          <p:cNvPr id="2" name="제목 1">
-            <a:extLst>
-              <a:ext uri="{FF2B5EF4-FFF2-40B4-BE49-F238E27FC236}">
-                <a16:creationId xmlns:a16="http://schemas.microsoft.com/office/drawing/2014/main" id="{41313CD4-E571-43EE-A625-5C47561F8CBD}"/>
-              </a:ext>
-            </a:extLst>
-          </p:cNvPr>
-          <p:cNvSpPr>
-            <a:spLocks noGrp="1"/>
-          </p:cNvSpPr>
-          <p:nvPr>
-            <p:ph type="title"/>
-          </p:nvPr>
-        </p:nvSpPr>
-        <p:spPr/>
-        <p:txBody>
-          <a:bodyPr/>
-          <a:lstStyle/>
-          <a:p>
-            <a:r>
-              <a:rPr lang="ko-KR" altLang="en-US" dirty="0"/>
-              <a:t>목록화면</a:t>
-            </a:r>
-            <a:r>
-              <a:rPr lang="en-US" altLang="ko-KR" dirty="0"/>
-              <a:t>(2)</a:t>
-            </a:r>
-            <a:endParaRPr lang="ko-KR" altLang="en-US" dirty="0"/>
-          </a:p>
-        </p:txBody>
-      </p:sp>
-      <p:pic>
-        <p:nvPicPr>
-          <p:cNvPr id="4" name="내용 개체 틀 3">
-            <a:extLst>
-              <a:ext uri="{FF2B5EF4-FFF2-40B4-BE49-F238E27FC236}">
-                <a16:creationId xmlns:a16="http://schemas.microsoft.com/office/drawing/2014/main" id="{AD8EFBB7-2D5E-42F3-A609-8B2DCC9A5AAA}"/>
-              </a:ext>
-            </a:extLst>
-          </p:cNvPr>
-          <p:cNvPicPr>
-            <a:picLocks noChangeAspect="1"/>
-          </p:cNvPicPr>
-          <p:nvPr/>
-        </p:nvPicPr>
-        <p:blipFill>
-          <a:blip r:embed="rId2"/>
-          <a:stretch>
-            <a:fillRect/>
-          </a:stretch>
-        </p:blipFill>
-        <p:spPr>
-          <a:xfrm>
-            <a:off x="838200" y="1690688"/>
-            <a:ext cx="4894707" cy="4351338"/>
-          </a:xfrm>
-          <a:prstGeom prst="rect">
-            <a:avLst/>
-          </a:prstGeom>
-        </p:spPr>
-      </p:pic>
-      <p:sp>
-        <p:nvSpPr>
-          <p:cNvPr id="5" name="직사각형 4">
-            <a:extLst>
-              <a:ext uri="{FF2B5EF4-FFF2-40B4-BE49-F238E27FC236}">
-                <a16:creationId xmlns:a16="http://schemas.microsoft.com/office/drawing/2014/main" id="{64582FCA-FBD4-4D74-B2F2-993693D600EA}"/>
-              </a:ext>
-            </a:extLst>
-          </p:cNvPr>
-          <p:cNvSpPr/>
-          <p:nvPr/>
-        </p:nvSpPr>
-        <p:spPr>
-          <a:xfrm>
-            <a:off x="4458919" y="1512092"/>
-            <a:ext cx="1273988" cy="1336040"/>
-          </a:xfrm>
-          <a:prstGeom prst="rect">
-            <a:avLst/>
-          </a:prstGeom>
-          <a:blipFill dpi="0" rotWithShape="1">
-            <a:blip r:embed="rId3"/>
-            <a:srcRect/>
-            <a:stretch>
-              <a:fillRect/>
-            </a:stretch>
-          </a:blipFill>
-          <a:ln>
-            <a:noFill/>
-          </a:ln>
-        </p:spPr>
-        <p:style>
-          <a:lnRef idx="2">
-            <a:schemeClr val="accent1">
-              <a:shade val="50000"/>
-            </a:schemeClr>
-          </a:lnRef>
-          <a:fillRef idx="1">
-            <a:schemeClr val="accent1"/>
-          </a:fillRef>
-          <a:effectRef idx="0">
-            <a:schemeClr val="accent1"/>
-          </a:effectRef>
-          <a:fontRef idx="minor">
-            <a:schemeClr val="lt1"/>
-          </a:fontRef>
-        </p:style>
-        <p:txBody>
-          <a:bodyPr rtlCol="0" anchor="ctr"/>
-          <a:lstStyle/>
-          <a:p>
-            <a:pPr algn="ctr"/>
-            <a:endParaRPr lang="ko-KR" altLang="en-US"/>
-          </a:p>
-        </p:txBody>
-      </p:sp>
-      <p:sp>
-        <p:nvSpPr>
-          <p:cNvPr id="6" name="직사각형 5">
-            <a:extLst>
-              <a:ext uri="{FF2B5EF4-FFF2-40B4-BE49-F238E27FC236}">
-                <a16:creationId xmlns:a16="http://schemas.microsoft.com/office/drawing/2014/main" id="{90C27918-2D27-4D88-A47C-0FC7F96F4D08}"/>
-              </a:ext>
-            </a:extLst>
-          </p:cNvPr>
-          <p:cNvSpPr/>
-          <p:nvPr/>
-        </p:nvSpPr>
-        <p:spPr>
-          <a:xfrm>
-            <a:off x="4458919" y="4549856"/>
-            <a:ext cx="1273988" cy="1336040"/>
-          </a:xfrm>
-          <a:prstGeom prst="rect">
-            <a:avLst/>
-          </a:prstGeom>
-          <a:blipFill dpi="0" rotWithShape="1">
-            <a:blip r:embed="rId3"/>
-            <a:srcRect/>
-            <a:stretch>
-              <a:fillRect/>
-            </a:stretch>
-          </a:blipFill>
-          <a:ln>
-            <a:noFill/>
-          </a:ln>
-        </p:spPr>
-        <p:style>
-          <a:lnRef idx="2">
-            <a:schemeClr val="accent1">
-              <a:shade val="50000"/>
-            </a:schemeClr>
-          </a:lnRef>
-          <a:fillRef idx="1">
-            <a:schemeClr val="accent1"/>
-          </a:fillRef>
-          <a:effectRef idx="0">
-            <a:schemeClr val="accent1"/>
-          </a:effectRef>
-          <a:fontRef idx="minor">
-            <a:schemeClr val="lt1"/>
-          </a:fontRef>
-        </p:style>
-        <p:txBody>
-          <a:bodyPr rtlCol="0" anchor="ctr"/>
-          <a:lstStyle/>
-          <a:p>
-            <a:pPr algn="ctr"/>
-            <a:endParaRPr lang="ko-KR" altLang="en-US"/>
-          </a:p>
-        </p:txBody>
-      </p:sp>
-      <p:sp>
-        <p:nvSpPr>
-          <p:cNvPr id="7" name="직사각형 6">
-            <a:extLst>
-              <a:ext uri="{FF2B5EF4-FFF2-40B4-BE49-F238E27FC236}">
-                <a16:creationId xmlns:a16="http://schemas.microsoft.com/office/drawing/2014/main" id="{F848F59D-4E2E-454A-ADF1-03352FB237A1}"/>
-              </a:ext>
-            </a:extLst>
-          </p:cNvPr>
-          <p:cNvSpPr/>
-          <p:nvPr/>
-        </p:nvSpPr>
-        <p:spPr>
-          <a:xfrm>
-            <a:off x="4458919" y="3029188"/>
-            <a:ext cx="1273988" cy="1336040"/>
-          </a:xfrm>
-          <a:prstGeom prst="rect">
-            <a:avLst/>
-          </a:prstGeom>
-          <a:blipFill dpi="0" rotWithShape="1">
-            <a:blip r:embed="rId4"/>
-            <a:srcRect/>
-            <a:stretch>
-              <a:fillRect/>
-            </a:stretch>
-          </a:blipFill>
-          <a:ln>
-            <a:noFill/>
-          </a:ln>
-        </p:spPr>
-        <p:style>
-          <a:lnRef idx="2">
-            <a:schemeClr val="accent1">
-              <a:shade val="50000"/>
-            </a:schemeClr>
-          </a:lnRef>
-          <a:fillRef idx="1">
-            <a:schemeClr val="accent1"/>
-          </a:fillRef>
-          <a:effectRef idx="0">
-            <a:schemeClr val="accent1"/>
-          </a:effectRef>
-          <a:fontRef idx="minor">
-            <a:schemeClr val="lt1"/>
-          </a:fontRef>
-        </p:style>
-        <p:txBody>
-          <a:bodyPr rtlCol="0" anchor="ctr"/>
-          <a:lstStyle/>
-          <a:p>
-            <a:pPr algn="ctr"/>
-            <a:endParaRPr lang="ko-KR" altLang="en-US" dirty="0"/>
-          </a:p>
-        </p:txBody>
-      </p:sp>
-      <p:sp>
-        <p:nvSpPr>
-          <p:cNvPr id="8" name="TextBox 7">
-            <a:extLst>
-              <a:ext uri="{FF2B5EF4-FFF2-40B4-BE49-F238E27FC236}">
-                <a16:creationId xmlns:a16="http://schemas.microsoft.com/office/drawing/2014/main" id="{5BE10D8B-42CA-479C-9E80-85B13AAA5BBE}"/>
-              </a:ext>
-            </a:extLst>
-          </p:cNvPr>
-          <p:cNvSpPr txBox="1"/>
-          <p:nvPr/>
-        </p:nvSpPr>
-        <p:spPr>
-          <a:xfrm>
-            <a:off x="6908800" y="1899920"/>
-            <a:ext cx="5142755" cy="2585323"/>
-          </a:xfrm>
-          <a:prstGeom prst="rect">
-            <a:avLst/>
-          </a:prstGeom>
-          <a:noFill/>
-        </p:spPr>
-        <p:txBody>
-          <a:bodyPr wrap="none" rtlCol="0">
-            <a:spAutoFit/>
-          </a:bodyPr>
-          <a:lstStyle/>
-          <a:p>
-            <a:r>
-              <a:rPr lang="ko-KR" altLang="en-US" dirty="0"/>
-              <a:t>오른 쪽에 옷들을 배치한다</a:t>
-            </a:r>
-            <a:endParaRPr lang="en-US" altLang="ko-KR" dirty="0"/>
-          </a:p>
-          <a:p>
-            <a:r>
-              <a:rPr lang="ko-KR" altLang="en-US" dirty="0"/>
-              <a:t>화살표를 이용하여 위 아래로 스크롤 할 수 있다</a:t>
-            </a:r>
-            <a:endParaRPr lang="en-US" altLang="ko-KR" dirty="0"/>
-          </a:p>
-          <a:p>
-            <a:r>
-              <a:rPr lang="en-US" altLang="ko-KR" dirty="0"/>
-              <a:t>Or</a:t>
-            </a:r>
-            <a:r>
-              <a:rPr lang="ko-KR" altLang="en-US" dirty="0"/>
-              <a:t> 손을 옷이 있는 구역 아래에서 위로 올리면</a:t>
-            </a:r>
-            <a:endParaRPr lang="en-US" altLang="ko-KR" dirty="0"/>
-          </a:p>
-          <a:p>
-            <a:r>
-              <a:rPr lang="ko-KR" altLang="en-US" dirty="0"/>
-              <a:t>옷이 위로 이동하고 위에서 아래로 내리면 옷이</a:t>
-            </a:r>
-            <a:endParaRPr lang="en-US" altLang="ko-KR" dirty="0"/>
-          </a:p>
-          <a:p>
-            <a:r>
-              <a:rPr lang="ko-KR" altLang="en-US" dirty="0"/>
-              <a:t>아래로 이동하게 한다</a:t>
-            </a:r>
-            <a:endParaRPr lang="en-US" altLang="ko-KR" dirty="0"/>
-          </a:p>
-          <a:p>
-            <a:r>
-              <a:rPr lang="en-US" altLang="ko-KR" dirty="0"/>
-              <a:t> </a:t>
-            </a:r>
-          </a:p>
-          <a:p>
-            <a:r>
-              <a:rPr lang="ko-KR" altLang="en-US" dirty="0"/>
-              <a:t>장점 </a:t>
-            </a:r>
-            <a:r>
-              <a:rPr lang="en-US" altLang="ko-KR" dirty="0"/>
-              <a:t>- </a:t>
-            </a:r>
-            <a:r>
-              <a:rPr lang="ko-KR" altLang="en-US" dirty="0"/>
-              <a:t>디자인이 깔끔하다</a:t>
-            </a:r>
-            <a:endParaRPr lang="en-US" altLang="ko-KR" dirty="0"/>
-          </a:p>
-          <a:p>
-            <a:r>
-              <a:rPr lang="ko-KR" altLang="en-US" dirty="0"/>
-              <a:t>단점 </a:t>
-            </a:r>
-            <a:r>
-              <a:rPr lang="en-US" altLang="ko-KR" dirty="0"/>
-              <a:t>- </a:t>
-            </a:r>
-            <a:r>
-              <a:rPr lang="ko-KR" altLang="en-US" dirty="0"/>
-              <a:t>한번에 소량의 옷만 볼 수 있기에</a:t>
-            </a:r>
-            <a:endParaRPr lang="en-US" altLang="ko-KR" dirty="0"/>
-          </a:p>
-          <a:p>
-            <a:r>
-              <a:rPr lang="en-US" altLang="ko-KR" dirty="0"/>
-              <a:t>         </a:t>
-            </a:r>
-            <a:r>
-              <a:rPr lang="ko-KR" altLang="en-US" dirty="0"/>
-              <a:t>원하는 옷을 찾는데</a:t>
-            </a:r>
-            <a:r>
-              <a:rPr lang="en-US" altLang="ko-KR" dirty="0"/>
-              <a:t> </a:t>
-            </a:r>
-            <a:r>
-              <a:rPr lang="ko-KR" altLang="en-US" dirty="0"/>
-              <a:t>시간이 걸린다</a:t>
-            </a:r>
-          </a:p>
-        </p:txBody>
-      </p:sp>
-      <p:sp>
-        <p:nvSpPr>
-          <p:cNvPr id="9" name="이등변 삼각형 8">
-            <a:extLst>
-              <a:ext uri="{FF2B5EF4-FFF2-40B4-BE49-F238E27FC236}">
-                <a16:creationId xmlns:a16="http://schemas.microsoft.com/office/drawing/2014/main" id="{EECA2CDF-EBE9-4BC2-A35D-92DEB10F7C5B}"/>
-              </a:ext>
-            </a:extLst>
-          </p:cNvPr>
-          <p:cNvSpPr/>
-          <p:nvPr/>
-        </p:nvSpPr>
-        <p:spPr>
-          <a:xfrm>
-            <a:off x="1200150" y="2048032"/>
-            <a:ext cx="295275" cy="800100"/>
-          </a:xfrm>
-          <a:prstGeom prst="triangle">
-            <a:avLst/>
-          </a:prstGeom>
-        </p:spPr>
-        <p:style>
-          <a:lnRef idx="2">
-            <a:schemeClr val="accent1">
-              <a:shade val="50000"/>
-            </a:schemeClr>
-          </a:lnRef>
-          <a:fillRef idx="1">
-            <a:schemeClr val="accent1"/>
-          </a:fillRef>
-          <a:effectRef idx="0">
-            <a:schemeClr val="accent1"/>
-          </a:effectRef>
-          <a:fontRef idx="minor">
-            <a:schemeClr val="lt1"/>
-          </a:fontRef>
-        </p:style>
-        <p:txBody>
-          <a:bodyPr rtlCol="0" anchor="ctr"/>
-          <a:lstStyle/>
-          <a:p>
-            <a:pPr algn="ctr"/>
-            <a:endParaRPr lang="ko-KR" altLang="en-US"/>
-          </a:p>
-        </p:txBody>
-      </p:sp>
-      <p:sp>
-        <p:nvSpPr>
-          <p:cNvPr id="10" name="이등변 삼각형 9">
-            <a:extLst>
-              <a:ext uri="{FF2B5EF4-FFF2-40B4-BE49-F238E27FC236}">
-                <a16:creationId xmlns:a16="http://schemas.microsoft.com/office/drawing/2014/main" id="{4F5F6EB1-6B09-4EF0-BF18-4D225B2C2D16}"/>
-              </a:ext>
-            </a:extLst>
-          </p:cNvPr>
-          <p:cNvSpPr/>
-          <p:nvPr/>
-        </p:nvSpPr>
-        <p:spPr>
-          <a:xfrm rot="10800000">
-            <a:off x="1200149" y="3609819"/>
-            <a:ext cx="295275" cy="800100"/>
-          </a:xfrm>
-          <a:prstGeom prst="triangle">
-            <a:avLst/>
-          </a:prstGeom>
-        </p:spPr>
-        <p:style>
-          <a:lnRef idx="2">
-            <a:schemeClr val="accent1">
-              <a:shade val="50000"/>
-            </a:schemeClr>
-          </a:lnRef>
-          <a:fillRef idx="1">
-            <a:schemeClr val="accent1"/>
-          </a:fillRef>
-          <a:effectRef idx="0">
-            <a:schemeClr val="accent1"/>
-          </a:effectRef>
-          <a:fontRef idx="minor">
-            <a:schemeClr val="lt1"/>
-          </a:fontRef>
-        </p:style>
-        <p:txBody>
-          <a:bodyPr rtlCol="0" anchor="ctr"/>
-          <a:lstStyle/>
-          <a:p>
-            <a:pPr algn="ctr"/>
-            <a:endParaRPr lang="ko-KR" altLang="en-US"/>
-          </a:p>
-        </p:txBody>
-      </p:sp>
-    </p:spTree>
-    <p:extLst>
-      <p:ext uri="{BB962C8B-B14F-4D97-AF65-F5344CB8AC3E}">
-        <p14:creationId xmlns:p14="http://schemas.microsoft.com/office/powerpoint/2010/main" val="1763868889"/>
-      </p:ext>
-    </p:extLst>
-  </p:cSld>
-  <p:clrMapOvr>
-    <a:masterClrMapping/>
-  </p:clrMapOvr>
-</p:sld>
-</file>
-
 <file path=ppt/slides/slide9.xml><?xml version="1.0" encoding="utf-8"?>
 <p:sld xmlns:a="http://schemas.openxmlformats.org/drawingml/2006/main" xmlns:r="http://schemas.openxmlformats.org/officeDocument/2006/relationships" xmlns:p="http://schemas.openxmlformats.org/presentationml/2006/main">
   <p:cSld>
@@ -10286,7 +13672,7 @@
           <p:cNvPr id="2" name="제목 1">
             <a:extLst>
               <a:ext uri="{FF2B5EF4-FFF2-40B4-BE49-F238E27FC236}">
-                <a16:creationId xmlns:a16="http://schemas.microsoft.com/office/drawing/2014/main" id="{FADA963E-F77B-49EE-B198-BCBC60F5CA7B}"/>
+                <a16:creationId xmlns:a16="http://schemas.microsoft.com/office/drawing/2014/main" id="{B0497BC4-A30D-4F53-AAD3-9B51EBF97CAB}"/>
               </a:ext>
             </a:extLst>
           </p:cNvPr>
@@ -10304,11 +13690,11 @@
           <a:p>
             <a:r>
               <a:rPr lang="ko-KR" altLang="en-US" dirty="0"/>
-              <a:t>목록화면</a:t>
+              <a:t>초기화면 </a:t>
             </a:r>
             <a:r>
               <a:rPr lang="en-US" altLang="ko-KR" dirty="0"/>
-              <a:t>(3)</a:t>
+              <a:t>2</a:t>
             </a:r>
             <a:endParaRPr lang="ko-KR" altLang="en-US" dirty="0"/>
           </a:p>
@@ -10319,14 +13705,16 @@
           <p:cNvPr id="4" name="내용 개체 틀 3">
             <a:extLst>
               <a:ext uri="{FF2B5EF4-FFF2-40B4-BE49-F238E27FC236}">
-                <a16:creationId xmlns:a16="http://schemas.microsoft.com/office/drawing/2014/main" id="{0DC64D5B-DDF0-41C9-BAD5-26A56AC585DD}"/>
+                <a16:creationId xmlns:a16="http://schemas.microsoft.com/office/drawing/2014/main" id="{1FE717B5-C397-4D21-BBF9-00CDBF9C50B6}"/>
               </a:ext>
             </a:extLst>
           </p:cNvPr>
           <p:cNvPicPr>
-            <a:picLocks noChangeAspect="1"/>
+            <a:picLocks noGrp="1" noChangeAspect="1"/>
           </p:cNvPicPr>
-          <p:nvPr/>
+          <p:nvPr>
+            <p:ph idx="1"/>
+          </p:nvPr>
         </p:nvPicPr>
         <p:blipFill>
           <a:blip r:embed="rId2"/>
@@ -10336,7 +13724,7 @@
         </p:blipFill>
         <p:spPr>
           <a:xfrm>
-            <a:off x="3784600" y="2141537"/>
+            <a:off x="838200" y="1690688"/>
             <a:ext cx="4894707" cy="4351338"/>
           </a:xfrm>
           <a:prstGeom prst="rect">
@@ -10349,7 +13737,7 @@
           <p:cNvPr id="5" name="직사각형 4">
             <a:extLst>
               <a:ext uri="{FF2B5EF4-FFF2-40B4-BE49-F238E27FC236}">
-                <a16:creationId xmlns:a16="http://schemas.microsoft.com/office/drawing/2014/main" id="{D3C6EF9E-E8AB-4189-A495-17FA36C51FF0}"/>
+                <a16:creationId xmlns:a16="http://schemas.microsoft.com/office/drawing/2014/main" id="{2A399D5F-01B0-4F20-BEA7-D16EBAB26132}"/>
               </a:ext>
             </a:extLst>
           </p:cNvPr>
@@ -10358,22 +13746,12 @@
         </p:nvSpPr>
         <p:spPr>
           <a:xfrm>
-            <a:off x="5737199" y="1584960"/>
-            <a:ext cx="876961" cy="897412"/>
+            <a:off x="933450" y="1800225"/>
+            <a:ext cx="904875" cy="352425"/>
           </a:xfrm>
           <a:prstGeom prst="rect">
             <a:avLst/>
           </a:prstGeom>
-          <a:blipFill dpi="0" rotWithShape="1">
-            <a:blip r:embed="rId3"/>
-            <a:srcRect/>
-            <a:stretch>
-              <a:fillRect/>
-            </a:stretch>
-          </a:blipFill>
-          <a:ln>
-            <a:noFill/>
-          </a:ln>
         </p:spPr>
         <p:style>
           <a:lnRef idx="2">
@@ -10396,7 +13774,15 @@
           <a:lstStyle/>
           <a:p>
             <a:pPr algn="ctr"/>
-            <a:endParaRPr lang="ko-KR" altLang="en-US"/>
+            <a:r>
+              <a:rPr lang="en-US" altLang="ko-KR" dirty="0"/>
+              <a:t>T-</a:t>
+            </a:r>
+            <a:r>
+              <a:rPr lang="en-US" altLang="ko-KR" dirty="0" err="1"/>
+              <a:t>shrit</a:t>
+            </a:r>
+            <a:endParaRPr lang="ko-KR" altLang="en-US" dirty="0"/>
           </a:p>
         </p:txBody>
       </p:sp>
@@ -10405,7 +13791,7 @@
           <p:cNvPr id="6" name="직사각형 5">
             <a:extLst>
               <a:ext uri="{FF2B5EF4-FFF2-40B4-BE49-F238E27FC236}">
-                <a16:creationId xmlns:a16="http://schemas.microsoft.com/office/drawing/2014/main" id="{A84BB32B-035F-4A1D-ABF4-A988EF6A1BA3}"/>
+                <a16:creationId xmlns:a16="http://schemas.microsoft.com/office/drawing/2014/main" id="{4355B051-452D-4CF3-A855-0A9016B26D01}"/>
               </a:ext>
             </a:extLst>
           </p:cNvPr>
@@ -10414,22 +13800,12 @@
         </p:nvSpPr>
         <p:spPr>
           <a:xfrm>
-            <a:off x="6724599" y="1584960"/>
-            <a:ext cx="631241" cy="668020"/>
+            <a:off x="4438650" y="2505075"/>
+            <a:ext cx="914400" cy="511176"/>
           </a:xfrm>
           <a:prstGeom prst="rect">
             <a:avLst/>
           </a:prstGeom>
-          <a:blipFill dpi="0" rotWithShape="1">
-            <a:blip r:embed="rId4"/>
-            <a:srcRect/>
-            <a:stretch>
-              <a:fillRect/>
-            </a:stretch>
-          </a:blipFill>
-          <a:ln>
-            <a:noFill/>
-          </a:ln>
         </p:spPr>
         <p:style>
           <a:lnRef idx="2">
@@ -10452,7 +13828,10 @@
           <a:lstStyle/>
           <a:p>
             <a:pPr algn="ctr"/>
-            <a:endParaRPr lang="ko-KR" altLang="en-US" dirty="0"/>
+            <a:r>
+              <a:rPr lang="ko-KR" altLang="en-US" dirty="0"/>
+              <a:t>추천</a:t>
+            </a:r>
           </a:p>
         </p:txBody>
       </p:sp>
@@ -10461,7 +13840,7 @@
           <p:cNvPr id="7" name="직사각형 6">
             <a:extLst>
               <a:ext uri="{FF2B5EF4-FFF2-40B4-BE49-F238E27FC236}">
-                <a16:creationId xmlns:a16="http://schemas.microsoft.com/office/drawing/2014/main" id="{4199F35B-CF20-4DFD-9560-535A35B7C6F5}"/>
+                <a16:creationId xmlns:a16="http://schemas.microsoft.com/office/drawing/2014/main" id="{9A487E40-8904-4F36-ACDC-87A5C8C3C1AA}"/>
               </a:ext>
             </a:extLst>
           </p:cNvPr>
@@ -10470,22 +13849,12 @@
         </p:nvSpPr>
         <p:spPr>
           <a:xfrm>
-            <a:off x="5050738" y="1582103"/>
-            <a:ext cx="631241" cy="668020"/>
+            <a:off x="4438650" y="3319462"/>
+            <a:ext cx="914400" cy="511176"/>
           </a:xfrm>
           <a:prstGeom prst="rect">
             <a:avLst/>
           </a:prstGeom>
-          <a:blipFill dpi="0" rotWithShape="1">
-            <a:blip r:embed="rId4"/>
-            <a:srcRect/>
-            <a:stretch>
-              <a:fillRect/>
-            </a:stretch>
-          </a:blipFill>
-          <a:ln>
-            <a:noFill/>
-          </a:ln>
         </p:spPr>
         <p:style>
           <a:lnRef idx="2">
@@ -10508,16 +13877,88 @@
           <a:lstStyle/>
           <a:p>
             <a:pPr algn="ctr"/>
-            <a:endParaRPr lang="ko-KR" altLang="en-US" dirty="0"/>
-          </a:p>
-        </p:txBody>
-      </p:sp>
-      <p:sp>
-        <p:nvSpPr>
-          <p:cNvPr id="8" name="직사각형 7">
-            <a:extLst>
-              <a:ext uri="{FF2B5EF4-FFF2-40B4-BE49-F238E27FC236}">
-                <a16:creationId xmlns:a16="http://schemas.microsoft.com/office/drawing/2014/main" id="{9D0A0CCB-E7EE-4F28-ADF0-39C0248C4EB5}"/>
+            <a:r>
+              <a:rPr lang="ko-KR" altLang="en-US" dirty="0"/>
+              <a:t>목록</a:t>
+            </a:r>
+          </a:p>
+        </p:txBody>
+      </p:sp>
+      <p:sp>
+        <p:nvSpPr>
+          <p:cNvPr id="8" name="TextBox 7">
+            <a:extLst>
+              <a:ext uri="{FF2B5EF4-FFF2-40B4-BE49-F238E27FC236}">
+                <a16:creationId xmlns:a16="http://schemas.microsoft.com/office/drawing/2014/main" id="{63E8E266-182F-4435-8EF5-DDB6533D26C4}"/>
+              </a:ext>
+            </a:extLst>
+          </p:cNvPr>
+          <p:cNvSpPr txBox="1"/>
+          <p:nvPr/>
+        </p:nvSpPr>
+        <p:spPr>
+          <a:xfrm>
+            <a:off x="6459095" y="2551113"/>
+            <a:ext cx="3594254" cy="2031325"/>
+          </a:xfrm>
+          <a:prstGeom prst="rect">
+            <a:avLst/>
+          </a:prstGeom>
+          <a:noFill/>
+        </p:spPr>
+        <p:txBody>
+          <a:bodyPr wrap="none" rtlCol="0">
+            <a:spAutoFit/>
+          </a:bodyPr>
+          <a:lstStyle/>
+          <a:p>
+            <a:r>
+              <a:rPr lang="ko-KR" altLang="en-US" dirty="0"/>
+              <a:t>추천 클릭 시 추천 화면으로 이동</a:t>
+            </a:r>
+            <a:endParaRPr lang="en-US" altLang="ko-KR" dirty="0"/>
+          </a:p>
+          <a:p>
+            <a:endParaRPr lang="en-US" altLang="ko-KR" dirty="0"/>
+          </a:p>
+          <a:p>
+            <a:endParaRPr lang="en-US" altLang="ko-KR" dirty="0"/>
+          </a:p>
+          <a:p>
+            <a:r>
+              <a:rPr lang="ko-KR" altLang="en-US" dirty="0"/>
+              <a:t>목록 클릭 시 목록 화면으로 이동</a:t>
+            </a:r>
+            <a:endParaRPr lang="en-US" altLang="ko-KR" dirty="0"/>
+          </a:p>
+          <a:p>
+            <a:endParaRPr lang="en-US" altLang="ko-KR" dirty="0"/>
+          </a:p>
+          <a:p>
+            <a:endParaRPr lang="en-US" altLang="ko-KR" dirty="0"/>
+          </a:p>
+          <a:p>
+            <a:r>
+              <a:rPr lang="ko-KR" altLang="en-US" dirty="0"/>
+              <a:t>뒤로 클릭 시 초기화면 </a:t>
+            </a:r>
+            <a:r>
+              <a:rPr lang="en-US" altLang="ko-KR" dirty="0"/>
+              <a:t>1</a:t>
+            </a:r>
+            <a:r>
+              <a:rPr lang="ko-KR" altLang="en-US" dirty="0"/>
+              <a:t>로 이동</a:t>
+            </a:r>
+          </a:p>
+        </p:txBody>
+      </p:sp>
+      <p:sp>
+        <p:nvSpPr>
+          <p:cNvPr id="10" name="직사각형 9">
+            <a:extLst>
+              <a:ext uri="{FF2B5EF4-FFF2-40B4-BE49-F238E27FC236}">
+                <a16:creationId xmlns:a16="http://schemas.microsoft.com/office/drawing/2014/main" id="{67167894-2ACE-4D2F-97E4-F2320D033EEE}"/>
               </a:ext>
             </a:extLst>
           </p:cNvPr>
@@ -10526,22 +13967,12 @@
         </p:nvSpPr>
         <p:spPr>
           <a:xfrm>
-            <a:off x="7456119" y="1325721"/>
-            <a:ext cx="460401" cy="512763"/>
+            <a:off x="4438650" y="4133849"/>
+            <a:ext cx="914400" cy="511176"/>
           </a:xfrm>
           <a:prstGeom prst="rect">
             <a:avLst/>
           </a:prstGeom>
-          <a:blipFill dpi="0" rotWithShape="1">
-            <a:blip r:embed="rId3"/>
-            <a:srcRect/>
-            <a:stretch>
-              <a:fillRect/>
-            </a:stretch>
-          </a:blipFill>
-          <a:ln>
-            <a:noFill/>
-          </a:ln>
         </p:spPr>
         <p:style>
           <a:lnRef idx="2">
@@ -10564,460 +13995,19 @@
           <a:lstStyle/>
           <a:p>
             <a:pPr algn="ctr"/>
-            <a:endParaRPr lang="ko-KR" altLang="en-US"/>
-          </a:p>
-        </p:txBody>
-      </p:sp>
-      <p:sp>
-        <p:nvSpPr>
-          <p:cNvPr id="10" name="직사각형 9">
-            <a:extLst>
-              <a:ext uri="{FF2B5EF4-FFF2-40B4-BE49-F238E27FC236}">
-                <a16:creationId xmlns:a16="http://schemas.microsoft.com/office/drawing/2014/main" id="{57F20438-5447-4573-BEBD-9653F801E3F8}"/>
-              </a:ext>
-            </a:extLst>
-          </p:cNvPr>
-          <p:cNvSpPr/>
-          <p:nvPr/>
-        </p:nvSpPr>
-        <p:spPr>
-          <a:xfrm>
-            <a:off x="4479898" y="1325721"/>
-            <a:ext cx="460401" cy="512763"/>
-          </a:xfrm>
-          <a:prstGeom prst="rect">
-            <a:avLst/>
-          </a:prstGeom>
-          <a:blipFill dpi="0" rotWithShape="1">
-            <a:blip r:embed="rId3"/>
-            <a:srcRect/>
-            <a:stretch>
-              <a:fillRect/>
-            </a:stretch>
-          </a:blipFill>
-          <a:ln>
-            <a:noFill/>
-          </a:ln>
-        </p:spPr>
-        <p:style>
-          <a:lnRef idx="2">
-            <a:schemeClr val="accent1">
-              <a:shade val="50000"/>
-            </a:schemeClr>
-          </a:lnRef>
-          <a:fillRef idx="1">
-            <a:schemeClr val="accent1"/>
-          </a:fillRef>
-          <a:effectRef idx="0">
-            <a:schemeClr val="accent1"/>
-          </a:effectRef>
-          <a:fontRef idx="minor">
-            <a:schemeClr val="lt1"/>
-          </a:fontRef>
-        </p:style>
-        <p:txBody>
-          <a:bodyPr rtlCol="0" anchor="ctr"/>
-          <a:lstStyle/>
-          <a:p>
-            <a:pPr algn="ctr"/>
-            <a:endParaRPr lang="ko-KR" altLang="en-US"/>
-          </a:p>
-        </p:txBody>
-      </p:sp>
-      <p:sp>
-        <p:nvSpPr>
-          <p:cNvPr id="11" name="직사각형 10">
-            <a:extLst>
-              <a:ext uri="{FF2B5EF4-FFF2-40B4-BE49-F238E27FC236}">
-                <a16:creationId xmlns:a16="http://schemas.microsoft.com/office/drawing/2014/main" id="{6E654F82-B47B-4490-8D67-92463A6B4BA2}"/>
-              </a:ext>
-            </a:extLst>
-          </p:cNvPr>
-          <p:cNvSpPr/>
-          <p:nvPr/>
-        </p:nvSpPr>
-        <p:spPr>
-          <a:xfrm>
-            <a:off x="4871667" y="1140141"/>
-            <a:ext cx="247704" cy="147639"/>
-          </a:xfrm>
-          <a:prstGeom prst="rect">
-            <a:avLst/>
-          </a:prstGeom>
-          <a:blipFill dpi="0" rotWithShape="1">
-            <a:blip r:embed="rId4"/>
-            <a:srcRect/>
-            <a:stretch>
-              <a:fillRect/>
-            </a:stretch>
-          </a:blipFill>
-          <a:ln>
-            <a:noFill/>
-          </a:ln>
-        </p:spPr>
-        <p:style>
-          <a:lnRef idx="2">
-            <a:schemeClr val="accent1">
-              <a:shade val="50000"/>
-            </a:schemeClr>
-          </a:lnRef>
-          <a:fillRef idx="1">
-            <a:schemeClr val="accent1"/>
-          </a:fillRef>
-          <a:effectRef idx="0">
-            <a:schemeClr val="accent1"/>
-          </a:effectRef>
-          <a:fontRef idx="minor">
-            <a:schemeClr val="lt1"/>
-          </a:fontRef>
-        </p:style>
-        <p:txBody>
-          <a:bodyPr rtlCol="0" anchor="ctr"/>
-          <a:lstStyle/>
-          <a:p>
-            <a:pPr algn="ctr"/>
-            <a:endParaRPr lang="ko-KR" altLang="en-US" dirty="0"/>
-          </a:p>
-        </p:txBody>
-      </p:sp>
-      <p:sp>
-        <p:nvSpPr>
-          <p:cNvPr id="12" name="직사각형 11">
-            <a:extLst>
-              <a:ext uri="{FF2B5EF4-FFF2-40B4-BE49-F238E27FC236}">
-                <a16:creationId xmlns:a16="http://schemas.microsoft.com/office/drawing/2014/main" id="{B59C0136-6A19-469D-AF93-B79763E036C6}"/>
-              </a:ext>
-            </a:extLst>
-          </p:cNvPr>
-          <p:cNvSpPr/>
-          <p:nvPr/>
-        </p:nvSpPr>
-        <p:spPr>
-          <a:xfrm>
-            <a:off x="7231988" y="1140140"/>
-            <a:ext cx="247704" cy="147639"/>
-          </a:xfrm>
-          <a:prstGeom prst="rect">
-            <a:avLst/>
-          </a:prstGeom>
-          <a:blipFill dpi="0" rotWithShape="1">
-            <a:blip r:embed="rId4"/>
-            <a:srcRect/>
-            <a:stretch>
-              <a:fillRect/>
-            </a:stretch>
-          </a:blipFill>
-          <a:ln>
-            <a:noFill/>
-          </a:ln>
-        </p:spPr>
-        <p:style>
-          <a:lnRef idx="2">
-            <a:schemeClr val="accent1">
-              <a:shade val="50000"/>
-            </a:schemeClr>
-          </a:lnRef>
-          <a:fillRef idx="1">
-            <a:schemeClr val="accent1"/>
-          </a:fillRef>
-          <a:effectRef idx="0">
-            <a:schemeClr val="accent1"/>
-          </a:effectRef>
-          <a:fontRef idx="minor">
-            <a:schemeClr val="lt1"/>
-          </a:fontRef>
-        </p:style>
-        <p:txBody>
-          <a:bodyPr rtlCol="0" anchor="ctr"/>
-          <a:lstStyle/>
-          <a:p>
-            <a:pPr algn="ctr"/>
-            <a:endParaRPr lang="ko-KR" altLang="en-US" dirty="0"/>
-          </a:p>
-        </p:txBody>
-      </p:sp>
-      <p:sp>
-        <p:nvSpPr>
-          <p:cNvPr id="13" name="타원 12">
-            <a:extLst>
-              <a:ext uri="{FF2B5EF4-FFF2-40B4-BE49-F238E27FC236}">
-                <a16:creationId xmlns:a16="http://schemas.microsoft.com/office/drawing/2014/main" id="{56D09819-B0A5-47EC-9147-1F1DA32F7F74}"/>
-              </a:ext>
-            </a:extLst>
-          </p:cNvPr>
-          <p:cNvSpPr/>
-          <p:nvPr/>
-        </p:nvSpPr>
-        <p:spPr>
-          <a:xfrm>
-            <a:off x="7040219" y="1039812"/>
-            <a:ext cx="54660" cy="69374"/>
-          </a:xfrm>
-          <a:prstGeom prst="ellipse">
-            <a:avLst/>
-          </a:prstGeom>
-        </p:spPr>
-        <p:style>
-          <a:lnRef idx="2">
-            <a:schemeClr val="accent1">
-              <a:shade val="50000"/>
-            </a:schemeClr>
-          </a:lnRef>
-          <a:fillRef idx="1">
-            <a:schemeClr val="accent1"/>
-          </a:fillRef>
-          <a:effectRef idx="0">
-            <a:schemeClr val="accent1"/>
-          </a:effectRef>
-          <a:fontRef idx="minor">
-            <a:schemeClr val="lt1"/>
-          </a:fontRef>
-        </p:style>
-        <p:txBody>
-          <a:bodyPr rtlCol="0" anchor="ctr"/>
-          <a:lstStyle/>
-          <a:p>
-            <a:pPr algn="ctr"/>
-            <a:endParaRPr lang="ko-KR" altLang="en-US"/>
-          </a:p>
-        </p:txBody>
-      </p:sp>
-      <p:sp>
-        <p:nvSpPr>
-          <p:cNvPr id="14" name="타원 13">
-            <a:extLst>
-              <a:ext uri="{FF2B5EF4-FFF2-40B4-BE49-F238E27FC236}">
-                <a16:creationId xmlns:a16="http://schemas.microsoft.com/office/drawing/2014/main" id="{918C3A79-D717-40DF-B9DB-94169E23D823}"/>
-              </a:ext>
-            </a:extLst>
-          </p:cNvPr>
-          <p:cNvSpPr/>
-          <p:nvPr/>
-        </p:nvSpPr>
-        <p:spPr>
-          <a:xfrm>
-            <a:off x="5338318" y="1070766"/>
-            <a:ext cx="54660" cy="69374"/>
-          </a:xfrm>
-          <a:prstGeom prst="ellipse">
-            <a:avLst/>
-          </a:prstGeom>
-        </p:spPr>
-        <p:style>
-          <a:lnRef idx="2">
-            <a:schemeClr val="accent1">
-              <a:shade val="50000"/>
-            </a:schemeClr>
-          </a:lnRef>
-          <a:fillRef idx="1">
-            <a:schemeClr val="accent1"/>
-          </a:fillRef>
-          <a:effectRef idx="0">
-            <a:schemeClr val="accent1"/>
-          </a:effectRef>
-          <a:fontRef idx="minor">
-            <a:schemeClr val="lt1"/>
-          </a:fontRef>
-        </p:style>
-        <p:txBody>
-          <a:bodyPr rtlCol="0" anchor="ctr"/>
-          <a:lstStyle/>
-          <a:p>
-            <a:pPr algn="ctr"/>
-            <a:endParaRPr lang="ko-KR" altLang="en-US"/>
-          </a:p>
-        </p:txBody>
-      </p:sp>
-      <p:sp>
-        <p:nvSpPr>
-          <p:cNvPr id="15" name="타원 14">
-            <a:extLst>
-              <a:ext uri="{FF2B5EF4-FFF2-40B4-BE49-F238E27FC236}">
-                <a16:creationId xmlns:a16="http://schemas.microsoft.com/office/drawing/2014/main" id="{D14A3DA4-6A21-4DE2-BEB9-8BB8A3B02DAA}"/>
-              </a:ext>
-            </a:extLst>
-          </p:cNvPr>
-          <p:cNvSpPr/>
-          <p:nvPr/>
-        </p:nvSpPr>
-        <p:spPr>
-          <a:xfrm>
-            <a:off x="5627319" y="993219"/>
-            <a:ext cx="54660" cy="69374"/>
-          </a:xfrm>
-          <a:prstGeom prst="ellipse">
-            <a:avLst/>
-          </a:prstGeom>
-        </p:spPr>
-        <p:style>
-          <a:lnRef idx="2">
-            <a:schemeClr val="accent1">
-              <a:shade val="50000"/>
-            </a:schemeClr>
-          </a:lnRef>
-          <a:fillRef idx="1">
-            <a:schemeClr val="accent1"/>
-          </a:fillRef>
-          <a:effectRef idx="0">
-            <a:schemeClr val="accent1"/>
-          </a:effectRef>
-          <a:fontRef idx="minor">
-            <a:schemeClr val="lt1"/>
-          </a:fontRef>
-        </p:style>
-        <p:txBody>
-          <a:bodyPr rtlCol="0" anchor="ctr"/>
-          <a:lstStyle/>
-          <a:p>
-            <a:pPr algn="ctr"/>
-            <a:endParaRPr lang="ko-KR" altLang="en-US"/>
-          </a:p>
-        </p:txBody>
-      </p:sp>
-      <p:sp>
-        <p:nvSpPr>
-          <p:cNvPr id="16" name="타원 15">
-            <a:extLst>
-              <a:ext uri="{FF2B5EF4-FFF2-40B4-BE49-F238E27FC236}">
-                <a16:creationId xmlns:a16="http://schemas.microsoft.com/office/drawing/2014/main" id="{558F4AC8-FA4C-49C5-87D7-FD621AEFBC13}"/>
-              </a:ext>
-            </a:extLst>
-          </p:cNvPr>
-          <p:cNvSpPr/>
-          <p:nvPr/>
-        </p:nvSpPr>
-        <p:spPr>
-          <a:xfrm>
-            <a:off x="6730899" y="944960"/>
-            <a:ext cx="54660" cy="69374"/>
-          </a:xfrm>
-          <a:prstGeom prst="ellipse">
-            <a:avLst/>
-          </a:prstGeom>
-        </p:spPr>
-        <p:style>
-          <a:lnRef idx="2">
-            <a:schemeClr val="accent1">
-              <a:shade val="50000"/>
-            </a:schemeClr>
-          </a:lnRef>
-          <a:fillRef idx="1">
-            <a:schemeClr val="accent1"/>
-          </a:fillRef>
-          <a:effectRef idx="0">
-            <a:schemeClr val="accent1"/>
-          </a:effectRef>
-          <a:fontRef idx="minor">
-            <a:schemeClr val="lt1"/>
-          </a:fontRef>
-        </p:style>
-        <p:txBody>
-          <a:bodyPr rtlCol="0" anchor="ctr"/>
-          <a:lstStyle/>
-          <a:p>
-            <a:pPr algn="ctr"/>
-            <a:endParaRPr lang="ko-KR" altLang="en-US"/>
-          </a:p>
-        </p:txBody>
-      </p:sp>
-      <p:sp>
-        <p:nvSpPr>
-          <p:cNvPr id="17" name="타원 16">
-            <a:extLst>
-              <a:ext uri="{FF2B5EF4-FFF2-40B4-BE49-F238E27FC236}">
-                <a16:creationId xmlns:a16="http://schemas.microsoft.com/office/drawing/2014/main" id="{3051631D-C430-4BFD-A9C3-C188C699DB61}"/>
-              </a:ext>
-            </a:extLst>
-          </p:cNvPr>
-          <p:cNvSpPr/>
-          <p:nvPr/>
-        </p:nvSpPr>
-        <p:spPr>
-          <a:xfrm>
-            <a:off x="6894780" y="978852"/>
-            <a:ext cx="54660" cy="69374"/>
-          </a:xfrm>
-          <a:prstGeom prst="ellipse">
-            <a:avLst/>
-          </a:prstGeom>
-        </p:spPr>
-        <p:style>
-          <a:lnRef idx="2">
-            <a:schemeClr val="accent1">
-              <a:shade val="50000"/>
-            </a:schemeClr>
-          </a:lnRef>
-          <a:fillRef idx="1">
-            <a:schemeClr val="accent1"/>
-          </a:fillRef>
-          <a:effectRef idx="0">
-            <a:schemeClr val="accent1"/>
-          </a:effectRef>
-          <a:fontRef idx="minor">
-            <a:schemeClr val="lt1"/>
-          </a:fontRef>
-        </p:style>
-        <p:txBody>
-          <a:bodyPr rtlCol="0" anchor="ctr"/>
-          <a:lstStyle/>
-          <a:p>
-            <a:pPr algn="ctr"/>
-            <a:endParaRPr lang="ko-KR" altLang="en-US"/>
-          </a:p>
-        </p:txBody>
-      </p:sp>
-      <p:sp>
-        <p:nvSpPr>
-          <p:cNvPr id="18" name="타원 17">
-            <a:extLst>
-              <a:ext uri="{FF2B5EF4-FFF2-40B4-BE49-F238E27FC236}">
-                <a16:creationId xmlns:a16="http://schemas.microsoft.com/office/drawing/2014/main" id="{16BB8330-7B73-4E8E-A992-69EF251A6221}"/>
-              </a:ext>
-            </a:extLst>
-          </p:cNvPr>
-          <p:cNvSpPr/>
-          <p:nvPr/>
-        </p:nvSpPr>
-        <p:spPr>
-          <a:xfrm>
-            <a:off x="5460897" y="1052192"/>
-            <a:ext cx="45719" cy="53261"/>
-          </a:xfrm>
-          <a:prstGeom prst="ellipse">
-            <a:avLst/>
-          </a:prstGeom>
-        </p:spPr>
-        <p:style>
-          <a:lnRef idx="2">
-            <a:schemeClr val="accent1">
-              <a:shade val="50000"/>
-            </a:schemeClr>
-          </a:lnRef>
-          <a:fillRef idx="1">
-            <a:schemeClr val="accent1"/>
-          </a:fillRef>
-          <a:effectRef idx="0">
-            <a:schemeClr val="accent1"/>
-          </a:effectRef>
-          <a:fontRef idx="minor">
-            <a:schemeClr val="lt1"/>
-          </a:fontRef>
-        </p:style>
-        <p:txBody>
-          <a:bodyPr rtlCol="0" anchor="ctr"/>
-          <a:lstStyle/>
-          <a:p>
-            <a:pPr algn="ctr"/>
-            <a:endParaRPr lang="ko-KR" altLang="en-US"/>
-          </a:p>
-        </p:txBody>
-      </p:sp>
-      <p:sp>
-        <p:nvSpPr>
-          <p:cNvPr id="19" name="TextBox 18">
-            <a:extLst>
-              <a:ext uri="{FF2B5EF4-FFF2-40B4-BE49-F238E27FC236}">
-                <a16:creationId xmlns:a16="http://schemas.microsoft.com/office/drawing/2014/main" id="{CBE37928-685A-423A-89FF-EFBD513E3801}"/>
+            <a:r>
+              <a:rPr lang="ko-KR" altLang="en-US" dirty="0"/>
+              <a:t>뒤로</a:t>
+            </a:r>
+          </a:p>
+        </p:txBody>
+      </p:sp>
+      <p:sp>
+        <p:nvSpPr>
+          <p:cNvPr id="11" name="TextBox 10">
+            <a:extLst>
+              <a:ext uri="{FF2B5EF4-FFF2-40B4-BE49-F238E27FC236}">
+                <a16:creationId xmlns:a16="http://schemas.microsoft.com/office/drawing/2014/main" id="{BD46B30C-E848-423C-AA38-62346A38FD1C}"/>
               </a:ext>
             </a:extLst>
           </p:cNvPr>
@@ -11026,8 +14016,8 @@
         </p:nvSpPr>
         <p:spPr>
           <a:xfrm>
-            <a:off x="8910320" y="1372960"/>
-            <a:ext cx="3118161" cy="4524315"/>
+            <a:off x="6459095" y="1783318"/>
+            <a:ext cx="3512500" cy="369332"/>
           </a:xfrm>
           <a:prstGeom prst="rect">
             <a:avLst/>
@@ -11042,227 +14032,15 @@
           <a:p>
             <a:r>
               <a:rPr lang="ko-KR" altLang="en-US" dirty="0"/>
-              <a:t>머리 위에서 타원 형으로</a:t>
-            </a:r>
-            <a:endParaRPr lang="en-US" altLang="ko-KR" dirty="0"/>
-          </a:p>
-          <a:p>
-            <a:r>
-              <a:rPr lang="ko-KR" altLang="en-US" dirty="0"/>
-              <a:t>옷들이 배치된다</a:t>
-            </a:r>
-            <a:endParaRPr lang="en-US" altLang="ko-KR" dirty="0"/>
-          </a:p>
-          <a:p>
-            <a:endParaRPr lang="en-US" altLang="ko-KR" dirty="0"/>
-          </a:p>
-          <a:p>
-            <a:r>
-              <a:rPr lang="ko-KR" altLang="en-US" dirty="0"/>
-              <a:t>화살표를 이용하여</a:t>
-            </a:r>
-            <a:endParaRPr lang="en-US" altLang="ko-KR" dirty="0"/>
-          </a:p>
-          <a:p>
-            <a:r>
-              <a:rPr lang="ko-KR" altLang="en-US" dirty="0"/>
-              <a:t>좌우로 돌아가게 할 수 있다</a:t>
-            </a:r>
-            <a:endParaRPr lang="en-US" altLang="ko-KR" dirty="0"/>
-          </a:p>
-          <a:p>
-            <a:r>
-              <a:rPr lang="en-US" altLang="ko-KR" dirty="0"/>
-              <a:t>Or</a:t>
-            </a:r>
-          </a:p>
-          <a:p>
-            <a:r>
-              <a:rPr lang="ko-KR" altLang="en-US" dirty="0"/>
-              <a:t>손을 좌에서 우로 이동하면 </a:t>
-            </a:r>
-            <a:endParaRPr lang="en-US" altLang="ko-KR" dirty="0"/>
-          </a:p>
-          <a:p>
-            <a:r>
-              <a:rPr lang="ko-KR" altLang="en-US" dirty="0"/>
-              <a:t>옷이 오른쪽으로 이동하고</a:t>
-            </a:r>
-            <a:endParaRPr lang="en-US" altLang="ko-KR" dirty="0"/>
-          </a:p>
-          <a:p>
-            <a:r>
-              <a:rPr lang="ko-KR" altLang="en-US" dirty="0"/>
-              <a:t>손을 우에서 좌로 이동하면</a:t>
-            </a:r>
-            <a:endParaRPr lang="en-US" altLang="ko-KR" dirty="0"/>
-          </a:p>
-          <a:p>
-            <a:r>
-              <a:rPr lang="ko-KR" altLang="en-US" dirty="0"/>
-              <a:t>옷이 왼쪽으로 </a:t>
-            </a:r>
-            <a:r>
-              <a:rPr lang="ko-KR" altLang="en-US" dirty="0" err="1"/>
-              <a:t>이동하게한다</a:t>
-            </a:r>
-            <a:endParaRPr lang="en-US" altLang="ko-KR" dirty="0"/>
-          </a:p>
-          <a:p>
-            <a:endParaRPr lang="en-US" altLang="ko-KR" dirty="0"/>
-          </a:p>
-          <a:p>
-            <a:r>
-              <a:rPr lang="ko-KR" altLang="en-US" dirty="0"/>
-              <a:t>장점 </a:t>
-            </a:r>
-            <a:r>
-              <a:rPr lang="en-US" altLang="ko-KR" dirty="0"/>
-              <a:t>– </a:t>
-            </a:r>
-            <a:r>
-              <a:rPr lang="ko-KR" altLang="en-US" dirty="0" err="1"/>
-              <a:t>재밌는</a:t>
-            </a:r>
-            <a:r>
-              <a:rPr lang="ko-KR" altLang="en-US" dirty="0"/>
-              <a:t> 디자인이다</a:t>
-            </a:r>
-            <a:endParaRPr lang="en-US" altLang="ko-KR" dirty="0"/>
-          </a:p>
-          <a:p>
-            <a:r>
-              <a:rPr lang="en-US" altLang="ko-KR" dirty="0"/>
-              <a:t>         </a:t>
-            </a:r>
-          </a:p>
-          <a:p>
-            <a:r>
-              <a:rPr lang="ko-KR" altLang="en-US" dirty="0"/>
-              <a:t>단점 </a:t>
-            </a:r>
-            <a:r>
-              <a:rPr lang="en-US" altLang="ko-KR" dirty="0"/>
-              <a:t>– </a:t>
-            </a:r>
-            <a:r>
-              <a:rPr lang="ko-KR" altLang="en-US" dirty="0"/>
-              <a:t>한번에 많은 옷을 </a:t>
-            </a:r>
-            <a:endParaRPr lang="en-US" altLang="ko-KR" dirty="0"/>
-          </a:p>
-          <a:p>
-            <a:r>
-              <a:rPr lang="en-US" altLang="ko-KR" dirty="0"/>
-              <a:t>         </a:t>
-            </a:r>
-            <a:r>
-              <a:rPr lang="ko-KR" altLang="en-US" dirty="0"/>
-              <a:t>볼 수 없다</a:t>
-            </a:r>
-            <a:endParaRPr lang="en-US" altLang="ko-KR" dirty="0"/>
-          </a:p>
-          <a:p>
-            <a:endParaRPr lang="en-US" altLang="ko-KR" dirty="0"/>
-          </a:p>
-        </p:txBody>
-      </p:sp>
-      <p:sp>
-        <p:nvSpPr>
-          <p:cNvPr id="20" name="이등변 삼각형 19">
-            <a:extLst>
-              <a:ext uri="{FF2B5EF4-FFF2-40B4-BE49-F238E27FC236}">
-                <a16:creationId xmlns:a16="http://schemas.microsoft.com/office/drawing/2014/main" id="{825B801C-D17B-4BE2-BDCE-A9A86976A3E0}"/>
-              </a:ext>
-            </a:extLst>
-          </p:cNvPr>
-          <p:cNvSpPr/>
-          <p:nvPr/>
-        </p:nvSpPr>
-        <p:spPr>
-          <a:xfrm rot="16200000">
-            <a:off x="4435459" y="2659184"/>
-            <a:ext cx="498403" cy="511277"/>
-          </a:xfrm>
-          <a:prstGeom prst="triangle">
-            <a:avLst/>
-          </a:prstGeom>
-        </p:spPr>
-        <p:style>
-          <a:lnRef idx="2">
-            <a:schemeClr val="accent1">
-              <a:shade val="50000"/>
-            </a:schemeClr>
-          </a:lnRef>
-          <a:fillRef idx="1">
-            <a:schemeClr val="accent1"/>
-          </a:fillRef>
-          <a:effectRef idx="0">
-            <a:schemeClr val="accent1"/>
-          </a:effectRef>
-          <a:fontRef idx="minor">
-            <a:schemeClr val="lt1"/>
-          </a:fontRef>
-        </p:style>
-        <p:txBody>
-          <a:bodyPr rtlCol="0" anchor="ctr"/>
-          <a:lstStyle/>
-          <a:p>
-            <a:pPr algn="ctr"/>
-            <a:endParaRPr lang="ko-KR" altLang="en-US"/>
-          </a:p>
-        </p:txBody>
-      </p:sp>
-      <p:sp>
-        <p:nvSpPr>
-          <p:cNvPr id="21" name="이등변 삼각형 20">
-            <a:extLst>
-              <a:ext uri="{FF2B5EF4-FFF2-40B4-BE49-F238E27FC236}">
-                <a16:creationId xmlns:a16="http://schemas.microsoft.com/office/drawing/2014/main" id="{E18465E8-FEAE-4300-81F0-FD9BE33F21D5}"/>
-              </a:ext>
-            </a:extLst>
-          </p:cNvPr>
-          <p:cNvSpPr/>
-          <p:nvPr/>
-        </p:nvSpPr>
-        <p:spPr>
-          <a:xfrm rot="5400000">
-            <a:off x="7485488" y="2659183"/>
-            <a:ext cx="498403" cy="511277"/>
-          </a:xfrm>
-          <a:prstGeom prst="triangle">
-            <a:avLst/>
-          </a:prstGeom>
-        </p:spPr>
-        <p:style>
-          <a:lnRef idx="2">
-            <a:schemeClr val="accent1">
-              <a:shade val="50000"/>
-            </a:schemeClr>
-          </a:lnRef>
-          <a:fillRef idx="1">
-            <a:schemeClr val="accent1"/>
-          </a:fillRef>
-          <a:effectRef idx="0">
-            <a:schemeClr val="accent1"/>
-          </a:effectRef>
-          <a:fontRef idx="minor">
-            <a:schemeClr val="lt1"/>
-          </a:fontRef>
-        </p:style>
-        <p:txBody>
-          <a:bodyPr rtlCol="0" anchor="ctr"/>
-          <a:lstStyle/>
-          <a:p>
-            <a:pPr algn="ctr"/>
-            <a:endParaRPr lang="ko-KR" altLang="en-US"/>
+              <a:t>어떤 옷 종류를 클릭했는지 표시</a:t>
+            </a:r>
           </a:p>
         </p:txBody>
       </p:sp>
     </p:spTree>
     <p:extLst>
       <p:ext uri="{BB962C8B-B14F-4D97-AF65-F5344CB8AC3E}">
-        <p14:creationId xmlns:p14="http://schemas.microsoft.com/office/powerpoint/2010/main" val="3221503357"/>
+        <p14:creationId xmlns:p14="http://schemas.microsoft.com/office/powerpoint/2010/main" val="4059620248"/>
       </p:ext>
     </p:extLst>
   </p:cSld>
